--- a/relazione/presentazione.pptx
+++ b/relazione/presentazione.pptx
@@ -5,18 +5,26 @@
     <p:sldMasterId id="2147483648" r:id="rId1"/>
   </p:sldMasterIdLst>
   <p:notesMasterIdLst>
-    <p:notesMasterId r:id="rId8"/>
+    <p:notesMasterId r:id="rId16"/>
   </p:notesMasterIdLst>
   <p:handoutMasterIdLst>
-    <p:handoutMasterId r:id="rId9"/>
+    <p:handoutMasterId r:id="rId17"/>
   </p:handoutMasterIdLst>
   <p:sldIdLst>
     <p:sldId id="263" r:id="rId2"/>
-    <p:sldId id="257" r:id="rId3"/>
-    <p:sldId id="258" r:id="rId4"/>
-    <p:sldId id="260" r:id="rId5"/>
-    <p:sldId id="259" r:id="rId6"/>
-    <p:sldId id="264" r:id="rId7"/>
+    <p:sldId id="266" r:id="rId3"/>
+    <p:sldId id="282" r:id="rId4"/>
+    <p:sldId id="283" r:id="rId5"/>
+    <p:sldId id="257" r:id="rId6"/>
+    <p:sldId id="284" r:id="rId7"/>
+    <p:sldId id="279" r:id="rId8"/>
+    <p:sldId id="280" r:id="rId9"/>
+    <p:sldId id="285" r:id="rId10"/>
+    <p:sldId id="286" r:id="rId11"/>
+    <p:sldId id="281" r:id="rId12"/>
+    <p:sldId id="260" r:id="rId13"/>
+    <p:sldId id="259" r:id="rId14"/>
+    <p:sldId id="264" r:id="rId15"/>
   </p:sldIdLst>
   <p:sldSz cx="9144000" cy="6858000" type="screen4x3"/>
   <p:notesSz cx="6858000" cy="9144000"/>
@@ -2095,7 +2103,7 @@
             <a:fld id="{E7145F25-9A3C-4FEF-9504-1B2692819EC5}" type="slidenum">
               <a:rPr lang="it-IT" altLang="en-US"/>
               <a:pPr/>
-              <a:t>2</a:t>
+              <a:t>5</a:t>
             </a:fld>
             <a:endParaRPr lang="it-IT" altLang="en-US"/>
           </a:p>
@@ -2176,108 +2184,6 @@
           <p:cNvPr id="7" name="Rectangle 7">
             <a:extLst>
               <a:ext uri="{FF2B5EF4-FFF2-40B4-BE49-F238E27FC236}">
-                <a16:creationId xmlns:a16="http://schemas.microsoft.com/office/drawing/2014/main" id="{93484409-DE8C-4931-A59E-1F75E1447E0D}"/>
-              </a:ext>
-            </a:extLst>
-          </p:cNvPr>
-          <p:cNvSpPr>
-            <a:spLocks noGrp="1" noChangeArrowheads="1"/>
-          </p:cNvSpPr>
-          <p:nvPr>
-            <p:ph type="sldNum" sz="quarter" idx="5"/>
-          </p:nvPr>
-        </p:nvSpPr>
-        <p:spPr>
-          <a:ln/>
-        </p:spPr>
-        <p:txBody>
-          <a:bodyPr/>
-          <a:lstStyle/>
-          <a:p>
-            <a:fld id="{5AD96613-1B14-456D-B7B9-7D53E8AF454B}" type="slidenum">
-              <a:rPr lang="it-IT" altLang="en-US"/>
-              <a:pPr/>
-              <a:t>3</a:t>
-            </a:fld>
-            <a:endParaRPr lang="it-IT" altLang="en-US"/>
-          </a:p>
-        </p:txBody>
-      </p:sp>
-      <p:sp>
-        <p:nvSpPr>
-          <p:cNvPr id="17410" name="Rectangle 2">
-            <a:extLst>
-              <a:ext uri="{FF2B5EF4-FFF2-40B4-BE49-F238E27FC236}">
-                <a16:creationId xmlns:a16="http://schemas.microsoft.com/office/drawing/2014/main" id="{A64F85CA-D374-4849-A2FC-EEA1580A45C2}"/>
-              </a:ext>
-            </a:extLst>
-          </p:cNvPr>
-          <p:cNvSpPr>
-            <a:spLocks noGrp="1" noRot="1" noChangeAspect="1" noChangeArrowheads="1" noTextEdit="1"/>
-          </p:cNvSpPr>
-          <p:nvPr>
-            <p:ph type="sldImg"/>
-          </p:nvPr>
-        </p:nvSpPr>
-        <p:spPr>
-          <a:ln/>
-        </p:spPr>
-      </p:sp>
-      <p:sp>
-        <p:nvSpPr>
-          <p:cNvPr id="17411" name="Rectangle 3">
-            <a:extLst>
-              <a:ext uri="{FF2B5EF4-FFF2-40B4-BE49-F238E27FC236}">
-                <a16:creationId xmlns:a16="http://schemas.microsoft.com/office/drawing/2014/main" id="{75A12038-2C82-40FD-BEDC-53B4D1C9E668}"/>
-              </a:ext>
-            </a:extLst>
-          </p:cNvPr>
-          <p:cNvSpPr>
-            <a:spLocks noGrp="1" noChangeArrowheads="1"/>
-          </p:cNvSpPr>
-          <p:nvPr>
-            <p:ph type="body" idx="1"/>
-          </p:nvPr>
-        </p:nvSpPr>
-        <p:spPr/>
-        <p:txBody>
-          <a:bodyPr/>
-          <a:lstStyle/>
-          <a:p>
-            <a:endParaRPr lang="en-US" altLang="en-US"/>
-          </a:p>
-        </p:txBody>
-      </p:sp>
-    </p:spTree>
-  </p:cSld>
-  <p:clrMapOvr>
-    <a:masterClrMapping/>
-  </p:clrMapOvr>
-</p:notes>
-</file>
-
-<file path=ppt/notesSlides/notesSlide4.xml><?xml version="1.0" encoding="utf-8"?>
-<p:notes xmlns:a="http://schemas.openxmlformats.org/drawingml/2006/main" xmlns:r="http://schemas.openxmlformats.org/officeDocument/2006/relationships" xmlns:p="http://schemas.openxmlformats.org/presentationml/2006/main">
-  <p:cSld>
-    <p:spTree>
-      <p:nvGrpSpPr>
-        <p:cNvPr id="1" name=""/>
-        <p:cNvGrpSpPr/>
-        <p:nvPr/>
-      </p:nvGrpSpPr>
-      <p:grpSpPr>
-        <a:xfrm>
-          <a:off x="0" y="0"/>
-          <a:ext cx="0" cy="0"/>
-          <a:chOff x="0" y="0"/>
-          <a:chExt cx="0" cy="0"/>
-        </a:xfrm>
-      </p:grpSpPr>
-      <p:sp>
-        <p:nvSpPr>
-          <p:cNvPr id="7" name="Rectangle 7">
-            <a:extLst>
-              <a:ext uri="{FF2B5EF4-FFF2-40B4-BE49-F238E27FC236}">
                 <a16:creationId xmlns:a16="http://schemas.microsoft.com/office/drawing/2014/main" id="{41CF62EF-9871-4900-9B5C-E38A0A3DEDDD}"/>
               </a:ext>
             </a:extLst>
@@ -2299,7 +2205,7 @@
             <a:fld id="{F605FFF4-3CC0-4A0F-94CC-760414F11E0A}" type="slidenum">
               <a:rPr lang="it-IT" altLang="en-US"/>
               <a:pPr/>
-              <a:t>4</a:t>
+              <a:t>12</a:t>
             </a:fld>
             <a:endParaRPr lang="it-IT" altLang="en-US"/>
           </a:p>
@@ -2358,7 +2264,7 @@
 </p:notes>
 </file>
 
-<file path=ppt/notesSlides/notesSlide5.xml><?xml version="1.0" encoding="utf-8"?>
+<file path=ppt/notesSlides/notesSlide4.xml><?xml version="1.0" encoding="utf-8"?>
 <p:notes xmlns:a="http://schemas.openxmlformats.org/drawingml/2006/main" xmlns:r="http://schemas.openxmlformats.org/officeDocument/2006/relationships" xmlns:p="http://schemas.openxmlformats.org/presentationml/2006/main">
   <p:cSld>
     <p:spTree>
@@ -2401,7 +2307,7 @@
             <a:fld id="{1488585F-78A4-4C2E-A109-E9E663114708}" type="slidenum">
               <a:rPr lang="it-IT" altLang="en-US"/>
               <a:pPr/>
-              <a:t>5</a:t>
+              <a:t>13</a:t>
             </a:fld>
             <a:endParaRPr lang="it-IT" altLang="en-US"/>
           </a:p>
@@ -2611,10 +2517,9 @@
             </a:lvl1pPr>
           </a:lstStyle>
           <a:p>
-            <a:fld id="{71296533-3213-4E44-8E9E-8631CC8A33FE}" type="datetime1">
-              <a:rPr lang="it-IT" altLang="en-US"/>
-              <a:pPr/>
-              <a:t>19/11/2021</a:t>
+            <a:fld id="{20F85103-467E-4DF4-AA6F-8719F289EC1D}" type="datetime1">
+              <a:rPr lang="it-IT" altLang="en-US" smtClean="0"/>
+              <a:t>25/11/2021</a:t>
             </a:fld>
             <a:endParaRPr lang="it-IT" altLang="en-US"/>
           </a:p>
@@ -2647,7 +2552,7 @@
           <a:p>
             <a:r>
               <a:rPr lang="it-IT" altLang="en-US"/>
-              <a:t>Titolo Presentazione</a:t>
+              <a:t>Calcolo dei numeri reali esatti in Haskell</a:t>
             </a:r>
           </a:p>
         </p:txBody>
@@ -2832,10 +2737,9 @@
             </a:lvl1pPr>
           </a:lstStyle>
           <a:p>
-            <a:fld id="{BA4CCC84-8257-439F-9C97-9BE33FDF6881}" type="datetime1">
-              <a:rPr lang="it-IT" altLang="en-US"/>
-              <a:pPr/>
-              <a:t>19/11/2021</a:t>
+            <a:fld id="{0E8E31A1-5C23-4335-94F3-6F6F5D1D4592}" type="datetime1">
+              <a:rPr lang="it-IT" altLang="en-US" smtClean="0"/>
+              <a:t>25/11/2021</a:t>
             </a:fld>
             <a:endParaRPr lang="it-IT" altLang="en-US"/>
           </a:p>
@@ -2868,7 +2772,7 @@
           <a:p>
             <a:r>
               <a:rPr lang="it-IT" altLang="en-US"/>
-              <a:t>Titolo Presentazione</a:t>
+              <a:t>Calcolo dei numeri reali esatti in Haskell</a:t>
             </a:r>
           </a:p>
         </p:txBody>
@@ -3063,10 +2967,9 @@
             </a:lvl1pPr>
           </a:lstStyle>
           <a:p>
-            <a:fld id="{15865B13-B2B7-4815-9FC1-CDA6CE61DD4F}" type="datetime1">
-              <a:rPr lang="it-IT" altLang="en-US"/>
-              <a:pPr/>
-              <a:t>19/11/2021</a:t>
+            <a:fld id="{C974CE13-1992-4DC4-B727-74D05C6BC361}" type="datetime1">
+              <a:rPr lang="it-IT" altLang="en-US" smtClean="0"/>
+              <a:t>25/11/2021</a:t>
             </a:fld>
             <a:endParaRPr lang="it-IT" altLang="en-US"/>
           </a:p>
@@ -3099,7 +3002,7 @@
           <a:p>
             <a:r>
               <a:rPr lang="it-IT" altLang="en-US"/>
-              <a:t>Titolo Presentazione</a:t>
+              <a:t>Calcolo dei numeri reali esatti in Haskell</a:t>
             </a:r>
           </a:p>
         </p:txBody>
@@ -3362,10 +3265,9 @@
             </a:lvl1pPr>
           </a:lstStyle>
           <a:p>
-            <a:fld id="{FF5F7A13-E6AE-4386-B337-4738C463F48C}" type="datetime1">
-              <a:rPr lang="it-IT" altLang="en-US"/>
-              <a:pPr/>
-              <a:t>19/11/2021</a:t>
+            <a:fld id="{77C96977-3816-45EB-98FD-781D698C9BC2}" type="datetime1">
+              <a:rPr lang="it-IT" altLang="en-US" smtClean="0"/>
+              <a:t>25/11/2021</a:t>
             </a:fld>
             <a:endParaRPr lang="it-IT" altLang="en-US"/>
           </a:p>
@@ -3403,7 +3305,7 @@
           <a:p>
             <a:r>
               <a:rPr lang="it-IT" altLang="en-US"/>
-              <a:t>Titolo Presentazione</a:t>
+              <a:t>Calcolo dei numeri reali esatti in Haskell</a:t>
             </a:r>
           </a:p>
         </p:txBody>
@@ -3575,10 +3477,9 @@
             </a:lvl1pPr>
           </a:lstStyle>
           <a:p>
-            <a:fld id="{90C4F587-7335-48B9-80AE-656092F042A8}" type="datetime1">
-              <a:rPr lang="it-IT" altLang="en-US"/>
-              <a:pPr/>
-              <a:t>19/11/2021</a:t>
+            <a:fld id="{A0F124D7-3C33-4F99-86E6-14A2D996E15D}" type="datetime1">
+              <a:rPr lang="it-IT" altLang="en-US" smtClean="0"/>
+              <a:t>25/11/2021</a:t>
             </a:fld>
             <a:endParaRPr lang="it-IT" altLang="en-US"/>
           </a:p>
@@ -3616,7 +3517,7 @@
           <a:p>
             <a:r>
               <a:rPr lang="it-IT" altLang="en-US"/>
-              <a:t>Titolo Presentazione</a:t>
+              <a:t>Calcolo dei numeri reali esatti in Haskell</a:t>
             </a:r>
           </a:p>
         </p:txBody>
@@ -3788,10 +3689,9 @@
             </a:lvl1pPr>
           </a:lstStyle>
           <a:p>
-            <a:fld id="{2F861CEB-92D3-4032-8574-6FA36B68F702}" type="datetime1">
-              <a:rPr lang="it-IT" altLang="en-US"/>
-              <a:pPr/>
-              <a:t>19/11/2021</a:t>
+            <a:fld id="{9C1E08C9-03C7-4DF8-A6CC-5313E5B4075C}" type="datetime1">
+              <a:rPr lang="it-IT" altLang="en-US" smtClean="0"/>
+              <a:t>25/11/2021</a:t>
             </a:fld>
             <a:endParaRPr lang="it-IT" altLang="en-US"/>
           </a:p>
@@ -3829,7 +3729,7 @@
           <a:p>
             <a:r>
               <a:rPr lang="it-IT" altLang="en-US"/>
-              <a:t>Titolo Presentazione</a:t>
+              <a:t>Calcolo dei numeri reali esatti in Haskell</a:t>
             </a:r>
           </a:p>
         </p:txBody>
@@ -4019,10 +3919,9 @@
             </a:lvl1pPr>
           </a:lstStyle>
           <a:p>
-            <a:fld id="{837EB4AE-E5B7-4524-96A1-41AEFD529F3D}" type="datetime1">
-              <a:rPr lang="it-IT" altLang="en-US"/>
-              <a:pPr/>
-              <a:t>19/11/2021</a:t>
+            <a:fld id="{A74AE6B2-01B3-4ACB-A6FA-B1D2ADFEFF1F}" type="datetime1">
+              <a:rPr lang="it-IT" altLang="en-US" smtClean="0"/>
+              <a:t>25/11/2021</a:t>
             </a:fld>
             <a:endParaRPr lang="it-IT" altLang="en-US"/>
           </a:p>
@@ -4055,7 +3954,7 @@
           <a:p>
             <a:r>
               <a:rPr lang="it-IT" altLang="en-US"/>
-              <a:t>Titolo Presentazione</a:t>
+              <a:t>Calcolo dei numeri reali esatti in Haskell</a:t>
             </a:r>
           </a:p>
         </p:txBody>
@@ -4262,10 +4161,9 @@
             </a:lvl1pPr>
           </a:lstStyle>
           <a:p>
-            <a:fld id="{6A5E2684-018E-4194-AB97-9DEF3D7BFBCE}" type="datetime1">
-              <a:rPr lang="it-IT" altLang="en-US"/>
-              <a:pPr/>
-              <a:t>19/11/2021</a:t>
+            <a:fld id="{1CC3259E-7D26-46CA-B1C2-E7C263CF781C}" type="datetime1">
+              <a:rPr lang="it-IT" altLang="en-US" smtClean="0"/>
+              <a:t>25/11/2021</a:t>
             </a:fld>
             <a:endParaRPr lang="it-IT" altLang="en-US"/>
           </a:p>
@@ -4298,7 +4196,7 @@
           <a:p>
             <a:r>
               <a:rPr lang="it-IT" altLang="en-US"/>
-              <a:t>Titolo Presentazione</a:t>
+              <a:t>Calcolo dei numeri reali esatti in Haskell</a:t>
             </a:r>
           </a:p>
         </p:txBody>
@@ -4551,10 +4449,9 @@
             </a:lvl1pPr>
           </a:lstStyle>
           <a:p>
-            <a:fld id="{86B49A8F-701B-43F0-AD9F-C237CAB09239}" type="datetime1">
-              <a:rPr lang="it-IT" altLang="en-US"/>
-              <a:pPr/>
-              <a:t>19/11/2021</a:t>
+            <a:fld id="{F33A2E1E-FF9E-4FBD-8B96-E01F4C941F5A}" type="datetime1">
+              <a:rPr lang="it-IT" altLang="en-US" smtClean="0"/>
+              <a:t>25/11/2021</a:t>
             </a:fld>
             <a:endParaRPr lang="it-IT" altLang="en-US"/>
           </a:p>
@@ -4587,7 +4484,7 @@
           <a:p>
             <a:r>
               <a:rPr lang="it-IT" altLang="en-US"/>
-              <a:t>Titolo Presentazione</a:t>
+              <a:t>Calcolo dei numeri reali esatti in Haskell</a:t>
             </a:r>
           </a:p>
         </p:txBody>
@@ -4987,10 +4884,9 @@
             </a:lvl1pPr>
           </a:lstStyle>
           <a:p>
-            <a:fld id="{C8A26D97-7275-45AD-99E3-7166DD5DF69A}" type="datetime1">
-              <a:rPr lang="it-IT" altLang="en-US"/>
-              <a:pPr/>
-              <a:t>19/11/2021</a:t>
+            <a:fld id="{53E32BD4-0383-4A35-BD80-84D6F584BC8B}" type="datetime1">
+              <a:rPr lang="it-IT" altLang="en-US" smtClean="0"/>
+              <a:t>25/11/2021</a:t>
             </a:fld>
             <a:endParaRPr lang="it-IT" altLang="en-US"/>
           </a:p>
@@ -5023,7 +4919,7 @@
           <a:p>
             <a:r>
               <a:rPr lang="it-IT" altLang="en-US"/>
-              <a:t>Titolo Presentazione</a:t>
+              <a:t>Calcolo dei numeri reali esatti in Haskell</a:t>
             </a:r>
           </a:p>
         </p:txBody>
@@ -5150,10 +5046,9 @@
             </a:lvl1pPr>
           </a:lstStyle>
           <a:p>
-            <a:fld id="{05047EAE-EE56-48A8-86AF-656DE6BE1735}" type="datetime1">
-              <a:rPr lang="it-IT" altLang="en-US"/>
-              <a:pPr/>
-              <a:t>19/11/2021</a:t>
+            <a:fld id="{FAC30058-DF17-4818-BE13-04D56052DABC}" type="datetime1">
+              <a:rPr lang="it-IT" altLang="en-US" smtClean="0"/>
+              <a:t>25/11/2021</a:t>
             </a:fld>
             <a:endParaRPr lang="it-IT" altLang="en-US"/>
           </a:p>
@@ -5186,7 +5081,7 @@
           <a:p>
             <a:r>
               <a:rPr lang="it-IT" altLang="en-US"/>
-              <a:t>Titolo Presentazione</a:t>
+              <a:t>Calcolo dei numeri reali esatti in Haskell</a:t>
             </a:r>
           </a:p>
         </p:txBody>
@@ -5284,10 +5179,9 @@
             </a:lvl1pPr>
           </a:lstStyle>
           <a:p>
-            <a:fld id="{0E87B5EF-2CBB-4747-861C-3F697956A8BC}" type="datetime1">
-              <a:rPr lang="it-IT" altLang="en-US"/>
-              <a:pPr/>
-              <a:t>19/11/2021</a:t>
+            <a:fld id="{0DDDC134-4123-44B9-BFFF-FCA45624E85D}" type="datetime1">
+              <a:rPr lang="it-IT" altLang="en-US" smtClean="0"/>
+              <a:t>25/11/2021</a:t>
             </a:fld>
             <a:endParaRPr lang="it-IT" altLang="en-US"/>
           </a:p>
@@ -5320,7 +5214,7 @@
           <a:p>
             <a:r>
               <a:rPr lang="it-IT" altLang="en-US"/>
-              <a:t>Titolo Presentazione</a:t>
+              <a:t>Calcolo dei numeri reali esatti in Haskell</a:t>
             </a:r>
           </a:p>
         </p:txBody>
@@ -5618,10 +5512,9 @@
             </a:lvl1pPr>
           </a:lstStyle>
           <a:p>
-            <a:fld id="{4613CD86-F1DE-4B38-8EA3-C382BEBD65D9}" type="datetime1">
-              <a:rPr lang="it-IT" altLang="en-US"/>
-              <a:pPr/>
-              <a:t>19/11/2021</a:t>
+            <a:fld id="{BFB4DBB7-F79C-4636-B23A-26EEF6C66230}" type="datetime1">
+              <a:rPr lang="it-IT" altLang="en-US" smtClean="0"/>
+              <a:t>25/11/2021</a:t>
             </a:fld>
             <a:endParaRPr lang="it-IT" altLang="en-US"/>
           </a:p>
@@ -5654,7 +5547,7 @@
           <a:p>
             <a:r>
               <a:rPr lang="it-IT" altLang="en-US"/>
-              <a:t>Titolo Presentazione</a:t>
+              <a:t>Calcolo dei numeri reali esatti in Haskell</a:t>
             </a:r>
           </a:p>
         </p:txBody>
@@ -5928,10 +5821,9 @@
             </a:lvl1pPr>
           </a:lstStyle>
           <a:p>
-            <a:fld id="{C3CC1F7B-04A7-415E-B06F-20435CC1EA3A}" type="datetime1">
-              <a:rPr lang="it-IT" altLang="en-US"/>
-              <a:pPr/>
-              <a:t>19/11/2021</a:t>
+            <a:fld id="{19EE7F0D-9E49-49A4-BA21-EAB357B241AD}" type="datetime1">
+              <a:rPr lang="it-IT" altLang="en-US" smtClean="0"/>
+              <a:t>25/11/2021</a:t>
             </a:fld>
             <a:endParaRPr lang="it-IT" altLang="en-US"/>
           </a:p>
@@ -5964,7 +5856,7 @@
           <a:p>
             <a:r>
               <a:rPr lang="it-IT" altLang="en-US"/>
-              <a:t>Titolo Presentazione</a:t>
+              <a:t>Calcolo dei numeri reali esatti in Haskell</a:t>
             </a:r>
           </a:p>
         </p:txBody>
@@ -6382,10 +6274,9 @@
             </a:lvl1pPr>
           </a:lstStyle>
           <a:p>
-            <a:fld id="{61D44CEE-14A5-4ED6-8433-7790432D8062}" type="datetime1">
-              <a:rPr lang="it-IT" altLang="en-US"/>
-              <a:pPr/>
-              <a:t>19/11/2021</a:t>
+            <a:fld id="{4D9150E2-59FD-4860-B218-4CC6EAF7D759}" type="datetime1">
+              <a:rPr lang="it-IT" altLang="en-US" smtClean="0"/>
+              <a:t>25/11/2021</a:t>
             </a:fld>
             <a:endParaRPr lang="it-IT" altLang="en-US"/>
           </a:p>
@@ -6453,7 +6344,7 @@
           <a:p>
             <a:r>
               <a:rPr lang="it-IT" altLang="en-US"/>
-              <a:t>Titolo Presentazione</a:t>
+              <a:t>Calcolo dei numeri reali esatti in Haskell</a:t>
             </a:r>
           </a:p>
         </p:txBody>
@@ -7053,7 +6944,7 @@
         </p:nvSpPr>
         <p:spPr>
           <a:xfrm>
-            <a:off x="2243138" y="795338"/>
+            <a:off x="2247900" y="1001022"/>
             <a:ext cx="6138862" cy="685800"/>
           </a:xfrm>
         </p:spPr>
@@ -7368,534 +7259,45 @@
           </p:spPr>
         </p:pic>
       </p:grpSp>
-    </p:spTree>
-  </p:cSld>
-  <p:clrMapOvr>
-    <a:masterClrMapping/>
-  </p:clrMapOvr>
-</p:sld>
-</file>
-
-<file path=ppt/slides/slide2.xml><?xml version="1.0" encoding="utf-8"?>
-<p:sld xmlns:a="http://schemas.openxmlformats.org/drawingml/2006/main" xmlns:r="http://schemas.openxmlformats.org/officeDocument/2006/relationships" xmlns:p="http://schemas.openxmlformats.org/presentationml/2006/main">
-  <p:cSld>
-    <p:bg>
-      <p:bgPr>
-        <a:solidFill>
-          <a:schemeClr val="bg1"/>
-        </a:solidFill>
-        <a:effectLst/>
-      </p:bgPr>
-    </p:bg>
-    <p:spTree>
-      <p:nvGrpSpPr>
-        <p:cNvPr id="1" name=""/>
-        <p:cNvGrpSpPr/>
-        <p:nvPr/>
-      </p:nvGrpSpPr>
-      <p:grpSpPr>
-        <a:xfrm>
-          <a:off x="0" y="0"/>
-          <a:ext cx="0" cy="0"/>
-          <a:chOff x="0" y="0"/>
-          <a:chExt cx="0" cy="0"/>
-        </a:xfrm>
-      </p:grpSpPr>
       <p:sp>
         <p:nvSpPr>
-          <p:cNvPr id="7" name="Date Placeholder 4">
+          <p:cNvPr id="2" name="TextBox 1">
             <a:extLst>
               <a:ext uri="{FF2B5EF4-FFF2-40B4-BE49-F238E27FC236}">
-                <a16:creationId xmlns:a16="http://schemas.microsoft.com/office/drawing/2014/main" id="{5B5F7AAD-C138-49F0-933E-D073E320387E}"/>
+                <a16:creationId xmlns:a16="http://schemas.microsoft.com/office/drawing/2014/main" id="{35FD9386-949A-40AD-BF80-7F5C9D8E475A}"/>
               </a:ext>
             </a:extLst>
           </p:cNvPr>
-          <p:cNvSpPr>
-            <a:spLocks noGrp="1"/>
-          </p:cNvSpPr>
-          <p:nvPr>
-            <p:ph type="dt" sz="half" idx="10"/>
-          </p:nvPr>
-        </p:nvSpPr>
-        <p:spPr/>
-        <p:txBody>
-          <a:bodyPr/>
-          <a:lstStyle/>
-          <a:p>
-            <a:fld id="{63187FE7-CAB9-4CA2-BC86-8624D8F66E34}" type="datetime1">
-              <a:rPr lang="it-IT" altLang="en-US"/>
-              <a:pPr/>
-              <a:t>19/11/2021</a:t>
-            </a:fld>
-            <a:endParaRPr lang="it-IT" altLang="en-US"/>
-          </a:p>
-        </p:txBody>
-      </p:sp>
-      <p:sp>
-        <p:nvSpPr>
-          <p:cNvPr id="8" name="Footer Placeholder 5">
-            <a:extLst>
-              <a:ext uri="{FF2B5EF4-FFF2-40B4-BE49-F238E27FC236}">
-                <a16:creationId xmlns:a16="http://schemas.microsoft.com/office/drawing/2014/main" id="{1658B8E8-E2BC-47F8-9864-13A2484397C8}"/>
-              </a:ext>
-            </a:extLst>
-          </p:cNvPr>
-          <p:cNvSpPr>
-            <a:spLocks noGrp="1"/>
-          </p:cNvSpPr>
-          <p:nvPr>
-            <p:ph type="ftr" sz="quarter" idx="11"/>
-          </p:nvPr>
-        </p:nvSpPr>
-        <p:spPr/>
-        <p:txBody>
-          <a:bodyPr/>
-          <a:lstStyle/>
-          <a:p>
-            <a:r>
-              <a:rPr lang="it-IT" altLang="en-US"/>
-              <a:t>Titolo Presentazione</a:t>
-            </a:r>
-          </a:p>
-        </p:txBody>
-      </p:sp>
-      <p:sp>
-        <p:nvSpPr>
-          <p:cNvPr id="9" name="Slide Number Placeholder 6">
-            <a:extLst>
-              <a:ext uri="{FF2B5EF4-FFF2-40B4-BE49-F238E27FC236}">
-                <a16:creationId xmlns:a16="http://schemas.microsoft.com/office/drawing/2014/main" id="{4F9328B9-2D7F-4C49-B974-CC2E375178BF}"/>
-              </a:ext>
-            </a:extLst>
-          </p:cNvPr>
-          <p:cNvSpPr>
-            <a:spLocks noGrp="1"/>
-          </p:cNvSpPr>
-          <p:nvPr>
-            <p:ph type="sldNum" sz="quarter" idx="12"/>
-          </p:nvPr>
-        </p:nvSpPr>
-        <p:spPr/>
-        <p:txBody>
-          <a:bodyPr/>
-          <a:lstStyle/>
-          <a:p>
-            <a:r>
-              <a:rPr lang="it-IT" altLang="en-US"/>
-              <a:t>Pagina </a:t>
-            </a:r>
-            <a:fld id="{0C798BF4-5926-475D-9070-CF7C104B5F86}" type="slidenum">
-              <a:rPr lang="it-IT" altLang="en-US"/>
-              <a:pPr/>
-              <a:t>2</a:t>
-            </a:fld>
-            <a:endParaRPr lang="it-IT" altLang="en-US"/>
-          </a:p>
-        </p:txBody>
-      </p:sp>
-      <p:sp>
-        <p:nvSpPr>
-          <p:cNvPr id="7170" name="Rectangle 2">
-            <a:extLst>
-              <a:ext uri="{FF2B5EF4-FFF2-40B4-BE49-F238E27FC236}">
-                <a16:creationId xmlns:a16="http://schemas.microsoft.com/office/drawing/2014/main" id="{837E4B03-6AC1-47C7-8878-662A83022128}"/>
-              </a:ext>
-            </a:extLst>
-          </p:cNvPr>
-          <p:cNvSpPr>
-            <a:spLocks noGrp="1" noChangeArrowheads="1"/>
-          </p:cNvSpPr>
-          <p:nvPr>
-            <p:ph type="title"/>
-          </p:nvPr>
+          <p:cNvSpPr txBox="1"/>
+          <p:nvPr/>
         </p:nvSpPr>
         <p:spPr>
           <a:xfrm>
-            <a:off x="1116013" y="404813"/>
-            <a:ext cx="7416800" cy="509587"/>
-          </a:xfrm>
-        </p:spPr>
-        <p:txBody>
-          <a:bodyPr/>
-          <a:lstStyle/>
-          <a:p>
-            <a:r>
-              <a:rPr lang="en-US" altLang="en-US" dirty="0"/>
-              <a:t>I numeri </a:t>
-            </a:r>
-            <a:r>
-              <a:rPr lang="en-US" altLang="en-US" dirty="0" err="1"/>
-              <a:t>reali</a:t>
-            </a:r>
-            <a:endParaRPr lang="en-US" altLang="en-US" dirty="0"/>
-          </a:p>
-        </p:txBody>
-      </p:sp>
-      <p:sp>
-        <p:nvSpPr>
-          <p:cNvPr id="7171" name="Rectangle 3">
-            <a:extLst>
-              <a:ext uri="{FF2B5EF4-FFF2-40B4-BE49-F238E27FC236}">
-                <a16:creationId xmlns:a16="http://schemas.microsoft.com/office/drawing/2014/main" id="{88E13368-BCF8-4E85-8451-A70786E1E1F7}"/>
-              </a:ext>
-            </a:extLst>
-          </p:cNvPr>
-          <p:cNvSpPr>
-            <a:spLocks noGrp="1" noChangeArrowheads="1"/>
-          </p:cNvSpPr>
-          <p:nvPr>
-            <p:ph type="body" sz="half" idx="1"/>
-          </p:nvPr>
-        </p:nvSpPr>
-        <p:spPr>
-          <a:xfrm>
-            <a:off x="1116013" y="1752600"/>
-            <a:ext cx="3213100" cy="4038600"/>
-          </a:xfrm>
-        </p:spPr>
-        <p:txBody>
-          <a:bodyPr/>
-          <a:lstStyle/>
-          <a:p>
-            <a:pPr marL="187325" indent="-187325">
-              <a:lnSpc>
-                <a:spcPct val="140000"/>
-              </a:lnSpc>
-              <a:buFont typeface="Times" panose="02020603050405020304" pitchFamily="18" charset="0"/>
-              <a:buChar char="•"/>
-            </a:pPr>
-            <a:r>
-              <a:rPr lang="en-US" altLang="en-US" sz="1400" dirty="0" err="1"/>
-              <a:t>Razionali</a:t>
-            </a:r>
-            <a:endParaRPr lang="en-US" altLang="en-US" sz="1400" dirty="0"/>
-          </a:p>
-          <a:p>
-            <a:pPr marL="587375" lvl="1" indent="-187325">
-              <a:lnSpc>
-                <a:spcPct val="140000"/>
-              </a:lnSpc>
-              <a:buFont typeface="Times" panose="02020603050405020304" pitchFamily="18" charset="0"/>
-              <a:buChar char="•"/>
-            </a:pPr>
-            <a:r>
-              <a:rPr lang="en-US" altLang="en-US" sz="1200" dirty="0" err="1"/>
-              <a:t>possono</a:t>
-            </a:r>
-            <a:r>
-              <a:rPr lang="en-US" altLang="en-US" sz="1200" dirty="0"/>
-              <a:t> </a:t>
-            </a:r>
-            <a:r>
-              <a:rPr lang="en-US" altLang="en-US" sz="1200" dirty="0" err="1"/>
-              <a:t>essere</a:t>
-            </a:r>
-            <a:r>
-              <a:rPr lang="en-US" altLang="en-US" sz="1200" dirty="0"/>
-              <a:t> </a:t>
-            </a:r>
-            <a:r>
-              <a:rPr lang="en-US" altLang="en-US" sz="1200" dirty="0" err="1"/>
-              <a:t>rappresentati</a:t>
-            </a:r>
-            <a:r>
-              <a:rPr lang="en-US" altLang="en-US" sz="1200" dirty="0"/>
-              <a:t> con una </a:t>
-            </a:r>
-            <a:r>
-              <a:rPr lang="en-US" altLang="en-US" sz="1200" dirty="0" err="1"/>
-              <a:t>quantità</a:t>
-            </a:r>
-            <a:r>
-              <a:rPr lang="en-US" altLang="en-US" sz="1200" dirty="0"/>
-              <a:t> </a:t>
-            </a:r>
-            <a:r>
-              <a:rPr lang="en-US" altLang="en-US" sz="1200" dirty="0" err="1"/>
-              <a:t>finita</a:t>
-            </a:r>
-            <a:r>
-              <a:rPr lang="en-US" altLang="en-US" sz="1200" dirty="0"/>
-              <a:t> di </a:t>
-            </a:r>
-            <a:r>
-              <a:rPr lang="en-US" altLang="en-US" sz="1200" dirty="0" err="1"/>
-              <a:t>memoria</a:t>
-            </a:r>
-            <a:endParaRPr lang="en-US" altLang="en-US" sz="1200" dirty="0"/>
-          </a:p>
-          <a:p>
-            <a:pPr marL="587375" lvl="1" indent="-187325">
-              <a:lnSpc>
-                <a:spcPct val="140000"/>
-              </a:lnSpc>
-              <a:buFont typeface="Times" panose="02020603050405020304" pitchFamily="18" charset="0"/>
-              <a:buChar char="•"/>
-            </a:pPr>
-            <a:r>
-              <a:rPr lang="en-US" altLang="en-US" sz="1200" dirty="0" err="1"/>
-              <a:t>teoricamente</a:t>
-            </a:r>
-            <a:r>
-              <a:rPr lang="en-US" altLang="en-US" sz="1200" dirty="0"/>
-              <a:t> </a:t>
-            </a:r>
-            <a:r>
-              <a:rPr lang="en-US" altLang="en-US" sz="1200" dirty="0" err="1"/>
-              <a:t>sarebbe</a:t>
-            </a:r>
-            <a:r>
-              <a:rPr lang="en-US" altLang="en-US" sz="1200" dirty="0"/>
-              <a:t> </a:t>
-            </a:r>
-            <a:r>
-              <a:rPr lang="en-US" altLang="en-US" sz="1200" dirty="0" err="1"/>
-              <a:t>possibile</a:t>
-            </a:r>
-            <a:r>
-              <a:rPr lang="en-US" altLang="en-US" sz="1200" dirty="0"/>
-              <a:t> fare </a:t>
-            </a:r>
-            <a:r>
-              <a:rPr lang="en-US" altLang="en-US" sz="1200" dirty="0" err="1"/>
-              <a:t>calcoli</a:t>
-            </a:r>
-            <a:r>
-              <a:rPr lang="en-US" altLang="en-US" sz="1200" dirty="0"/>
-              <a:t> </a:t>
-            </a:r>
-            <a:r>
-              <a:rPr lang="en-US" altLang="en-US" sz="1200" dirty="0" err="1"/>
-              <a:t>esatti</a:t>
-            </a:r>
-            <a:r>
-              <a:rPr lang="en-US" altLang="en-US" sz="1200" dirty="0"/>
-              <a:t> sui numeri </a:t>
-            </a:r>
-            <a:r>
-              <a:rPr lang="en-US" altLang="en-US" sz="1200" dirty="0" err="1"/>
-              <a:t>razionali</a:t>
-            </a:r>
-            <a:endParaRPr lang="en-US" altLang="en-US" sz="1200" dirty="0"/>
-          </a:p>
-          <a:p>
-            <a:pPr marL="187325" indent="-187325">
-              <a:lnSpc>
-                <a:spcPct val="140000"/>
-              </a:lnSpc>
-              <a:buFont typeface="Times" panose="02020603050405020304" pitchFamily="18" charset="0"/>
-              <a:buChar char="•"/>
-            </a:pPr>
-            <a:r>
-              <a:rPr lang="en-US" altLang="en-US" sz="1600" dirty="0" err="1"/>
-              <a:t>Irrazionali</a:t>
-            </a:r>
-            <a:endParaRPr lang="en-US" altLang="en-US" sz="1600" dirty="0"/>
-          </a:p>
-          <a:p>
-            <a:pPr marL="587375" lvl="1" indent="-187325">
-              <a:lnSpc>
-                <a:spcPct val="140000"/>
-              </a:lnSpc>
-              <a:buFont typeface="Times" panose="02020603050405020304" pitchFamily="18" charset="0"/>
-              <a:buChar char="•"/>
-            </a:pPr>
-            <a:r>
-              <a:rPr lang="en-US" altLang="en-US" sz="1200" dirty="0"/>
-              <a:t>non </a:t>
-            </a:r>
-            <a:r>
-              <a:rPr lang="en-US" altLang="en-US" sz="1200" dirty="0" err="1"/>
-              <a:t>possono</a:t>
-            </a:r>
-            <a:r>
-              <a:rPr lang="en-US" altLang="en-US" sz="1200" dirty="0"/>
-              <a:t> </a:t>
-            </a:r>
-            <a:r>
-              <a:rPr lang="en-US" altLang="en-US" sz="1200" dirty="0" err="1"/>
-              <a:t>essere</a:t>
-            </a:r>
-            <a:r>
-              <a:rPr lang="en-US" altLang="en-US" sz="1200" dirty="0"/>
-              <a:t> </a:t>
-            </a:r>
-            <a:r>
-              <a:rPr lang="en-US" altLang="en-US" sz="1200" dirty="0" err="1"/>
-              <a:t>rappresentati</a:t>
-            </a:r>
-            <a:r>
-              <a:rPr lang="en-US" altLang="en-US" sz="1200" dirty="0"/>
-              <a:t> con una </a:t>
-            </a:r>
-            <a:r>
-              <a:rPr lang="en-US" altLang="en-US" sz="1200" dirty="0" err="1"/>
-              <a:t>quantità</a:t>
-            </a:r>
-            <a:r>
-              <a:rPr lang="en-US" altLang="en-US" sz="1200" dirty="0"/>
-              <a:t> </a:t>
-            </a:r>
-            <a:r>
-              <a:rPr lang="en-US" altLang="en-US" sz="1200" dirty="0" err="1"/>
-              <a:t>finita</a:t>
-            </a:r>
-            <a:r>
-              <a:rPr lang="en-US" altLang="en-US" sz="1200" dirty="0"/>
-              <a:t> di </a:t>
-            </a:r>
-            <a:r>
-              <a:rPr lang="en-US" altLang="en-US" sz="1200" dirty="0" err="1"/>
-              <a:t>memoria</a:t>
-            </a:r>
-            <a:endParaRPr lang="en-US" altLang="en-US" sz="1200" dirty="0"/>
-          </a:p>
-          <a:p>
-            <a:pPr marL="587375" lvl="1" indent="-187325">
-              <a:lnSpc>
-                <a:spcPct val="140000"/>
-              </a:lnSpc>
-              <a:buFont typeface="Times" panose="02020603050405020304" pitchFamily="18" charset="0"/>
-              <a:buChar char="•"/>
-            </a:pPr>
-            <a:r>
-              <a:rPr lang="en-US" altLang="en-US" sz="1200" dirty="0" err="1"/>
-              <a:t>si</a:t>
-            </a:r>
-            <a:r>
-              <a:rPr lang="en-US" altLang="en-US" sz="1200" dirty="0"/>
-              <a:t> </a:t>
-            </a:r>
-            <a:r>
-              <a:rPr lang="en-US" altLang="en-US" sz="1200" dirty="0" err="1"/>
-              <a:t>possono</a:t>
-            </a:r>
-            <a:r>
-              <a:rPr lang="en-US" altLang="en-US" sz="1200" dirty="0"/>
-              <a:t> fare </a:t>
-            </a:r>
-            <a:r>
-              <a:rPr lang="en-US" altLang="en-US" sz="1200" dirty="0" err="1"/>
-              <a:t>calcoli</a:t>
-            </a:r>
-            <a:r>
-              <a:rPr lang="en-US" altLang="en-US" sz="1200" dirty="0"/>
-              <a:t> a </a:t>
-            </a:r>
-            <a:r>
-              <a:rPr lang="en-US" altLang="en-US" sz="1200" dirty="0" err="1"/>
-              <a:t>precisione</a:t>
-            </a:r>
-            <a:r>
-              <a:rPr lang="en-US" altLang="en-US" sz="1200" dirty="0"/>
-              <a:t> </a:t>
-            </a:r>
-            <a:r>
-              <a:rPr lang="en-US" altLang="en-US" sz="1200" dirty="0" err="1"/>
-              <a:t>arbitraria</a:t>
-            </a:r>
-            <a:endParaRPr lang="en-US" altLang="en-US" sz="1200" dirty="0"/>
-          </a:p>
-        </p:txBody>
-      </p:sp>
-      <p:pic>
-        <p:nvPicPr>
-          <p:cNvPr id="3" name="Content Placeholder 2" descr="Diagram, venn diagram&#10;&#10;Description automatically generated">
-            <a:extLst>
-              <a:ext uri="{FF2B5EF4-FFF2-40B4-BE49-F238E27FC236}">
-                <a16:creationId xmlns:a16="http://schemas.microsoft.com/office/drawing/2014/main" id="{905B5662-CC16-43B1-847F-DC0788276CA1}"/>
-              </a:ext>
-            </a:extLst>
-          </p:cNvPr>
-          <p:cNvPicPr>
-            <a:picLocks noGrp="1" noChangeAspect="1"/>
-          </p:cNvPicPr>
-          <p:nvPr>
-            <p:ph sz="half" idx="2"/>
-          </p:nvPr>
-        </p:nvPicPr>
-        <p:blipFill>
-          <a:blip r:embed="rId3">
-            <a:extLst>
-              <a:ext uri="{28A0092B-C50C-407E-A947-70E740481C1C}">
-                <a14:useLocalDpi xmlns:a14="http://schemas.microsoft.com/office/drawing/2010/main" val="0"/>
-              </a:ext>
-            </a:extLst>
-          </a:blip>
-          <a:stretch>
-            <a:fillRect/>
-          </a:stretch>
-        </p:blipFill>
-        <p:spPr>
-          <a:xfrm>
-            <a:off x="4551363" y="1807286"/>
-            <a:ext cx="3927475" cy="3929228"/>
-          </a:xfrm>
-        </p:spPr>
-      </p:pic>
-      <p:sp>
-        <p:nvSpPr>
-          <p:cNvPr id="7176" name="Rectangle 8">
-            <a:extLst>
-              <a:ext uri="{FF2B5EF4-FFF2-40B4-BE49-F238E27FC236}">
-                <a16:creationId xmlns:a16="http://schemas.microsoft.com/office/drawing/2014/main" id="{83ADC4AB-D215-4E9D-8E9E-0F97E1CA3BBE}"/>
-              </a:ext>
-            </a:extLst>
-          </p:cNvPr>
-          <p:cNvSpPr>
-            <a:spLocks noChangeArrowheads="1"/>
-          </p:cNvSpPr>
-          <p:nvPr/>
-        </p:nvSpPr>
-        <p:spPr bwMode="auto">
-          <a:xfrm>
-            <a:off x="1954213" y="630238"/>
-            <a:ext cx="184150" cy="228600"/>
+            <a:off x="2247900" y="1821934"/>
+            <a:ext cx="1676028" cy="369332"/>
           </a:xfrm>
           <a:prstGeom prst="rect">
             <a:avLst/>
           </a:prstGeom>
           <a:noFill/>
-          <a:ln>
-            <a:noFill/>
-          </a:ln>
-          <a:effectLst/>
-          <a:extLst>
-            <a:ext uri="{909E8E84-426E-40DD-AFC4-6F175D3DCCD1}">
-              <a14:hiddenFill xmlns:a14="http://schemas.microsoft.com/office/drawing/2010/main">
-                <a:solidFill>
-                  <a:schemeClr val="accent1"/>
-                </a:solidFill>
-              </a14:hiddenFill>
-            </a:ext>
-            <a:ext uri="{91240B29-F687-4F45-9708-019B960494DF}">
-              <a14:hiddenLine xmlns:a14="http://schemas.microsoft.com/office/drawing/2010/main" w="9525">
-                <a:solidFill>
-                  <a:schemeClr val="tx1"/>
-                </a:solidFill>
-                <a:miter lim="800000"/>
-                <a:headEnd/>
-                <a:tailEnd/>
-              </a14:hiddenLine>
-            </a:ext>
-            <a:ext uri="{AF507438-7753-43E0-B8FC-AC1667EBCBE1}">
-              <a14:hiddenEffects xmlns:a14="http://schemas.microsoft.com/office/drawing/2010/main">
-                <a:effectLst>
-                  <a:outerShdw dist="35921" dir="2700000" algn="ctr" rotWithShape="0">
-                    <a:srgbClr val="808080"/>
-                  </a:outerShdw>
-                </a:effectLst>
-              </a14:hiddenEffects>
-            </a:ext>
-          </a:extLst>
         </p:spPr>
         <p:txBody>
-          <a:bodyPr wrap="none">
+          <a:bodyPr wrap="square" rtlCol="0">
             <a:spAutoFit/>
           </a:bodyPr>
           <a:lstStyle/>
           <a:p>
-            <a:endParaRPr lang="en-US" altLang="en-US"/>
+            <a:r>
+              <a:rPr lang="it-IT" sz="1800" dirty="0">
+                <a:latin typeface="+mn-lt"/>
+                <a:ea typeface="+mn-ea"/>
+              </a:rPr>
+              <a:t>Andrea Princic</a:t>
+            </a:r>
+            <a:endParaRPr lang="en-GB" sz="1800" dirty="0">
+              <a:latin typeface="+mn-lt"/>
+              <a:ea typeface="+mn-ea"/>
+            </a:endParaRPr>
           </a:p>
         </p:txBody>
       </p:sp>
@@ -7907,7 +7309,7 @@
 </p:sld>
 </file>
 
-<file path=ppt/slides/slide3.xml><?xml version="1.0" encoding="utf-8"?>
+<file path=ppt/slides/slide10.xml><?xml version="1.0" encoding="utf-8"?>
 <p:sld xmlns:a="http://schemas.openxmlformats.org/drawingml/2006/main" xmlns:r="http://schemas.openxmlformats.org/officeDocument/2006/relationships" xmlns:p="http://schemas.openxmlformats.org/presentationml/2006/main">
   <p:cSld>
     <p:spTree>
@@ -7926,10 +7328,10 @@
       </p:grpSpPr>
       <p:sp>
         <p:nvSpPr>
-          <p:cNvPr id="9218" name="Rectangle 2">
+          <p:cNvPr id="8194" name="Titolo 1">
             <a:extLst>
               <a:ext uri="{FF2B5EF4-FFF2-40B4-BE49-F238E27FC236}">
-                <a16:creationId xmlns:a16="http://schemas.microsoft.com/office/drawing/2014/main" id="{FAC78CC4-2B95-45DD-8ABA-467032753579}"/>
+                <a16:creationId xmlns:a16="http://schemas.microsoft.com/office/drawing/2014/main" id="{88DEBB06-C188-4D7B-8656-8C874DBC6F63}"/>
               </a:ext>
             </a:extLst>
           </p:cNvPr>
@@ -7945,41 +7347,25 @@
           <a:bodyPr/>
           <a:lstStyle/>
           <a:p>
-            <a:r>
-              <a:rPr lang="en-US" altLang="en-US" dirty="0" err="1"/>
-              <a:t>Precisione</a:t>
-            </a:r>
-            <a:r>
-              <a:rPr lang="en-US" altLang="en-US" dirty="0"/>
-              <a:t> con le </a:t>
-            </a:r>
-            <a:r>
-              <a:rPr lang="en-US" altLang="en-US" dirty="0" err="1"/>
-              <a:t>rappresentazioni</a:t>
-            </a:r>
-            <a:r>
-              <a:rPr lang="en-US" altLang="en-US" dirty="0"/>
-              <a:t> </a:t>
-            </a:r>
-            <a:r>
-              <a:rPr lang="en-US" altLang="en-US" dirty="0" err="1"/>
-              <a:t>comuni</a:t>
-            </a:r>
-            <a:endParaRPr lang="en-US" altLang="en-US" dirty="0"/>
+            <a:pPr eaLnBrk="1" hangingPunct="1"/>
+            <a:r>
+              <a:rPr lang="it-IT" altLang="it-IT" dirty="0"/>
+              <a:t>Numeri computabili</a:t>
+            </a:r>
           </a:p>
         </p:txBody>
       </p:sp>
       <p:sp>
         <p:nvSpPr>
-          <p:cNvPr id="9221" name="Rectangle 5">
+          <p:cNvPr id="8195" name="Segnaposto contenuto 2">
             <a:extLst>
               <a:ext uri="{FF2B5EF4-FFF2-40B4-BE49-F238E27FC236}">
-                <a16:creationId xmlns:a16="http://schemas.microsoft.com/office/drawing/2014/main" id="{DFB633F0-8110-4E3E-AE4E-040C6131431E}"/>
+                <a16:creationId xmlns:a16="http://schemas.microsoft.com/office/drawing/2014/main" id="{D0D83507-A7CE-4F77-8BB9-F1F544C72646}"/>
               </a:ext>
             </a:extLst>
           </p:cNvPr>
           <p:cNvSpPr>
-            <a:spLocks noGrp="1" noChangeArrowheads="1"/>
+            <a:spLocks noGrp="1"/>
           </p:cNvSpPr>
           <p:nvPr>
             <p:ph idx="1"/>
@@ -7990,344 +7376,93 @@
           <a:bodyPr/>
           <a:lstStyle/>
           <a:p>
-            <a:pPr>
-              <a:buFontTx/>
-              <a:buNone/>
+            <a:pPr eaLnBrk="1" hangingPunct="1">
+              <a:lnSpc>
+                <a:spcPct val="150000"/>
+              </a:lnSpc>
+              <a:defRPr/>
             </a:pPr>
             <a:r>
-              <a:rPr lang="en-US" altLang="en-US" sz="1200" dirty="0"/>
-              <a:t>La </a:t>
-            </a:r>
-            <a:r>
-              <a:rPr lang="en-US" altLang="en-US" sz="1200" dirty="0" err="1"/>
-              <a:t>classica</a:t>
-            </a:r>
-            <a:r>
-              <a:rPr lang="en-US" altLang="en-US" sz="1200" dirty="0"/>
-              <a:t> </a:t>
-            </a:r>
-            <a:r>
-              <a:rPr lang="en-US" altLang="en-US" sz="1200" dirty="0" err="1"/>
-              <a:t>rappresentazione</a:t>
-            </a:r>
-            <a:r>
-              <a:rPr lang="en-US" altLang="en-US" sz="1200" dirty="0"/>
-              <a:t> </a:t>
-            </a:r>
-            <a:r>
-              <a:rPr lang="en-US" altLang="en-US" sz="1200" dirty="0" err="1"/>
-              <a:t>dei</a:t>
-            </a:r>
-            <a:r>
-              <a:rPr lang="en-US" altLang="en-US" sz="1200" dirty="0"/>
-              <a:t> numeri in </a:t>
-            </a:r>
-            <a:r>
-              <a:rPr lang="en-US" altLang="en-US" sz="1200" dirty="0" err="1"/>
-              <a:t>virgola</a:t>
-            </a:r>
-            <a:r>
-              <a:rPr lang="en-US" altLang="en-US" sz="1200" dirty="0"/>
-              <a:t> mobile </a:t>
-            </a:r>
-            <a:r>
-              <a:rPr lang="en-US" altLang="en-US" sz="1200" dirty="0" err="1"/>
-              <a:t>va</a:t>
-            </a:r>
-            <a:r>
-              <a:rPr lang="en-US" altLang="en-US" sz="1200" dirty="0"/>
-              <a:t> bene per fare </a:t>
-            </a:r>
-            <a:r>
-              <a:rPr lang="en-US" altLang="en-US" sz="1200" dirty="0" err="1"/>
-              <a:t>calcoli</a:t>
-            </a:r>
-            <a:r>
-              <a:rPr lang="en-US" altLang="en-US" sz="1200" dirty="0"/>
-              <a:t> </a:t>
-            </a:r>
-            <a:r>
-              <a:rPr lang="en-US" altLang="en-US" sz="1200" dirty="0" err="1"/>
-              <a:t>che</a:t>
-            </a:r>
-            <a:r>
-              <a:rPr lang="en-US" altLang="en-US" sz="1200" dirty="0"/>
-              <a:t> non </a:t>
-            </a:r>
-            <a:r>
-              <a:rPr lang="en-US" altLang="en-US" sz="1200" dirty="0" err="1"/>
-              <a:t>richiedono</a:t>
-            </a:r>
-            <a:r>
-              <a:rPr lang="en-US" altLang="en-US" sz="1200" dirty="0"/>
-              <a:t> alti </a:t>
-            </a:r>
-            <a:r>
-              <a:rPr lang="en-US" altLang="en-US" sz="1200" dirty="0" err="1"/>
-              <a:t>livelli</a:t>
-            </a:r>
-            <a:r>
-              <a:rPr lang="en-US" altLang="en-US" sz="1200" dirty="0"/>
-              <a:t> di </a:t>
-            </a:r>
-            <a:r>
-              <a:rPr lang="en-US" altLang="en-US" sz="1200" dirty="0" err="1"/>
-              <a:t>precisione</a:t>
-            </a:r>
-            <a:r>
-              <a:rPr lang="en-US" altLang="en-US" sz="1200" dirty="0"/>
-              <a:t>.</a:t>
+              <a:rPr lang="it-IT" altLang="it-IT" sz="1600" dirty="0"/>
+              <a:t>Anche potendo calcolare un numero reale a qualunque livello di precisione, i numeri calcolabili con queste tecniche non sono comunque tutti i numeri reali</a:t>
             </a:r>
           </a:p>
           <a:p>
-            <a:pPr>
-              <a:buFontTx/>
-              <a:buNone/>
+            <a:pPr eaLnBrk="1" hangingPunct="1">
+              <a:lnSpc>
+                <a:spcPct val="150000"/>
+              </a:lnSpc>
+              <a:defRPr/>
             </a:pPr>
             <a:r>
-              <a:rPr lang="en-US" altLang="en-US" sz="1200" dirty="0"/>
-              <a:t>Un classico </a:t>
-            </a:r>
-            <a:r>
-              <a:rPr lang="en-US" altLang="en-US" sz="1200" dirty="0" err="1"/>
-              <a:t>esempio</a:t>
-            </a:r>
-            <a:r>
-              <a:rPr lang="en-US" altLang="en-US" sz="1200" dirty="0"/>
-              <a:t> di </a:t>
-            </a:r>
-            <a:r>
-              <a:rPr lang="en-US" altLang="en-US" sz="1200" dirty="0" err="1"/>
-              <a:t>perdita</a:t>
-            </a:r>
-            <a:r>
-              <a:rPr lang="en-US" altLang="en-US" sz="1200" dirty="0"/>
-              <a:t> di </a:t>
-            </a:r>
-            <a:r>
-              <a:rPr lang="en-US" altLang="en-US" sz="1200" dirty="0" err="1"/>
-              <a:t>precisione</a:t>
-            </a:r>
-            <a:r>
-              <a:rPr lang="en-US" altLang="en-US" sz="1200" dirty="0"/>
-              <a:t> </a:t>
-            </a:r>
-            <a:r>
-              <a:rPr lang="en-US" altLang="en-US" sz="1200" dirty="0" err="1"/>
-              <a:t>durante</a:t>
-            </a:r>
-            <a:r>
-              <a:rPr lang="en-US" altLang="en-US" sz="1200" dirty="0"/>
-              <a:t> un </a:t>
-            </a:r>
-            <a:r>
-              <a:rPr lang="en-US" altLang="en-US" sz="1200" dirty="0" err="1"/>
-              <a:t>calcolo</a:t>
-            </a:r>
-            <a:r>
-              <a:rPr lang="en-US" altLang="en-US" sz="1200" dirty="0"/>
-              <a:t> </a:t>
-            </a:r>
-            <a:r>
-              <a:rPr lang="en-US" altLang="en-US" sz="1200" dirty="0" err="1"/>
-              <a:t>banale</a:t>
-            </a:r>
-            <a:r>
-              <a:rPr lang="en-US" altLang="en-US" sz="1200" dirty="0"/>
-              <a:t>:</a:t>
+              <a:rPr lang="it-IT" altLang="it-IT" sz="1600" dirty="0"/>
+              <a:t>I numeri computabili sono un sottoinsieme dei numeri reali che include tutti i numeri razionali e un sottoinsieme numerabile di numeri irrazionali</a:t>
             </a:r>
           </a:p>
           <a:p>
-            <a:pPr>
-              <a:buFontTx/>
-              <a:buNone/>
+            <a:pPr eaLnBrk="1" hangingPunct="1">
+              <a:lnSpc>
+                <a:spcPct val="150000"/>
+              </a:lnSpc>
+              <a:defRPr/>
             </a:pPr>
             <a:r>
-              <a:rPr lang="en-US" altLang="en-US" sz="1200" dirty="0">
+              <a:rPr lang="it-IT" altLang="it-IT" sz="1600" dirty="0"/>
+              <a:t>In questo insieme si trovano tutti i numeri reali </a:t>
+            </a:r>
+            <a:r>
+              <a:rPr lang="it-IT" altLang="it-IT" sz="1600" dirty="0">
                 <a:latin typeface="Courier New" panose="02070309020205020404" pitchFamily="49" charset="0"/>
                 <a:cs typeface="Courier New" panose="02070309020205020404" pitchFamily="49" charset="0"/>
               </a:rPr>
-              <a:t>&gt;&gt;&gt; 0.1 + 0.1</a:t>
-            </a:r>
-          </a:p>
-          <a:p>
-            <a:pPr>
-              <a:buFontTx/>
-              <a:buNone/>
-            </a:pPr>
-            <a:r>
-              <a:rPr lang="en-US" altLang="en-US" sz="1200" dirty="0">
+              <a:t>x</a:t>
+            </a:r>
+            <a:r>
+              <a:rPr lang="it-IT" altLang="it-IT" sz="1600" dirty="0"/>
+              <a:t> per i quali esiste una macchina di Turing tale che, dato un naturale </a:t>
+            </a:r>
+            <a:r>
+              <a:rPr lang="it-IT" altLang="it-IT" sz="1600" dirty="0">
                 <a:latin typeface="Courier New" panose="02070309020205020404" pitchFamily="49" charset="0"/>
                 <a:cs typeface="Courier New" panose="02070309020205020404" pitchFamily="49" charset="0"/>
               </a:rPr>
-              <a:t>0.2</a:t>
-            </a:r>
-          </a:p>
-          <a:p>
-            <a:pPr>
-              <a:buFontTx/>
-              <a:buNone/>
-            </a:pPr>
-            <a:r>
-              <a:rPr lang="en-US" altLang="en-US" sz="1200" dirty="0">
+              <a:t>n</a:t>
+            </a:r>
+            <a:r>
+              <a:rPr lang="it-IT" altLang="it-IT" sz="1600" dirty="0"/>
+              <a:t> sul nastro iniziale, termina con l’</a:t>
+            </a:r>
+            <a:r>
+              <a:rPr lang="it-IT" altLang="it-IT" sz="1600" dirty="0">
                 <a:latin typeface="Courier New" panose="02070309020205020404" pitchFamily="49" charset="0"/>
                 <a:cs typeface="Courier New" panose="02070309020205020404" pitchFamily="49" charset="0"/>
               </a:rPr>
-              <a:t>&gt;&gt;&gt; 0.2 + 0.1</a:t>
-            </a:r>
-          </a:p>
-          <a:p>
-            <a:pPr>
-              <a:buFontTx/>
-              <a:buNone/>
-            </a:pPr>
-            <a:r>
-              <a:rPr lang="en-US" altLang="en-US" sz="1200" dirty="0">
+              <a:t>n</a:t>
+            </a:r>
+            <a:r>
+              <a:rPr lang="it-IT" altLang="it-IT" sz="1600" dirty="0"/>
+              <a:t>-esima cifra di </a:t>
+            </a:r>
+            <a:r>
+              <a:rPr lang="it-IT" altLang="it-IT" sz="1600" dirty="0">
                 <a:latin typeface="Courier New" panose="02070309020205020404" pitchFamily="49" charset="0"/>
                 <a:cs typeface="Courier New" panose="02070309020205020404" pitchFamily="49" charset="0"/>
               </a:rPr>
-              <a:t>0.30000000000000004</a:t>
-            </a:r>
-          </a:p>
-          <a:p>
-            <a:pPr>
-              <a:buFontTx/>
-              <a:buNone/>
-            </a:pPr>
-            <a:r>
-              <a:rPr lang="en-US" altLang="en-US" sz="1200" dirty="0" err="1"/>
-              <a:t>Perfino</a:t>
-            </a:r>
-            <a:r>
-              <a:rPr lang="en-US" altLang="en-US" sz="1200" dirty="0"/>
-              <a:t> </a:t>
-            </a:r>
-            <a:r>
-              <a:rPr lang="en-US" altLang="en-US" sz="1200" dirty="0" err="1"/>
-              <a:t>nella</a:t>
-            </a:r>
-            <a:r>
-              <a:rPr lang="en-US" altLang="en-US" sz="1200" dirty="0"/>
-              <a:t> </a:t>
-            </a:r>
-            <a:r>
-              <a:rPr lang="en-US" altLang="en-US" sz="1200" dirty="0" err="1"/>
-              <a:t>rappresentazione</a:t>
-            </a:r>
-            <a:r>
-              <a:rPr lang="en-US" altLang="en-US" sz="1200" dirty="0"/>
-              <a:t> di un </a:t>
-            </a:r>
-            <a:r>
-              <a:rPr lang="en-US" altLang="en-US" sz="1200" dirty="0" err="1"/>
-              <a:t>intero</a:t>
-            </a:r>
-            <a:r>
-              <a:rPr lang="en-US" altLang="en-US" sz="1200" dirty="0"/>
-              <a:t>:</a:t>
-            </a:r>
-          </a:p>
-          <a:p>
-            <a:pPr>
-              <a:buNone/>
-            </a:pPr>
-            <a:r>
-              <a:rPr lang="it-IT" altLang="en-US" sz="1200" dirty="0">
-                <a:latin typeface="Courier New" panose="02070309020205020404" pitchFamily="49" charset="0"/>
-                <a:cs typeface="Courier New" panose="02070309020205020404" pitchFamily="49" charset="0"/>
-              </a:rPr>
-              <a:t>&gt;&gt;&gt; </a:t>
-            </a:r>
-            <a:r>
-              <a:rPr lang="en-GB" sz="1200" dirty="0">
-                <a:latin typeface="Courier New" panose="02070309020205020404" pitchFamily="49" charset="0"/>
-                <a:cs typeface="Courier New" panose="02070309020205020404" pitchFamily="49" charset="0"/>
-              </a:rPr>
-              <a:t>2147483647.0</a:t>
-            </a:r>
-          </a:p>
-          <a:p>
-            <a:pPr>
-              <a:buNone/>
-            </a:pPr>
-            <a:r>
-              <a:rPr lang="en-GB" sz="1200" dirty="0">
-                <a:latin typeface="Courier New" panose="02070309020205020404" pitchFamily="49" charset="0"/>
-                <a:cs typeface="Courier New" panose="02070309020205020404" pitchFamily="49" charset="0"/>
-              </a:rPr>
-              <a:t>2147483648.0</a:t>
-            </a:r>
-          </a:p>
-          <a:p>
-            <a:pPr>
-              <a:buNone/>
-            </a:pPr>
-            <a:r>
-              <a:rPr lang="en-GB" altLang="en-US" sz="1200" dirty="0">
-                <a:latin typeface="Courier New" panose="02070309020205020404" pitchFamily="49" charset="0"/>
-                <a:cs typeface="Courier New" panose="02070309020205020404" pitchFamily="49" charset="0"/>
-              </a:rPr>
-              <a:t>&gt;&gt;&gt; </a:t>
-            </a:r>
-            <a:r>
-              <a:rPr lang="en-GB" sz="1200" dirty="0">
-                <a:latin typeface="Courier New" panose="02070309020205020404" pitchFamily="49" charset="0"/>
-                <a:cs typeface="Courier New" panose="02070309020205020404" pitchFamily="49" charset="0"/>
-              </a:rPr>
-              <a:t>2147483647.0 – 64</a:t>
-            </a:r>
-          </a:p>
-          <a:p>
-            <a:pPr>
-              <a:buNone/>
-            </a:pPr>
-            <a:r>
-              <a:rPr lang="en-GB" sz="1200" dirty="0">
-                <a:latin typeface="Courier New" panose="02070309020205020404" pitchFamily="49" charset="0"/>
-                <a:cs typeface="Courier New" panose="02070309020205020404" pitchFamily="49" charset="0"/>
-              </a:rPr>
-              <a:t>2147483648.0</a:t>
-            </a:r>
-          </a:p>
-          <a:p>
-            <a:pPr>
-              <a:buNone/>
-            </a:pPr>
-            <a:r>
-              <a:rPr lang="en-GB" altLang="en-US" sz="1200" dirty="0">
-                <a:latin typeface="Courier New" panose="02070309020205020404" pitchFamily="49" charset="0"/>
-                <a:cs typeface="Courier New" panose="02070309020205020404" pitchFamily="49" charset="0"/>
-              </a:rPr>
-              <a:t>&gt;&gt;&gt; </a:t>
-            </a:r>
-            <a:r>
-              <a:rPr lang="en-GB" sz="1200" dirty="0">
-                <a:latin typeface="Courier New" panose="02070309020205020404" pitchFamily="49" charset="0"/>
-                <a:cs typeface="Courier New" panose="02070309020205020404" pitchFamily="49" charset="0"/>
-              </a:rPr>
-              <a:t>2147483647.0 – 65</a:t>
-            </a:r>
-          </a:p>
-          <a:p>
-            <a:pPr>
-              <a:buNone/>
-            </a:pPr>
-            <a:r>
-              <a:rPr lang="en-GB" sz="1200" dirty="0">
-                <a:latin typeface="Courier New" panose="02070309020205020404" pitchFamily="49" charset="0"/>
-                <a:cs typeface="Courier New" panose="02070309020205020404" pitchFamily="49" charset="0"/>
-              </a:rPr>
-              <a:t>2147483520.0</a:t>
+              <a:t>x</a:t>
+            </a:r>
+            <a:r>
+              <a:rPr lang="it-IT" altLang="it-IT" sz="1600" dirty="0"/>
+              <a:t> sul nastro</a:t>
             </a:r>
           </a:p>
         </p:txBody>
       </p:sp>
       <p:sp>
         <p:nvSpPr>
-          <p:cNvPr id="5" name="Date Placeholder 3">
+          <p:cNvPr id="8196" name="Segnaposto data 3">
             <a:extLst>
               <a:ext uri="{FF2B5EF4-FFF2-40B4-BE49-F238E27FC236}">
-                <a16:creationId xmlns:a16="http://schemas.microsoft.com/office/drawing/2014/main" id="{DE7E9F85-99C5-4C0E-B003-AF51BEA5DD87}"/>
+                <a16:creationId xmlns:a16="http://schemas.microsoft.com/office/drawing/2014/main" id="{8ED31B4D-95EE-4446-A900-569760EFBB2B}"/>
               </a:ext>
             </a:extLst>
           </p:cNvPr>
@@ -8335,29 +7470,198 @@
             <a:spLocks noGrp="1"/>
           </p:cNvSpPr>
           <p:nvPr>
-            <p:ph type="dt" sz="half" idx="10"/>
+            <p:ph type="dt" sz="quarter" idx="10"/>
           </p:nvPr>
         </p:nvSpPr>
-        <p:spPr/>
+        <p:spPr>
+          <a:noFill/>
+          <a:extLst>
+            <a:ext uri="{909E8E84-426E-40DD-AFC4-6F175D3DCCD1}">
+              <a14:hiddenFill xmlns:a14="http://schemas.microsoft.com/office/drawing/2010/main">
+                <a:solidFill>
+                  <a:schemeClr val="accent1"/>
+                </a:solidFill>
+              </a14:hiddenFill>
+            </a:ext>
+            <a:ext uri="{91240B29-F687-4F45-9708-019B960494DF}">
+              <a14:hiddenLine xmlns:a14="http://schemas.microsoft.com/office/drawing/2010/main" w="9525">
+                <a:solidFill>
+                  <a:schemeClr val="tx1"/>
+                </a:solidFill>
+                <a:miter lim="800000"/>
+                <a:headEnd/>
+                <a:tailEnd/>
+              </a14:hiddenLine>
+            </a:ext>
+          </a:extLst>
+        </p:spPr>
         <p:txBody>
           <a:bodyPr/>
-          <a:lstStyle/>
+          <a:lstStyle>
+            <a:lvl1pPr>
+              <a:spcBef>
+                <a:spcPct val="20000"/>
+              </a:spcBef>
+              <a:buClr>
+                <a:srgbClr val="822433"/>
+              </a:buClr>
+              <a:buChar char="•"/>
+              <a:defRPr sz="2400">
+                <a:solidFill>
+                  <a:srgbClr val="000000"/>
+                </a:solidFill>
+                <a:latin typeface="Arial" panose="020B0604020202020204" pitchFamily="34" charset="0"/>
+                <a:ea typeface="ＭＳ Ｐゴシック" panose="020B0600070205080204" pitchFamily="34" charset="-128"/>
+              </a:defRPr>
+            </a:lvl1pPr>
+            <a:lvl2pPr marL="742950" indent="-285750">
+              <a:spcBef>
+                <a:spcPct val="20000"/>
+              </a:spcBef>
+              <a:buChar char="–"/>
+              <a:defRPr sz="2000">
+                <a:solidFill>
+                  <a:srgbClr val="000000"/>
+                </a:solidFill>
+                <a:latin typeface="Arial" panose="020B0604020202020204" pitchFamily="34" charset="0"/>
+                <a:ea typeface="ＭＳ Ｐゴシック" panose="020B0600070205080204" pitchFamily="34" charset="-128"/>
+              </a:defRPr>
+            </a:lvl2pPr>
+            <a:lvl3pPr marL="1143000" indent="-228600">
+              <a:spcBef>
+                <a:spcPct val="20000"/>
+              </a:spcBef>
+              <a:buChar char="•"/>
+              <a:defRPr sz="1600">
+                <a:solidFill>
+                  <a:srgbClr val="000000"/>
+                </a:solidFill>
+                <a:latin typeface="Arial" panose="020B0604020202020204" pitchFamily="34" charset="0"/>
+                <a:ea typeface="ＭＳ Ｐゴシック" panose="020B0600070205080204" pitchFamily="34" charset="-128"/>
+              </a:defRPr>
+            </a:lvl3pPr>
+            <a:lvl4pPr marL="1600200" indent="-228600">
+              <a:spcBef>
+                <a:spcPct val="20000"/>
+              </a:spcBef>
+              <a:buChar char="–"/>
+              <a:defRPr sz="1400">
+                <a:solidFill>
+                  <a:srgbClr val="000000"/>
+                </a:solidFill>
+                <a:latin typeface="Arial" panose="020B0604020202020204" pitchFamily="34" charset="0"/>
+                <a:ea typeface="ＭＳ Ｐゴシック" panose="020B0600070205080204" pitchFamily="34" charset="-128"/>
+              </a:defRPr>
+            </a:lvl4pPr>
+            <a:lvl5pPr marL="2057400" indent="-228600">
+              <a:spcBef>
+                <a:spcPct val="20000"/>
+              </a:spcBef>
+              <a:buChar char="»"/>
+              <a:defRPr sz="1200">
+                <a:solidFill>
+                  <a:srgbClr val="000000"/>
+                </a:solidFill>
+                <a:latin typeface="Arial" panose="020B0604020202020204" pitchFamily="34" charset="0"/>
+                <a:ea typeface="ＭＳ Ｐゴシック" panose="020B0600070205080204" pitchFamily="34" charset="-128"/>
+              </a:defRPr>
+            </a:lvl5pPr>
+            <a:lvl6pPr marL="2514600" indent="-228600" eaLnBrk="0" fontAlgn="base" hangingPunct="0">
+              <a:spcBef>
+                <a:spcPct val="20000"/>
+              </a:spcBef>
+              <a:spcAft>
+                <a:spcPct val="0"/>
+              </a:spcAft>
+              <a:buChar char="»"/>
+              <a:defRPr sz="1200">
+                <a:solidFill>
+                  <a:srgbClr val="000000"/>
+                </a:solidFill>
+                <a:latin typeface="Arial" panose="020B0604020202020204" pitchFamily="34" charset="0"/>
+                <a:ea typeface="ＭＳ Ｐゴシック" panose="020B0600070205080204" pitchFamily="34" charset="-128"/>
+              </a:defRPr>
+            </a:lvl6pPr>
+            <a:lvl7pPr marL="2971800" indent="-228600" eaLnBrk="0" fontAlgn="base" hangingPunct="0">
+              <a:spcBef>
+                <a:spcPct val="20000"/>
+              </a:spcBef>
+              <a:spcAft>
+                <a:spcPct val="0"/>
+              </a:spcAft>
+              <a:buChar char="»"/>
+              <a:defRPr sz="1200">
+                <a:solidFill>
+                  <a:srgbClr val="000000"/>
+                </a:solidFill>
+                <a:latin typeface="Arial" panose="020B0604020202020204" pitchFamily="34" charset="0"/>
+                <a:ea typeface="ＭＳ Ｐゴシック" panose="020B0600070205080204" pitchFamily="34" charset="-128"/>
+              </a:defRPr>
+            </a:lvl7pPr>
+            <a:lvl8pPr marL="3429000" indent="-228600" eaLnBrk="0" fontAlgn="base" hangingPunct="0">
+              <a:spcBef>
+                <a:spcPct val="20000"/>
+              </a:spcBef>
+              <a:spcAft>
+                <a:spcPct val="0"/>
+              </a:spcAft>
+              <a:buChar char="»"/>
+              <a:defRPr sz="1200">
+                <a:solidFill>
+                  <a:srgbClr val="000000"/>
+                </a:solidFill>
+                <a:latin typeface="Arial" panose="020B0604020202020204" pitchFamily="34" charset="0"/>
+                <a:ea typeface="ＭＳ Ｐゴシック" panose="020B0600070205080204" pitchFamily="34" charset="-128"/>
+              </a:defRPr>
+            </a:lvl8pPr>
+            <a:lvl9pPr marL="3886200" indent="-228600" eaLnBrk="0" fontAlgn="base" hangingPunct="0">
+              <a:spcBef>
+                <a:spcPct val="20000"/>
+              </a:spcBef>
+              <a:spcAft>
+                <a:spcPct val="0"/>
+              </a:spcAft>
+              <a:buChar char="»"/>
+              <a:defRPr sz="1200">
+                <a:solidFill>
+                  <a:srgbClr val="000000"/>
+                </a:solidFill>
+                <a:latin typeface="Arial" panose="020B0604020202020204" pitchFamily="34" charset="0"/>
+                <a:ea typeface="ＭＳ Ｐゴシック" panose="020B0600070205080204" pitchFamily="34" charset="-128"/>
+              </a:defRPr>
+            </a:lvl9pPr>
+          </a:lstStyle>
           <a:p>
-            <a:fld id="{7140B170-C5FB-4C18-B41A-9290939AA396}" type="datetime1">
-              <a:rPr lang="it-IT" altLang="en-US"/>
-              <a:pPr/>
-              <a:t>19/11/2021</a:t>
+            <a:pPr>
+              <a:spcBef>
+                <a:spcPct val="0"/>
+              </a:spcBef>
+              <a:buClrTx/>
+              <a:buFontTx/>
+              <a:buNone/>
+            </a:pPr>
+            <a:fld id="{4C162D05-A7F7-4CF4-A2CC-828C8A3E2A07}" type="datetime1">
+              <a:rPr lang="it-IT" altLang="it-IT" sz="1100" smtClean="0">
+                <a:solidFill>
+                  <a:schemeClr val="bg1"/>
+                </a:solidFill>
+              </a:rPr>
+              <a:t>25/11/2021</a:t>
             </a:fld>
-            <a:endParaRPr lang="it-IT" altLang="en-US"/>
+            <a:endParaRPr lang="it-IT" altLang="it-IT" sz="1100" dirty="0">
+              <a:solidFill>
+                <a:schemeClr val="bg1"/>
+              </a:solidFill>
+            </a:endParaRPr>
           </a:p>
         </p:txBody>
       </p:sp>
       <p:sp>
         <p:nvSpPr>
-          <p:cNvPr id="6" name="Footer Placeholder 4">
+          <p:cNvPr id="8197" name="Segnaposto piè di pagina 4">
             <a:extLst>
               <a:ext uri="{FF2B5EF4-FFF2-40B4-BE49-F238E27FC236}">
-                <a16:creationId xmlns:a16="http://schemas.microsoft.com/office/drawing/2014/main" id="{3DA5397C-0C6C-4676-BA08-62EA1D52B03F}"/>
+                <a16:creationId xmlns:a16="http://schemas.microsoft.com/office/drawing/2014/main" id="{41DCBAAC-E273-4429-9B2D-C40F2ACA52B5}"/>
               </a:ext>
             </a:extLst>
           </p:cNvPr>
@@ -8368,24 +7672,195 @@
             <p:ph type="ftr" sz="quarter" idx="11"/>
           </p:nvPr>
         </p:nvSpPr>
-        <p:spPr/>
+        <p:spPr>
+          <a:noFill/>
+          <a:extLst>
+            <a:ext uri="{909E8E84-426E-40DD-AFC4-6F175D3DCCD1}">
+              <a14:hiddenFill xmlns:a14="http://schemas.microsoft.com/office/drawing/2010/main">
+                <a:solidFill>
+                  <a:schemeClr val="accent1"/>
+                </a:solidFill>
+              </a14:hiddenFill>
+            </a:ext>
+            <a:ext uri="{91240B29-F687-4F45-9708-019B960494DF}">
+              <a14:hiddenLine xmlns:a14="http://schemas.microsoft.com/office/drawing/2010/main" w="9525">
+                <a:solidFill>
+                  <a:schemeClr val="tx1"/>
+                </a:solidFill>
+                <a:miter lim="800000"/>
+                <a:headEnd/>
+                <a:tailEnd/>
+              </a14:hiddenLine>
+            </a:ext>
+          </a:extLst>
+        </p:spPr>
         <p:txBody>
           <a:bodyPr/>
-          <a:lstStyle/>
+          <a:lstStyle>
+            <a:lvl1pPr>
+              <a:spcBef>
+                <a:spcPct val="20000"/>
+              </a:spcBef>
+              <a:buClr>
+                <a:srgbClr val="822433"/>
+              </a:buClr>
+              <a:buChar char="•"/>
+              <a:defRPr sz="2400">
+                <a:solidFill>
+                  <a:srgbClr val="000000"/>
+                </a:solidFill>
+                <a:latin typeface="Arial" panose="020B0604020202020204" pitchFamily="34" charset="0"/>
+                <a:ea typeface="ＭＳ Ｐゴシック" panose="020B0600070205080204" pitchFamily="34" charset="-128"/>
+              </a:defRPr>
+            </a:lvl1pPr>
+            <a:lvl2pPr marL="742950" indent="-285750">
+              <a:spcBef>
+                <a:spcPct val="20000"/>
+              </a:spcBef>
+              <a:buChar char="–"/>
+              <a:defRPr sz="2000">
+                <a:solidFill>
+                  <a:srgbClr val="000000"/>
+                </a:solidFill>
+                <a:latin typeface="Arial" panose="020B0604020202020204" pitchFamily="34" charset="0"/>
+                <a:ea typeface="ＭＳ Ｐゴシック" panose="020B0600070205080204" pitchFamily="34" charset="-128"/>
+              </a:defRPr>
+            </a:lvl2pPr>
+            <a:lvl3pPr marL="1143000" indent="-228600">
+              <a:spcBef>
+                <a:spcPct val="20000"/>
+              </a:spcBef>
+              <a:buChar char="•"/>
+              <a:defRPr sz="1600">
+                <a:solidFill>
+                  <a:srgbClr val="000000"/>
+                </a:solidFill>
+                <a:latin typeface="Arial" panose="020B0604020202020204" pitchFamily="34" charset="0"/>
+                <a:ea typeface="ＭＳ Ｐゴシック" panose="020B0600070205080204" pitchFamily="34" charset="-128"/>
+              </a:defRPr>
+            </a:lvl3pPr>
+            <a:lvl4pPr marL="1600200" indent="-228600">
+              <a:spcBef>
+                <a:spcPct val="20000"/>
+              </a:spcBef>
+              <a:buChar char="–"/>
+              <a:defRPr sz="1400">
+                <a:solidFill>
+                  <a:srgbClr val="000000"/>
+                </a:solidFill>
+                <a:latin typeface="Arial" panose="020B0604020202020204" pitchFamily="34" charset="0"/>
+                <a:ea typeface="ＭＳ Ｐゴシック" panose="020B0600070205080204" pitchFamily="34" charset="-128"/>
+              </a:defRPr>
+            </a:lvl4pPr>
+            <a:lvl5pPr marL="2057400" indent="-228600">
+              <a:spcBef>
+                <a:spcPct val="20000"/>
+              </a:spcBef>
+              <a:buChar char="»"/>
+              <a:defRPr sz="1200">
+                <a:solidFill>
+                  <a:srgbClr val="000000"/>
+                </a:solidFill>
+                <a:latin typeface="Arial" panose="020B0604020202020204" pitchFamily="34" charset="0"/>
+                <a:ea typeface="ＭＳ Ｐゴシック" panose="020B0600070205080204" pitchFamily="34" charset="-128"/>
+              </a:defRPr>
+            </a:lvl5pPr>
+            <a:lvl6pPr marL="2514600" indent="-228600" eaLnBrk="0" fontAlgn="base" hangingPunct="0">
+              <a:spcBef>
+                <a:spcPct val="20000"/>
+              </a:spcBef>
+              <a:spcAft>
+                <a:spcPct val="0"/>
+              </a:spcAft>
+              <a:buChar char="»"/>
+              <a:defRPr sz="1200">
+                <a:solidFill>
+                  <a:srgbClr val="000000"/>
+                </a:solidFill>
+                <a:latin typeface="Arial" panose="020B0604020202020204" pitchFamily="34" charset="0"/>
+                <a:ea typeface="ＭＳ Ｐゴシック" panose="020B0600070205080204" pitchFamily="34" charset="-128"/>
+              </a:defRPr>
+            </a:lvl6pPr>
+            <a:lvl7pPr marL="2971800" indent="-228600" eaLnBrk="0" fontAlgn="base" hangingPunct="0">
+              <a:spcBef>
+                <a:spcPct val="20000"/>
+              </a:spcBef>
+              <a:spcAft>
+                <a:spcPct val="0"/>
+              </a:spcAft>
+              <a:buChar char="»"/>
+              <a:defRPr sz="1200">
+                <a:solidFill>
+                  <a:srgbClr val="000000"/>
+                </a:solidFill>
+                <a:latin typeface="Arial" panose="020B0604020202020204" pitchFamily="34" charset="0"/>
+                <a:ea typeface="ＭＳ Ｐゴシック" panose="020B0600070205080204" pitchFamily="34" charset="-128"/>
+              </a:defRPr>
+            </a:lvl7pPr>
+            <a:lvl8pPr marL="3429000" indent="-228600" eaLnBrk="0" fontAlgn="base" hangingPunct="0">
+              <a:spcBef>
+                <a:spcPct val="20000"/>
+              </a:spcBef>
+              <a:spcAft>
+                <a:spcPct val="0"/>
+              </a:spcAft>
+              <a:buChar char="»"/>
+              <a:defRPr sz="1200">
+                <a:solidFill>
+                  <a:srgbClr val="000000"/>
+                </a:solidFill>
+                <a:latin typeface="Arial" panose="020B0604020202020204" pitchFamily="34" charset="0"/>
+                <a:ea typeface="ＭＳ Ｐゴシック" panose="020B0600070205080204" pitchFamily="34" charset="-128"/>
+              </a:defRPr>
+            </a:lvl8pPr>
+            <a:lvl9pPr marL="3886200" indent="-228600" eaLnBrk="0" fontAlgn="base" hangingPunct="0">
+              <a:spcBef>
+                <a:spcPct val="20000"/>
+              </a:spcBef>
+              <a:spcAft>
+                <a:spcPct val="0"/>
+              </a:spcAft>
+              <a:buChar char="»"/>
+              <a:defRPr sz="1200">
+                <a:solidFill>
+                  <a:srgbClr val="000000"/>
+                </a:solidFill>
+                <a:latin typeface="Arial" panose="020B0604020202020204" pitchFamily="34" charset="0"/>
+                <a:ea typeface="ＭＳ Ｐゴシック" panose="020B0600070205080204" pitchFamily="34" charset="-128"/>
+              </a:defRPr>
+            </a:lvl9pPr>
+          </a:lstStyle>
           <a:p>
-            <a:r>
-              <a:rPr lang="it-IT" altLang="en-US"/>
-              <a:t>Titolo Presentazione</a:t>
-            </a:r>
+            <a:pPr>
+              <a:spcBef>
+                <a:spcPct val="0"/>
+              </a:spcBef>
+              <a:buClrTx/>
+              <a:buFontTx/>
+              <a:buNone/>
+            </a:pPr>
+            <a:r>
+              <a:rPr lang="it-IT" altLang="it-IT" sz="1100">
+                <a:solidFill>
+                  <a:schemeClr val="bg1"/>
+                </a:solidFill>
+              </a:rPr>
+              <a:t>Calcolo dei numeri reali esatti in Haskell</a:t>
+            </a:r>
+            <a:endParaRPr lang="it-IT" altLang="it-IT" sz="1100" dirty="0">
+              <a:solidFill>
+                <a:schemeClr val="bg1"/>
+              </a:solidFill>
+            </a:endParaRPr>
           </a:p>
         </p:txBody>
       </p:sp>
       <p:sp>
         <p:nvSpPr>
-          <p:cNvPr id="7" name="Slide Number Placeholder 5">
+          <p:cNvPr id="8198" name="Segnaposto numero diapositiva 5">
             <a:extLst>
               <a:ext uri="{FF2B5EF4-FFF2-40B4-BE49-F238E27FC236}">
-                <a16:creationId xmlns:a16="http://schemas.microsoft.com/office/drawing/2014/main" id="{E328FA86-B86A-4D7E-8333-63738D4A01CD}"/>
+                <a16:creationId xmlns:a16="http://schemas.microsoft.com/office/drawing/2014/main" id="{3F65208C-89DF-4998-94AD-067C87DCB594}"/>
               </a:ext>
             </a:extLst>
           </p:cNvPr>
@@ -8396,25 +7871,211 @@
             <p:ph type="sldNum" sz="quarter" idx="12"/>
           </p:nvPr>
         </p:nvSpPr>
-        <p:spPr/>
+        <p:spPr>
+          <a:noFill/>
+          <a:extLst>
+            <a:ext uri="{909E8E84-426E-40DD-AFC4-6F175D3DCCD1}">
+              <a14:hiddenFill xmlns:a14="http://schemas.microsoft.com/office/drawing/2010/main">
+                <a:solidFill>
+                  <a:schemeClr val="accent1"/>
+                </a:solidFill>
+              </a14:hiddenFill>
+            </a:ext>
+            <a:ext uri="{91240B29-F687-4F45-9708-019B960494DF}">
+              <a14:hiddenLine xmlns:a14="http://schemas.microsoft.com/office/drawing/2010/main" w="9525">
+                <a:solidFill>
+                  <a:schemeClr val="tx1"/>
+                </a:solidFill>
+                <a:miter lim="800000"/>
+                <a:headEnd/>
+                <a:tailEnd/>
+              </a14:hiddenLine>
+            </a:ext>
+          </a:extLst>
+        </p:spPr>
         <p:txBody>
           <a:bodyPr/>
-          <a:lstStyle/>
+          <a:lstStyle>
+            <a:lvl1pPr>
+              <a:spcBef>
+                <a:spcPct val="20000"/>
+              </a:spcBef>
+              <a:buClr>
+                <a:srgbClr val="822433"/>
+              </a:buClr>
+              <a:buChar char="•"/>
+              <a:defRPr sz="2400">
+                <a:solidFill>
+                  <a:srgbClr val="000000"/>
+                </a:solidFill>
+                <a:latin typeface="Arial" panose="020B0604020202020204" pitchFamily="34" charset="0"/>
+                <a:ea typeface="ＭＳ Ｐゴシック" panose="020B0600070205080204" pitchFamily="34" charset="-128"/>
+              </a:defRPr>
+            </a:lvl1pPr>
+            <a:lvl2pPr marL="742950" indent="-285750">
+              <a:spcBef>
+                <a:spcPct val="20000"/>
+              </a:spcBef>
+              <a:buChar char="–"/>
+              <a:defRPr sz="2000">
+                <a:solidFill>
+                  <a:srgbClr val="000000"/>
+                </a:solidFill>
+                <a:latin typeface="Arial" panose="020B0604020202020204" pitchFamily="34" charset="0"/>
+                <a:ea typeface="ＭＳ Ｐゴシック" panose="020B0600070205080204" pitchFamily="34" charset="-128"/>
+              </a:defRPr>
+            </a:lvl2pPr>
+            <a:lvl3pPr marL="1143000" indent="-228600">
+              <a:spcBef>
+                <a:spcPct val="20000"/>
+              </a:spcBef>
+              <a:buChar char="•"/>
+              <a:defRPr sz="1600">
+                <a:solidFill>
+                  <a:srgbClr val="000000"/>
+                </a:solidFill>
+                <a:latin typeface="Arial" panose="020B0604020202020204" pitchFamily="34" charset="0"/>
+                <a:ea typeface="ＭＳ Ｐゴシック" panose="020B0600070205080204" pitchFamily="34" charset="-128"/>
+              </a:defRPr>
+            </a:lvl3pPr>
+            <a:lvl4pPr marL="1600200" indent="-228600">
+              <a:spcBef>
+                <a:spcPct val="20000"/>
+              </a:spcBef>
+              <a:buChar char="–"/>
+              <a:defRPr sz="1400">
+                <a:solidFill>
+                  <a:srgbClr val="000000"/>
+                </a:solidFill>
+                <a:latin typeface="Arial" panose="020B0604020202020204" pitchFamily="34" charset="0"/>
+                <a:ea typeface="ＭＳ Ｐゴシック" panose="020B0600070205080204" pitchFamily="34" charset="-128"/>
+              </a:defRPr>
+            </a:lvl4pPr>
+            <a:lvl5pPr marL="2057400" indent="-228600">
+              <a:spcBef>
+                <a:spcPct val="20000"/>
+              </a:spcBef>
+              <a:buChar char="»"/>
+              <a:defRPr sz="1200">
+                <a:solidFill>
+                  <a:srgbClr val="000000"/>
+                </a:solidFill>
+                <a:latin typeface="Arial" panose="020B0604020202020204" pitchFamily="34" charset="0"/>
+                <a:ea typeface="ＭＳ Ｐゴシック" panose="020B0600070205080204" pitchFamily="34" charset="-128"/>
+              </a:defRPr>
+            </a:lvl5pPr>
+            <a:lvl6pPr marL="2514600" indent="-228600" eaLnBrk="0" fontAlgn="base" hangingPunct="0">
+              <a:spcBef>
+                <a:spcPct val="20000"/>
+              </a:spcBef>
+              <a:spcAft>
+                <a:spcPct val="0"/>
+              </a:spcAft>
+              <a:buChar char="»"/>
+              <a:defRPr sz="1200">
+                <a:solidFill>
+                  <a:srgbClr val="000000"/>
+                </a:solidFill>
+                <a:latin typeface="Arial" panose="020B0604020202020204" pitchFamily="34" charset="0"/>
+                <a:ea typeface="ＭＳ Ｐゴシック" panose="020B0600070205080204" pitchFamily="34" charset="-128"/>
+              </a:defRPr>
+            </a:lvl6pPr>
+            <a:lvl7pPr marL="2971800" indent="-228600" eaLnBrk="0" fontAlgn="base" hangingPunct="0">
+              <a:spcBef>
+                <a:spcPct val="20000"/>
+              </a:spcBef>
+              <a:spcAft>
+                <a:spcPct val="0"/>
+              </a:spcAft>
+              <a:buChar char="»"/>
+              <a:defRPr sz="1200">
+                <a:solidFill>
+                  <a:srgbClr val="000000"/>
+                </a:solidFill>
+                <a:latin typeface="Arial" panose="020B0604020202020204" pitchFamily="34" charset="0"/>
+                <a:ea typeface="ＭＳ Ｐゴシック" panose="020B0600070205080204" pitchFamily="34" charset="-128"/>
+              </a:defRPr>
+            </a:lvl7pPr>
+            <a:lvl8pPr marL="3429000" indent="-228600" eaLnBrk="0" fontAlgn="base" hangingPunct="0">
+              <a:spcBef>
+                <a:spcPct val="20000"/>
+              </a:spcBef>
+              <a:spcAft>
+                <a:spcPct val="0"/>
+              </a:spcAft>
+              <a:buChar char="»"/>
+              <a:defRPr sz="1200">
+                <a:solidFill>
+                  <a:srgbClr val="000000"/>
+                </a:solidFill>
+                <a:latin typeface="Arial" panose="020B0604020202020204" pitchFamily="34" charset="0"/>
+                <a:ea typeface="ＭＳ Ｐゴシック" panose="020B0600070205080204" pitchFamily="34" charset="-128"/>
+              </a:defRPr>
+            </a:lvl8pPr>
+            <a:lvl9pPr marL="3886200" indent="-228600" eaLnBrk="0" fontAlgn="base" hangingPunct="0">
+              <a:spcBef>
+                <a:spcPct val="20000"/>
+              </a:spcBef>
+              <a:spcAft>
+                <a:spcPct val="0"/>
+              </a:spcAft>
+              <a:buChar char="»"/>
+              <a:defRPr sz="1200">
+                <a:solidFill>
+                  <a:srgbClr val="000000"/>
+                </a:solidFill>
+                <a:latin typeface="Arial" panose="020B0604020202020204" pitchFamily="34" charset="0"/>
+                <a:ea typeface="ＭＳ Ｐゴシック" panose="020B0600070205080204" pitchFamily="34" charset="-128"/>
+              </a:defRPr>
+            </a:lvl9pPr>
+          </a:lstStyle>
           <a:p>
-            <a:r>
-              <a:rPr lang="it-IT" altLang="en-US"/>
+            <a:pPr>
+              <a:spcBef>
+                <a:spcPct val="0"/>
+              </a:spcBef>
+              <a:buClrTx/>
+              <a:buFontTx/>
+              <a:buNone/>
+            </a:pPr>
+            <a:r>
+              <a:rPr lang="it-IT" altLang="it-IT" sz="1100">
+                <a:solidFill>
+                  <a:schemeClr val="bg1"/>
+                </a:solidFill>
+              </a:rPr>
               <a:t>Pagina </a:t>
             </a:r>
-            <a:fld id="{E269C40D-C31A-48A2-B244-A155816C88CB}" type="slidenum">
-              <a:rPr lang="it-IT" altLang="en-US"/>
-              <a:pPr/>
-              <a:t>3</a:t>
+            <a:fld id="{A04AC664-CE17-41DF-8E7B-92C5A0B181AB}" type="slidenum">
+              <a:rPr lang="it-IT" altLang="it-IT" sz="1100" smtClean="0">
+                <a:solidFill>
+                  <a:schemeClr val="bg1"/>
+                </a:solidFill>
+              </a:rPr>
+              <a:pPr>
+                <a:spcBef>
+                  <a:spcPct val="0"/>
+                </a:spcBef>
+                <a:buClrTx/>
+                <a:buFontTx/>
+                <a:buNone/>
+              </a:pPr>
+              <a:t>10</a:t>
             </a:fld>
-            <a:endParaRPr lang="it-IT" altLang="en-US"/>
+            <a:endParaRPr lang="it-IT" altLang="it-IT" sz="1100">
+              <a:solidFill>
+                <a:schemeClr val="bg1"/>
+              </a:solidFill>
+            </a:endParaRPr>
           </a:p>
         </p:txBody>
       </p:sp>
     </p:spTree>
+    <p:extLst>
+      <p:ext uri="{BB962C8B-B14F-4D97-AF65-F5344CB8AC3E}">
+        <p14:creationId xmlns:p14="http://schemas.microsoft.com/office/powerpoint/2010/main" val="103954075"/>
+      </p:ext>
+    </p:extLst>
   </p:cSld>
   <p:clrMapOvr>
     <a:masterClrMapping/>
@@ -8422,7 +8083,707 @@
 </p:sld>
 </file>
 
-<file path=ppt/slides/slide4.xml><?xml version="1.0" encoding="utf-8"?>
+<file path=ppt/slides/slide11.xml><?xml version="1.0" encoding="utf-8"?>
+<p:sld xmlns:a="http://schemas.openxmlformats.org/drawingml/2006/main" xmlns:r="http://schemas.openxmlformats.org/officeDocument/2006/relationships" xmlns:p="http://schemas.openxmlformats.org/presentationml/2006/main">
+  <p:cSld>
+    <p:spTree>
+      <p:nvGrpSpPr>
+        <p:cNvPr id="1" name=""/>
+        <p:cNvGrpSpPr/>
+        <p:nvPr/>
+      </p:nvGrpSpPr>
+      <p:grpSpPr>
+        <a:xfrm>
+          <a:off x="0" y="0"/>
+          <a:ext cx="0" cy="0"/>
+          <a:chOff x="0" y="0"/>
+          <a:chExt cx="0" cy="0"/>
+        </a:xfrm>
+      </p:grpSpPr>
+      <p:sp>
+        <p:nvSpPr>
+          <p:cNvPr id="8194" name="Titolo 1">
+            <a:extLst>
+              <a:ext uri="{FF2B5EF4-FFF2-40B4-BE49-F238E27FC236}">
+                <a16:creationId xmlns:a16="http://schemas.microsoft.com/office/drawing/2014/main" id="{88DEBB06-C188-4D7B-8656-8C874DBC6F63}"/>
+              </a:ext>
+            </a:extLst>
+          </p:cNvPr>
+          <p:cNvSpPr>
+            <a:spLocks noGrp="1" noChangeArrowheads="1"/>
+          </p:cNvSpPr>
+          <p:nvPr>
+            <p:ph type="title"/>
+          </p:nvPr>
+        </p:nvSpPr>
+        <p:spPr/>
+        <p:txBody>
+          <a:bodyPr/>
+          <a:lstStyle/>
+          <a:p>
+            <a:pPr eaLnBrk="1" hangingPunct="1"/>
+            <a:endParaRPr lang="it-IT" altLang="it-IT" dirty="0"/>
+          </a:p>
+        </p:txBody>
+      </p:sp>
+      <p:sp>
+        <p:nvSpPr>
+          <p:cNvPr id="8195" name="Segnaposto contenuto 2">
+            <a:extLst>
+              <a:ext uri="{FF2B5EF4-FFF2-40B4-BE49-F238E27FC236}">
+                <a16:creationId xmlns:a16="http://schemas.microsoft.com/office/drawing/2014/main" id="{D0D83507-A7CE-4F77-8BB9-F1F544C72646}"/>
+              </a:ext>
+            </a:extLst>
+          </p:cNvPr>
+          <p:cNvSpPr>
+            <a:spLocks noGrp="1"/>
+          </p:cNvSpPr>
+          <p:nvPr>
+            <p:ph idx="1"/>
+          </p:nvPr>
+        </p:nvSpPr>
+        <p:spPr/>
+        <p:txBody>
+          <a:bodyPr/>
+          <a:lstStyle/>
+          <a:p>
+            <a:pPr eaLnBrk="1" hangingPunct="1">
+              <a:lnSpc>
+                <a:spcPct val="150000"/>
+              </a:lnSpc>
+              <a:defRPr/>
+            </a:pPr>
+            <a:endParaRPr lang="it-IT" altLang="it-IT" sz="1600" dirty="0"/>
+          </a:p>
+        </p:txBody>
+      </p:sp>
+      <p:sp>
+        <p:nvSpPr>
+          <p:cNvPr id="8196" name="Segnaposto data 3">
+            <a:extLst>
+              <a:ext uri="{FF2B5EF4-FFF2-40B4-BE49-F238E27FC236}">
+                <a16:creationId xmlns:a16="http://schemas.microsoft.com/office/drawing/2014/main" id="{8ED31B4D-95EE-4446-A900-569760EFBB2B}"/>
+              </a:ext>
+            </a:extLst>
+          </p:cNvPr>
+          <p:cNvSpPr>
+            <a:spLocks noGrp="1"/>
+          </p:cNvSpPr>
+          <p:nvPr>
+            <p:ph type="dt" sz="quarter" idx="10"/>
+          </p:nvPr>
+        </p:nvSpPr>
+        <p:spPr>
+          <a:noFill/>
+          <a:extLst>
+            <a:ext uri="{909E8E84-426E-40DD-AFC4-6F175D3DCCD1}">
+              <a14:hiddenFill xmlns:a14="http://schemas.microsoft.com/office/drawing/2010/main">
+                <a:solidFill>
+                  <a:schemeClr val="accent1"/>
+                </a:solidFill>
+              </a14:hiddenFill>
+            </a:ext>
+            <a:ext uri="{91240B29-F687-4F45-9708-019B960494DF}">
+              <a14:hiddenLine xmlns:a14="http://schemas.microsoft.com/office/drawing/2010/main" w="9525">
+                <a:solidFill>
+                  <a:schemeClr val="tx1"/>
+                </a:solidFill>
+                <a:miter lim="800000"/>
+                <a:headEnd/>
+                <a:tailEnd/>
+              </a14:hiddenLine>
+            </a:ext>
+          </a:extLst>
+        </p:spPr>
+        <p:txBody>
+          <a:bodyPr/>
+          <a:lstStyle>
+            <a:lvl1pPr>
+              <a:spcBef>
+                <a:spcPct val="20000"/>
+              </a:spcBef>
+              <a:buClr>
+                <a:srgbClr val="822433"/>
+              </a:buClr>
+              <a:buChar char="•"/>
+              <a:defRPr sz="2400">
+                <a:solidFill>
+                  <a:srgbClr val="000000"/>
+                </a:solidFill>
+                <a:latin typeface="Arial" panose="020B0604020202020204" pitchFamily="34" charset="0"/>
+                <a:ea typeface="ＭＳ Ｐゴシック" panose="020B0600070205080204" pitchFamily="34" charset="-128"/>
+              </a:defRPr>
+            </a:lvl1pPr>
+            <a:lvl2pPr marL="742950" indent="-285750">
+              <a:spcBef>
+                <a:spcPct val="20000"/>
+              </a:spcBef>
+              <a:buChar char="–"/>
+              <a:defRPr sz="2000">
+                <a:solidFill>
+                  <a:srgbClr val="000000"/>
+                </a:solidFill>
+                <a:latin typeface="Arial" panose="020B0604020202020204" pitchFamily="34" charset="0"/>
+                <a:ea typeface="ＭＳ Ｐゴシック" panose="020B0600070205080204" pitchFamily="34" charset="-128"/>
+              </a:defRPr>
+            </a:lvl2pPr>
+            <a:lvl3pPr marL="1143000" indent="-228600">
+              <a:spcBef>
+                <a:spcPct val="20000"/>
+              </a:spcBef>
+              <a:buChar char="•"/>
+              <a:defRPr sz="1600">
+                <a:solidFill>
+                  <a:srgbClr val="000000"/>
+                </a:solidFill>
+                <a:latin typeface="Arial" panose="020B0604020202020204" pitchFamily="34" charset="0"/>
+                <a:ea typeface="ＭＳ Ｐゴシック" panose="020B0600070205080204" pitchFamily="34" charset="-128"/>
+              </a:defRPr>
+            </a:lvl3pPr>
+            <a:lvl4pPr marL="1600200" indent="-228600">
+              <a:spcBef>
+                <a:spcPct val="20000"/>
+              </a:spcBef>
+              <a:buChar char="–"/>
+              <a:defRPr sz="1400">
+                <a:solidFill>
+                  <a:srgbClr val="000000"/>
+                </a:solidFill>
+                <a:latin typeface="Arial" panose="020B0604020202020204" pitchFamily="34" charset="0"/>
+                <a:ea typeface="ＭＳ Ｐゴシック" panose="020B0600070205080204" pitchFamily="34" charset="-128"/>
+              </a:defRPr>
+            </a:lvl4pPr>
+            <a:lvl5pPr marL="2057400" indent="-228600">
+              <a:spcBef>
+                <a:spcPct val="20000"/>
+              </a:spcBef>
+              <a:buChar char="»"/>
+              <a:defRPr sz="1200">
+                <a:solidFill>
+                  <a:srgbClr val="000000"/>
+                </a:solidFill>
+                <a:latin typeface="Arial" panose="020B0604020202020204" pitchFamily="34" charset="0"/>
+                <a:ea typeface="ＭＳ Ｐゴシック" panose="020B0600070205080204" pitchFamily="34" charset="-128"/>
+              </a:defRPr>
+            </a:lvl5pPr>
+            <a:lvl6pPr marL="2514600" indent="-228600" eaLnBrk="0" fontAlgn="base" hangingPunct="0">
+              <a:spcBef>
+                <a:spcPct val="20000"/>
+              </a:spcBef>
+              <a:spcAft>
+                <a:spcPct val="0"/>
+              </a:spcAft>
+              <a:buChar char="»"/>
+              <a:defRPr sz="1200">
+                <a:solidFill>
+                  <a:srgbClr val="000000"/>
+                </a:solidFill>
+                <a:latin typeface="Arial" panose="020B0604020202020204" pitchFamily="34" charset="0"/>
+                <a:ea typeface="ＭＳ Ｐゴシック" panose="020B0600070205080204" pitchFamily="34" charset="-128"/>
+              </a:defRPr>
+            </a:lvl6pPr>
+            <a:lvl7pPr marL="2971800" indent="-228600" eaLnBrk="0" fontAlgn="base" hangingPunct="0">
+              <a:spcBef>
+                <a:spcPct val="20000"/>
+              </a:spcBef>
+              <a:spcAft>
+                <a:spcPct val="0"/>
+              </a:spcAft>
+              <a:buChar char="»"/>
+              <a:defRPr sz="1200">
+                <a:solidFill>
+                  <a:srgbClr val="000000"/>
+                </a:solidFill>
+                <a:latin typeface="Arial" panose="020B0604020202020204" pitchFamily="34" charset="0"/>
+                <a:ea typeface="ＭＳ Ｐゴシック" panose="020B0600070205080204" pitchFamily="34" charset="-128"/>
+              </a:defRPr>
+            </a:lvl7pPr>
+            <a:lvl8pPr marL="3429000" indent="-228600" eaLnBrk="0" fontAlgn="base" hangingPunct="0">
+              <a:spcBef>
+                <a:spcPct val="20000"/>
+              </a:spcBef>
+              <a:spcAft>
+                <a:spcPct val="0"/>
+              </a:spcAft>
+              <a:buChar char="»"/>
+              <a:defRPr sz="1200">
+                <a:solidFill>
+                  <a:srgbClr val="000000"/>
+                </a:solidFill>
+                <a:latin typeface="Arial" panose="020B0604020202020204" pitchFamily="34" charset="0"/>
+                <a:ea typeface="ＭＳ Ｐゴシック" panose="020B0600070205080204" pitchFamily="34" charset="-128"/>
+              </a:defRPr>
+            </a:lvl8pPr>
+            <a:lvl9pPr marL="3886200" indent="-228600" eaLnBrk="0" fontAlgn="base" hangingPunct="0">
+              <a:spcBef>
+                <a:spcPct val="20000"/>
+              </a:spcBef>
+              <a:spcAft>
+                <a:spcPct val="0"/>
+              </a:spcAft>
+              <a:buChar char="»"/>
+              <a:defRPr sz="1200">
+                <a:solidFill>
+                  <a:srgbClr val="000000"/>
+                </a:solidFill>
+                <a:latin typeface="Arial" panose="020B0604020202020204" pitchFamily="34" charset="0"/>
+                <a:ea typeface="ＭＳ Ｐゴシック" panose="020B0600070205080204" pitchFamily="34" charset="-128"/>
+              </a:defRPr>
+            </a:lvl9pPr>
+          </a:lstStyle>
+          <a:p>
+            <a:pPr>
+              <a:spcBef>
+                <a:spcPct val="0"/>
+              </a:spcBef>
+              <a:buClrTx/>
+              <a:buFontTx/>
+              <a:buNone/>
+            </a:pPr>
+            <a:fld id="{4C162D05-A7F7-4CF4-A2CC-828C8A3E2A07}" type="datetime1">
+              <a:rPr lang="it-IT" altLang="it-IT" sz="1100" smtClean="0">
+                <a:solidFill>
+                  <a:schemeClr val="bg1"/>
+                </a:solidFill>
+              </a:rPr>
+              <a:t>25/11/2021</a:t>
+            </a:fld>
+            <a:endParaRPr lang="it-IT" altLang="it-IT" sz="1100">
+              <a:solidFill>
+                <a:schemeClr val="bg1"/>
+              </a:solidFill>
+            </a:endParaRPr>
+          </a:p>
+        </p:txBody>
+      </p:sp>
+      <p:sp>
+        <p:nvSpPr>
+          <p:cNvPr id="8197" name="Segnaposto piè di pagina 4">
+            <a:extLst>
+              <a:ext uri="{FF2B5EF4-FFF2-40B4-BE49-F238E27FC236}">
+                <a16:creationId xmlns:a16="http://schemas.microsoft.com/office/drawing/2014/main" id="{41DCBAAC-E273-4429-9B2D-C40F2ACA52B5}"/>
+              </a:ext>
+            </a:extLst>
+          </p:cNvPr>
+          <p:cNvSpPr>
+            <a:spLocks noGrp="1"/>
+          </p:cNvSpPr>
+          <p:nvPr>
+            <p:ph type="ftr" sz="quarter" idx="11"/>
+          </p:nvPr>
+        </p:nvSpPr>
+        <p:spPr>
+          <a:noFill/>
+          <a:extLst>
+            <a:ext uri="{909E8E84-426E-40DD-AFC4-6F175D3DCCD1}">
+              <a14:hiddenFill xmlns:a14="http://schemas.microsoft.com/office/drawing/2010/main">
+                <a:solidFill>
+                  <a:schemeClr val="accent1"/>
+                </a:solidFill>
+              </a14:hiddenFill>
+            </a:ext>
+            <a:ext uri="{91240B29-F687-4F45-9708-019B960494DF}">
+              <a14:hiddenLine xmlns:a14="http://schemas.microsoft.com/office/drawing/2010/main" w="9525">
+                <a:solidFill>
+                  <a:schemeClr val="tx1"/>
+                </a:solidFill>
+                <a:miter lim="800000"/>
+                <a:headEnd/>
+                <a:tailEnd/>
+              </a14:hiddenLine>
+            </a:ext>
+          </a:extLst>
+        </p:spPr>
+        <p:txBody>
+          <a:bodyPr/>
+          <a:lstStyle>
+            <a:lvl1pPr>
+              <a:spcBef>
+                <a:spcPct val="20000"/>
+              </a:spcBef>
+              <a:buClr>
+                <a:srgbClr val="822433"/>
+              </a:buClr>
+              <a:buChar char="•"/>
+              <a:defRPr sz="2400">
+                <a:solidFill>
+                  <a:srgbClr val="000000"/>
+                </a:solidFill>
+                <a:latin typeface="Arial" panose="020B0604020202020204" pitchFamily="34" charset="0"/>
+                <a:ea typeface="ＭＳ Ｐゴシック" panose="020B0600070205080204" pitchFamily="34" charset="-128"/>
+              </a:defRPr>
+            </a:lvl1pPr>
+            <a:lvl2pPr marL="742950" indent="-285750">
+              <a:spcBef>
+                <a:spcPct val="20000"/>
+              </a:spcBef>
+              <a:buChar char="–"/>
+              <a:defRPr sz="2000">
+                <a:solidFill>
+                  <a:srgbClr val="000000"/>
+                </a:solidFill>
+                <a:latin typeface="Arial" panose="020B0604020202020204" pitchFamily="34" charset="0"/>
+                <a:ea typeface="ＭＳ Ｐゴシック" panose="020B0600070205080204" pitchFamily="34" charset="-128"/>
+              </a:defRPr>
+            </a:lvl2pPr>
+            <a:lvl3pPr marL="1143000" indent="-228600">
+              <a:spcBef>
+                <a:spcPct val="20000"/>
+              </a:spcBef>
+              <a:buChar char="•"/>
+              <a:defRPr sz="1600">
+                <a:solidFill>
+                  <a:srgbClr val="000000"/>
+                </a:solidFill>
+                <a:latin typeface="Arial" panose="020B0604020202020204" pitchFamily="34" charset="0"/>
+                <a:ea typeface="ＭＳ Ｐゴシック" panose="020B0600070205080204" pitchFamily="34" charset="-128"/>
+              </a:defRPr>
+            </a:lvl3pPr>
+            <a:lvl4pPr marL="1600200" indent="-228600">
+              <a:spcBef>
+                <a:spcPct val="20000"/>
+              </a:spcBef>
+              <a:buChar char="–"/>
+              <a:defRPr sz="1400">
+                <a:solidFill>
+                  <a:srgbClr val="000000"/>
+                </a:solidFill>
+                <a:latin typeface="Arial" panose="020B0604020202020204" pitchFamily="34" charset="0"/>
+                <a:ea typeface="ＭＳ Ｐゴシック" panose="020B0600070205080204" pitchFamily="34" charset="-128"/>
+              </a:defRPr>
+            </a:lvl4pPr>
+            <a:lvl5pPr marL="2057400" indent="-228600">
+              <a:spcBef>
+                <a:spcPct val="20000"/>
+              </a:spcBef>
+              <a:buChar char="»"/>
+              <a:defRPr sz="1200">
+                <a:solidFill>
+                  <a:srgbClr val="000000"/>
+                </a:solidFill>
+                <a:latin typeface="Arial" panose="020B0604020202020204" pitchFamily="34" charset="0"/>
+                <a:ea typeface="ＭＳ Ｐゴシック" panose="020B0600070205080204" pitchFamily="34" charset="-128"/>
+              </a:defRPr>
+            </a:lvl5pPr>
+            <a:lvl6pPr marL="2514600" indent="-228600" eaLnBrk="0" fontAlgn="base" hangingPunct="0">
+              <a:spcBef>
+                <a:spcPct val="20000"/>
+              </a:spcBef>
+              <a:spcAft>
+                <a:spcPct val="0"/>
+              </a:spcAft>
+              <a:buChar char="»"/>
+              <a:defRPr sz="1200">
+                <a:solidFill>
+                  <a:srgbClr val="000000"/>
+                </a:solidFill>
+                <a:latin typeface="Arial" panose="020B0604020202020204" pitchFamily="34" charset="0"/>
+                <a:ea typeface="ＭＳ Ｐゴシック" panose="020B0600070205080204" pitchFamily="34" charset="-128"/>
+              </a:defRPr>
+            </a:lvl6pPr>
+            <a:lvl7pPr marL="2971800" indent="-228600" eaLnBrk="0" fontAlgn="base" hangingPunct="0">
+              <a:spcBef>
+                <a:spcPct val="20000"/>
+              </a:spcBef>
+              <a:spcAft>
+                <a:spcPct val="0"/>
+              </a:spcAft>
+              <a:buChar char="»"/>
+              <a:defRPr sz="1200">
+                <a:solidFill>
+                  <a:srgbClr val="000000"/>
+                </a:solidFill>
+                <a:latin typeface="Arial" panose="020B0604020202020204" pitchFamily="34" charset="0"/>
+                <a:ea typeface="ＭＳ Ｐゴシック" panose="020B0600070205080204" pitchFamily="34" charset="-128"/>
+              </a:defRPr>
+            </a:lvl7pPr>
+            <a:lvl8pPr marL="3429000" indent="-228600" eaLnBrk="0" fontAlgn="base" hangingPunct="0">
+              <a:spcBef>
+                <a:spcPct val="20000"/>
+              </a:spcBef>
+              <a:spcAft>
+                <a:spcPct val="0"/>
+              </a:spcAft>
+              <a:buChar char="»"/>
+              <a:defRPr sz="1200">
+                <a:solidFill>
+                  <a:srgbClr val="000000"/>
+                </a:solidFill>
+                <a:latin typeface="Arial" panose="020B0604020202020204" pitchFamily="34" charset="0"/>
+                <a:ea typeface="ＭＳ Ｐゴシック" panose="020B0600070205080204" pitchFamily="34" charset="-128"/>
+              </a:defRPr>
+            </a:lvl8pPr>
+            <a:lvl9pPr marL="3886200" indent="-228600" eaLnBrk="0" fontAlgn="base" hangingPunct="0">
+              <a:spcBef>
+                <a:spcPct val="20000"/>
+              </a:spcBef>
+              <a:spcAft>
+                <a:spcPct val="0"/>
+              </a:spcAft>
+              <a:buChar char="»"/>
+              <a:defRPr sz="1200">
+                <a:solidFill>
+                  <a:srgbClr val="000000"/>
+                </a:solidFill>
+                <a:latin typeface="Arial" panose="020B0604020202020204" pitchFamily="34" charset="0"/>
+                <a:ea typeface="ＭＳ Ｐゴシック" panose="020B0600070205080204" pitchFamily="34" charset="-128"/>
+              </a:defRPr>
+            </a:lvl9pPr>
+          </a:lstStyle>
+          <a:p>
+            <a:pPr>
+              <a:spcBef>
+                <a:spcPct val="0"/>
+              </a:spcBef>
+              <a:buClrTx/>
+              <a:buFontTx/>
+              <a:buNone/>
+            </a:pPr>
+            <a:r>
+              <a:rPr lang="it-IT" altLang="it-IT" sz="1100">
+                <a:solidFill>
+                  <a:schemeClr val="bg1"/>
+                </a:solidFill>
+              </a:rPr>
+              <a:t>Calcolo dei numeri reali esatti in Haskell</a:t>
+            </a:r>
+            <a:endParaRPr lang="it-IT" altLang="it-IT" sz="1100" dirty="0">
+              <a:solidFill>
+                <a:schemeClr val="bg1"/>
+              </a:solidFill>
+            </a:endParaRPr>
+          </a:p>
+        </p:txBody>
+      </p:sp>
+      <p:sp>
+        <p:nvSpPr>
+          <p:cNvPr id="8198" name="Segnaposto numero diapositiva 5">
+            <a:extLst>
+              <a:ext uri="{FF2B5EF4-FFF2-40B4-BE49-F238E27FC236}">
+                <a16:creationId xmlns:a16="http://schemas.microsoft.com/office/drawing/2014/main" id="{3F65208C-89DF-4998-94AD-067C87DCB594}"/>
+              </a:ext>
+            </a:extLst>
+          </p:cNvPr>
+          <p:cNvSpPr>
+            <a:spLocks noGrp="1"/>
+          </p:cNvSpPr>
+          <p:nvPr>
+            <p:ph type="sldNum" sz="quarter" idx="12"/>
+          </p:nvPr>
+        </p:nvSpPr>
+        <p:spPr>
+          <a:noFill/>
+          <a:extLst>
+            <a:ext uri="{909E8E84-426E-40DD-AFC4-6F175D3DCCD1}">
+              <a14:hiddenFill xmlns:a14="http://schemas.microsoft.com/office/drawing/2010/main">
+                <a:solidFill>
+                  <a:schemeClr val="accent1"/>
+                </a:solidFill>
+              </a14:hiddenFill>
+            </a:ext>
+            <a:ext uri="{91240B29-F687-4F45-9708-019B960494DF}">
+              <a14:hiddenLine xmlns:a14="http://schemas.microsoft.com/office/drawing/2010/main" w="9525">
+                <a:solidFill>
+                  <a:schemeClr val="tx1"/>
+                </a:solidFill>
+                <a:miter lim="800000"/>
+                <a:headEnd/>
+                <a:tailEnd/>
+              </a14:hiddenLine>
+            </a:ext>
+          </a:extLst>
+        </p:spPr>
+        <p:txBody>
+          <a:bodyPr/>
+          <a:lstStyle>
+            <a:lvl1pPr>
+              <a:spcBef>
+                <a:spcPct val="20000"/>
+              </a:spcBef>
+              <a:buClr>
+                <a:srgbClr val="822433"/>
+              </a:buClr>
+              <a:buChar char="•"/>
+              <a:defRPr sz="2400">
+                <a:solidFill>
+                  <a:srgbClr val="000000"/>
+                </a:solidFill>
+                <a:latin typeface="Arial" panose="020B0604020202020204" pitchFamily="34" charset="0"/>
+                <a:ea typeface="ＭＳ Ｐゴシック" panose="020B0600070205080204" pitchFamily="34" charset="-128"/>
+              </a:defRPr>
+            </a:lvl1pPr>
+            <a:lvl2pPr marL="742950" indent="-285750">
+              <a:spcBef>
+                <a:spcPct val="20000"/>
+              </a:spcBef>
+              <a:buChar char="–"/>
+              <a:defRPr sz="2000">
+                <a:solidFill>
+                  <a:srgbClr val="000000"/>
+                </a:solidFill>
+                <a:latin typeface="Arial" panose="020B0604020202020204" pitchFamily="34" charset="0"/>
+                <a:ea typeface="ＭＳ Ｐゴシック" panose="020B0600070205080204" pitchFamily="34" charset="-128"/>
+              </a:defRPr>
+            </a:lvl2pPr>
+            <a:lvl3pPr marL="1143000" indent="-228600">
+              <a:spcBef>
+                <a:spcPct val="20000"/>
+              </a:spcBef>
+              <a:buChar char="•"/>
+              <a:defRPr sz="1600">
+                <a:solidFill>
+                  <a:srgbClr val="000000"/>
+                </a:solidFill>
+                <a:latin typeface="Arial" panose="020B0604020202020204" pitchFamily="34" charset="0"/>
+                <a:ea typeface="ＭＳ Ｐゴシック" panose="020B0600070205080204" pitchFamily="34" charset="-128"/>
+              </a:defRPr>
+            </a:lvl3pPr>
+            <a:lvl4pPr marL="1600200" indent="-228600">
+              <a:spcBef>
+                <a:spcPct val="20000"/>
+              </a:spcBef>
+              <a:buChar char="–"/>
+              <a:defRPr sz="1400">
+                <a:solidFill>
+                  <a:srgbClr val="000000"/>
+                </a:solidFill>
+                <a:latin typeface="Arial" panose="020B0604020202020204" pitchFamily="34" charset="0"/>
+                <a:ea typeface="ＭＳ Ｐゴシック" panose="020B0600070205080204" pitchFamily="34" charset="-128"/>
+              </a:defRPr>
+            </a:lvl4pPr>
+            <a:lvl5pPr marL="2057400" indent="-228600">
+              <a:spcBef>
+                <a:spcPct val="20000"/>
+              </a:spcBef>
+              <a:buChar char="»"/>
+              <a:defRPr sz="1200">
+                <a:solidFill>
+                  <a:srgbClr val="000000"/>
+                </a:solidFill>
+                <a:latin typeface="Arial" panose="020B0604020202020204" pitchFamily="34" charset="0"/>
+                <a:ea typeface="ＭＳ Ｐゴシック" panose="020B0600070205080204" pitchFamily="34" charset="-128"/>
+              </a:defRPr>
+            </a:lvl5pPr>
+            <a:lvl6pPr marL="2514600" indent="-228600" eaLnBrk="0" fontAlgn="base" hangingPunct="0">
+              <a:spcBef>
+                <a:spcPct val="20000"/>
+              </a:spcBef>
+              <a:spcAft>
+                <a:spcPct val="0"/>
+              </a:spcAft>
+              <a:buChar char="»"/>
+              <a:defRPr sz="1200">
+                <a:solidFill>
+                  <a:srgbClr val="000000"/>
+                </a:solidFill>
+                <a:latin typeface="Arial" panose="020B0604020202020204" pitchFamily="34" charset="0"/>
+                <a:ea typeface="ＭＳ Ｐゴシック" panose="020B0600070205080204" pitchFamily="34" charset="-128"/>
+              </a:defRPr>
+            </a:lvl6pPr>
+            <a:lvl7pPr marL="2971800" indent="-228600" eaLnBrk="0" fontAlgn="base" hangingPunct="0">
+              <a:spcBef>
+                <a:spcPct val="20000"/>
+              </a:spcBef>
+              <a:spcAft>
+                <a:spcPct val="0"/>
+              </a:spcAft>
+              <a:buChar char="»"/>
+              <a:defRPr sz="1200">
+                <a:solidFill>
+                  <a:srgbClr val="000000"/>
+                </a:solidFill>
+                <a:latin typeface="Arial" panose="020B0604020202020204" pitchFamily="34" charset="0"/>
+                <a:ea typeface="ＭＳ Ｐゴシック" panose="020B0600070205080204" pitchFamily="34" charset="-128"/>
+              </a:defRPr>
+            </a:lvl7pPr>
+            <a:lvl8pPr marL="3429000" indent="-228600" eaLnBrk="0" fontAlgn="base" hangingPunct="0">
+              <a:spcBef>
+                <a:spcPct val="20000"/>
+              </a:spcBef>
+              <a:spcAft>
+                <a:spcPct val="0"/>
+              </a:spcAft>
+              <a:buChar char="»"/>
+              <a:defRPr sz="1200">
+                <a:solidFill>
+                  <a:srgbClr val="000000"/>
+                </a:solidFill>
+                <a:latin typeface="Arial" panose="020B0604020202020204" pitchFamily="34" charset="0"/>
+                <a:ea typeface="ＭＳ Ｐゴシック" panose="020B0600070205080204" pitchFamily="34" charset="-128"/>
+              </a:defRPr>
+            </a:lvl8pPr>
+            <a:lvl9pPr marL="3886200" indent="-228600" eaLnBrk="0" fontAlgn="base" hangingPunct="0">
+              <a:spcBef>
+                <a:spcPct val="20000"/>
+              </a:spcBef>
+              <a:spcAft>
+                <a:spcPct val="0"/>
+              </a:spcAft>
+              <a:buChar char="»"/>
+              <a:defRPr sz="1200">
+                <a:solidFill>
+                  <a:srgbClr val="000000"/>
+                </a:solidFill>
+                <a:latin typeface="Arial" panose="020B0604020202020204" pitchFamily="34" charset="0"/>
+                <a:ea typeface="ＭＳ Ｐゴシック" panose="020B0600070205080204" pitchFamily="34" charset="-128"/>
+              </a:defRPr>
+            </a:lvl9pPr>
+          </a:lstStyle>
+          <a:p>
+            <a:pPr>
+              <a:spcBef>
+                <a:spcPct val="0"/>
+              </a:spcBef>
+              <a:buClrTx/>
+              <a:buFontTx/>
+              <a:buNone/>
+            </a:pPr>
+            <a:r>
+              <a:rPr lang="it-IT" altLang="it-IT" sz="1100">
+                <a:solidFill>
+                  <a:schemeClr val="bg1"/>
+                </a:solidFill>
+              </a:rPr>
+              <a:t>Pagina </a:t>
+            </a:r>
+            <a:fld id="{A04AC664-CE17-41DF-8E7B-92C5A0B181AB}" type="slidenum">
+              <a:rPr lang="it-IT" altLang="it-IT" sz="1100" smtClean="0">
+                <a:solidFill>
+                  <a:schemeClr val="bg1"/>
+                </a:solidFill>
+              </a:rPr>
+              <a:pPr>
+                <a:spcBef>
+                  <a:spcPct val="0"/>
+                </a:spcBef>
+                <a:buClrTx/>
+                <a:buFontTx/>
+                <a:buNone/>
+              </a:pPr>
+              <a:t>11</a:t>
+            </a:fld>
+            <a:endParaRPr lang="it-IT" altLang="it-IT" sz="1100">
+              <a:solidFill>
+                <a:schemeClr val="bg1"/>
+              </a:solidFill>
+            </a:endParaRPr>
+          </a:p>
+        </p:txBody>
+      </p:sp>
+    </p:spTree>
+    <p:extLst>
+      <p:ext uri="{BB962C8B-B14F-4D97-AF65-F5344CB8AC3E}">
+        <p14:creationId xmlns:p14="http://schemas.microsoft.com/office/powerpoint/2010/main" val="3478055201"/>
+      </p:ext>
+    </p:extLst>
+  </p:cSld>
+  <p:clrMapOvr>
+    <a:masterClrMapping/>
+  </p:clrMapOvr>
+</p:sld>
+</file>
+
+<file path=ppt/slides/slide12.xml><?xml version="1.0" encoding="utf-8"?>
 <p:sld xmlns:a="http://schemas.openxmlformats.org/drawingml/2006/main" xmlns:r="http://schemas.openxmlformats.org/officeDocument/2006/relationships" xmlns:p="http://schemas.openxmlformats.org/presentationml/2006/main">
   <p:cSld>
     <p:spTree>
@@ -8460,10 +8821,9 @@
           <a:bodyPr/>
           <a:lstStyle/>
           <a:p>
-            <a:fld id="{FFECDB2B-9F5A-4A10-B708-194D33DDF5AB}" type="datetime1">
-              <a:rPr lang="it-IT" altLang="en-US"/>
-              <a:pPr/>
-              <a:t>19/11/2021</a:t>
+            <a:fld id="{70BA543D-3CC9-497B-A916-08ED586FEC9D}" type="datetime1">
+              <a:rPr lang="it-IT" altLang="en-US" smtClean="0"/>
+              <a:t>25/11/2021</a:t>
             </a:fld>
             <a:endParaRPr lang="it-IT" altLang="en-US"/>
           </a:p>
@@ -8491,9 +8851,70 @@
           <a:lstStyle/>
           <a:p>
             <a:r>
-              <a:rPr lang="it-IT" altLang="en-US"/>
-              <a:t>Titolo Presentazione</a:t>
-            </a:r>
+              <a:rPr lang="en-US" altLang="en-US" sz="1100" dirty="0" err="1">
+                <a:solidFill>
+                  <a:schemeClr val="bg1"/>
+                </a:solidFill>
+              </a:rPr>
+              <a:t>Calcolo</a:t>
+            </a:r>
+            <a:r>
+              <a:rPr lang="en-US" altLang="en-US" sz="1100" dirty="0">
+                <a:solidFill>
+                  <a:schemeClr val="bg1"/>
+                </a:solidFill>
+              </a:rPr>
+              <a:t> </a:t>
+            </a:r>
+            <a:r>
+              <a:rPr lang="en-US" altLang="en-US" sz="1100" dirty="0" err="1">
+                <a:solidFill>
+                  <a:schemeClr val="bg1"/>
+                </a:solidFill>
+              </a:rPr>
+              <a:t>dei</a:t>
+            </a:r>
+            <a:r>
+              <a:rPr lang="en-US" altLang="en-US" sz="1100" dirty="0">
+                <a:solidFill>
+                  <a:schemeClr val="bg1"/>
+                </a:solidFill>
+              </a:rPr>
+              <a:t> numeri </a:t>
+            </a:r>
+            <a:r>
+              <a:rPr lang="en-US" altLang="en-US" sz="1100" dirty="0" err="1">
+                <a:solidFill>
+                  <a:schemeClr val="bg1"/>
+                </a:solidFill>
+              </a:rPr>
+              <a:t>reali</a:t>
+            </a:r>
+            <a:r>
+              <a:rPr lang="en-US" altLang="en-US" sz="1100" dirty="0">
+                <a:solidFill>
+                  <a:schemeClr val="bg1"/>
+                </a:solidFill>
+              </a:rPr>
+              <a:t> </a:t>
+            </a:r>
+            <a:r>
+              <a:rPr lang="en-US" altLang="en-US" sz="1100" dirty="0" err="1">
+                <a:solidFill>
+                  <a:schemeClr val="bg1"/>
+                </a:solidFill>
+              </a:rPr>
+              <a:t>esatti</a:t>
+            </a:r>
+            <a:r>
+              <a:rPr lang="en-US" altLang="en-US" sz="1100" dirty="0">
+                <a:solidFill>
+                  <a:schemeClr val="bg1"/>
+                </a:solidFill>
+              </a:rPr>
+              <a:t> in Haskell</a:t>
+            </a:r>
+            <a:endParaRPr lang="it-IT" altLang="en-US" dirty="0"/>
           </a:p>
         </p:txBody>
       </p:sp>
@@ -8525,7 +8946,7 @@
             <a:fld id="{DB0748AD-1D2F-4D4E-946A-1407F962B992}" type="slidenum">
               <a:rPr lang="it-IT" altLang="en-US"/>
               <a:pPr/>
-              <a:t>4</a:t>
+              <a:t>12</a:t>
             </a:fld>
             <a:endParaRPr lang="it-IT" altLang="en-US"/>
           </a:p>
@@ -19269,7 +19690,7 @@
 </p:sld>
 </file>
 
-<file path=ppt/slides/slide5.xml><?xml version="1.0" encoding="utf-8"?>
+<file path=ppt/slides/slide13.xml><?xml version="1.0" encoding="utf-8"?>
 <p:sld xmlns:a="http://schemas.openxmlformats.org/drawingml/2006/main" xmlns:r="http://schemas.openxmlformats.org/officeDocument/2006/relationships" xmlns:p="http://schemas.openxmlformats.org/presentationml/2006/main">
   <p:cSld>
     <p:spTree>
@@ -19307,10 +19728,9 @@
           <a:bodyPr/>
           <a:lstStyle/>
           <a:p>
-            <a:fld id="{96B49DCF-73AE-4968-B2EB-ABA9687664B9}" type="datetime1">
-              <a:rPr lang="it-IT" altLang="en-US"/>
-              <a:pPr/>
-              <a:t>19/11/2021</a:t>
+            <a:fld id="{F7C5AE90-468E-4C0E-8D1A-43FCEBBE3660}" type="datetime1">
+              <a:rPr lang="it-IT" altLang="en-US" smtClean="0"/>
+              <a:t>25/11/2021</a:t>
             </a:fld>
             <a:endParaRPr lang="it-IT" altLang="en-US"/>
           </a:p>
@@ -19338,9 +19758,70 @@
           <a:lstStyle/>
           <a:p>
             <a:r>
-              <a:rPr lang="it-IT" altLang="en-US"/>
-              <a:t>Titolo Presentazione</a:t>
-            </a:r>
+              <a:rPr lang="en-US" altLang="en-US" sz="1100" dirty="0" err="1">
+                <a:solidFill>
+                  <a:schemeClr val="bg1"/>
+                </a:solidFill>
+              </a:rPr>
+              <a:t>Calcolo</a:t>
+            </a:r>
+            <a:r>
+              <a:rPr lang="en-US" altLang="en-US" sz="1100" dirty="0">
+                <a:solidFill>
+                  <a:schemeClr val="bg1"/>
+                </a:solidFill>
+              </a:rPr>
+              <a:t> </a:t>
+            </a:r>
+            <a:r>
+              <a:rPr lang="en-US" altLang="en-US" sz="1100" dirty="0" err="1">
+                <a:solidFill>
+                  <a:schemeClr val="bg1"/>
+                </a:solidFill>
+              </a:rPr>
+              <a:t>dei</a:t>
+            </a:r>
+            <a:r>
+              <a:rPr lang="en-US" altLang="en-US" sz="1100" dirty="0">
+                <a:solidFill>
+                  <a:schemeClr val="bg1"/>
+                </a:solidFill>
+              </a:rPr>
+              <a:t> numeri </a:t>
+            </a:r>
+            <a:r>
+              <a:rPr lang="en-US" altLang="en-US" sz="1100" dirty="0" err="1">
+                <a:solidFill>
+                  <a:schemeClr val="bg1"/>
+                </a:solidFill>
+              </a:rPr>
+              <a:t>reali</a:t>
+            </a:r>
+            <a:r>
+              <a:rPr lang="en-US" altLang="en-US" sz="1100" dirty="0">
+                <a:solidFill>
+                  <a:schemeClr val="bg1"/>
+                </a:solidFill>
+              </a:rPr>
+              <a:t> </a:t>
+            </a:r>
+            <a:r>
+              <a:rPr lang="en-US" altLang="en-US" sz="1100" dirty="0" err="1">
+                <a:solidFill>
+                  <a:schemeClr val="bg1"/>
+                </a:solidFill>
+              </a:rPr>
+              <a:t>esatti</a:t>
+            </a:r>
+            <a:r>
+              <a:rPr lang="en-US" altLang="en-US" sz="1100" dirty="0">
+                <a:solidFill>
+                  <a:schemeClr val="bg1"/>
+                </a:solidFill>
+              </a:rPr>
+              <a:t> in Haskell</a:t>
+            </a:r>
+            <a:endParaRPr lang="it-IT" altLang="en-US" dirty="0"/>
           </a:p>
         </p:txBody>
       </p:sp>
@@ -19372,7 +19853,7 @@
             <a:fld id="{22C2CB22-E7CD-4516-A134-269CA004D1A1}" type="slidenum">
               <a:rPr lang="it-IT" altLang="en-US"/>
               <a:pPr/>
-              <a:t>5</a:t>
+              <a:t>13</a:t>
             </a:fld>
             <a:endParaRPr lang="it-IT" altLang="en-US"/>
           </a:p>
@@ -19592,7 +20073,7 @@
 </p:sld>
 </file>
 
-<file path=ppt/slides/slide6.xml><?xml version="1.0" encoding="utf-8"?>
+<file path=ppt/slides/slide14.xml><?xml version="1.0" encoding="utf-8"?>
 <p:sld xmlns:a="http://schemas.openxmlformats.org/drawingml/2006/main" xmlns:r="http://schemas.openxmlformats.org/officeDocument/2006/relationships" xmlns:p="http://schemas.openxmlformats.org/presentationml/2006/main">
   <p:cSld>
     <p:spTree>
@@ -19630,12 +20111,11 @@
           <a:bodyPr/>
           <a:lstStyle/>
           <a:p>
-            <a:fld id="{FE8D323B-2BC4-4972-A079-5A75C33357AF}" type="datetime1">
-              <a:rPr lang="it-IT" altLang="en-US"/>
-              <a:pPr/>
-              <a:t>19/11/2021</a:t>
+            <a:fld id="{9A514536-E420-47CF-A938-8B8E1074CCA4}" type="datetime1">
+              <a:rPr lang="it-IT" altLang="en-US" smtClean="0"/>
+              <a:t>25/11/2021</a:t>
             </a:fld>
-            <a:endParaRPr lang="it-IT" altLang="en-US"/>
+            <a:endParaRPr lang="it-IT" altLang="en-US" dirty="0"/>
           </a:p>
         </p:txBody>
       </p:sp>
@@ -19661,9 +20141,70 @@
           <a:lstStyle/>
           <a:p>
             <a:r>
-              <a:rPr lang="it-IT" altLang="en-US"/>
-              <a:t>Titolo Presentazione</a:t>
-            </a:r>
+              <a:rPr lang="en-US" altLang="en-US" sz="1100" dirty="0" err="1">
+                <a:solidFill>
+                  <a:schemeClr val="bg1"/>
+                </a:solidFill>
+              </a:rPr>
+              <a:t>Calcolo</a:t>
+            </a:r>
+            <a:r>
+              <a:rPr lang="en-US" altLang="en-US" sz="1100" dirty="0">
+                <a:solidFill>
+                  <a:schemeClr val="bg1"/>
+                </a:solidFill>
+              </a:rPr>
+              <a:t> </a:t>
+            </a:r>
+            <a:r>
+              <a:rPr lang="en-US" altLang="en-US" sz="1100" dirty="0" err="1">
+                <a:solidFill>
+                  <a:schemeClr val="bg1"/>
+                </a:solidFill>
+              </a:rPr>
+              <a:t>dei</a:t>
+            </a:r>
+            <a:r>
+              <a:rPr lang="en-US" altLang="en-US" sz="1100" dirty="0">
+                <a:solidFill>
+                  <a:schemeClr val="bg1"/>
+                </a:solidFill>
+              </a:rPr>
+              <a:t> numeri </a:t>
+            </a:r>
+            <a:r>
+              <a:rPr lang="en-US" altLang="en-US" sz="1100" dirty="0" err="1">
+                <a:solidFill>
+                  <a:schemeClr val="bg1"/>
+                </a:solidFill>
+              </a:rPr>
+              <a:t>reali</a:t>
+            </a:r>
+            <a:r>
+              <a:rPr lang="en-US" altLang="en-US" sz="1100" dirty="0">
+                <a:solidFill>
+                  <a:schemeClr val="bg1"/>
+                </a:solidFill>
+              </a:rPr>
+              <a:t> </a:t>
+            </a:r>
+            <a:r>
+              <a:rPr lang="en-US" altLang="en-US" sz="1100" dirty="0" err="1">
+                <a:solidFill>
+                  <a:schemeClr val="bg1"/>
+                </a:solidFill>
+              </a:rPr>
+              <a:t>esatti</a:t>
+            </a:r>
+            <a:r>
+              <a:rPr lang="en-US" altLang="en-US" sz="1100" dirty="0">
+                <a:solidFill>
+                  <a:schemeClr val="bg1"/>
+                </a:solidFill>
+              </a:rPr>
+              <a:t> in Haskell</a:t>
+            </a:r>
+            <a:endParaRPr lang="it-IT" altLang="en-US" dirty="0"/>
           </a:p>
         </p:txBody>
       </p:sp>
@@ -19695,7 +20236,7 @@
             <a:fld id="{64C53E17-2D8C-4843-91EC-6F64250FB855}" type="slidenum">
               <a:rPr lang="it-IT" altLang="en-US"/>
               <a:pPr/>
-              <a:t>6</a:t>
+              <a:t>14</a:t>
             </a:fld>
             <a:endParaRPr lang="it-IT" altLang="en-US"/>
           </a:p>
@@ -19836,6 +20377,4092 @@
         </a:graphic>
       </p:graphicFrame>
     </p:spTree>
+  </p:cSld>
+  <p:clrMapOvr>
+    <a:masterClrMapping/>
+  </p:clrMapOvr>
+</p:sld>
+</file>
+
+<file path=ppt/slides/slide2.xml><?xml version="1.0" encoding="utf-8"?>
+<p:sld xmlns:a="http://schemas.openxmlformats.org/drawingml/2006/main" xmlns:r="http://schemas.openxmlformats.org/officeDocument/2006/relationships" xmlns:p="http://schemas.openxmlformats.org/presentationml/2006/main">
+  <p:cSld>
+    <p:spTree>
+      <p:nvGrpSpPr>
+        <p:cNvPr id="1" name=""/>
+        <p:cNvGrpSpPr/>
+        <p:nvPr/>
+      </p:nvGrpSpPr>
+      <p:grpSpPr>
+        <a:xfrm>
+          <a:off x="0" y="0"/>
+          <a:ext cx="0" cy="0"/>
+          <a:chOff x="0" y="0"/>
+          <a:chExt cx="0" cy="0"/>
+        </a:xfrm>
+      </p:grpSpPr>
+      <p:sp>
+        <p:nvSpPr>
+          <p:cNvPr id="6146" name="Titolo 1">
+            <a:extLst>
+              <a:ext uri="{FF2B5EF4-FFF2-40B4-BE49-F238E27FC236}">
+                <a16:creationId xmlns:a16="http://schemas.microsoft.com/office/drawing/2014/main" id="{B45A6202-6109-4E17-B4C8-1013AB800E09}"/>
+              </a:ext>
+            </a:extLst>
+          </p:cNvPr>
+          <p:cNvSpPr>
+            <a:spLocks noGrp="1" noChangeArrowheads="1"/>
+          </p:cNvSpPr>
+          <p:nvPr>
+            <p:ph type="ctrTitle"/>
+          </p:nvPr>
+        </p:nvSpPr>
+        <p:spPr/>
+        <p:txBody>
+          <a:bodyPr/>
+          <a:lstStyle/>
+          <a:p>
+            <a:pPr eaLnBrk="1" hangingPunct="1"/>
+            <a:r>
+              <a:rPr lang="it-IT" altLang="it-IT" sz="4800" dirty="0"/>
+              <a:t>Introduzione</a:t>
+            </a:r>
+          </a:p>
+        </p:txBody>
+      </p:sp>
+    </p:spTree>
+  </p:cSld>
+  <p:clrMapOvr>
+    <a:masterClrMapping/>
+  </p:clrMapOvr>
+</p:sld>
+</file>
+
+<file path=ppt/slides/slide3.xml><?xml version="1.0" encoding="utf-8"?>
+<p:sld xmlns:a="http://schemas.openxmlformats.org/drawingml/2006/main" xmlns:r="http://schemas.openxmlformats.org/officeDocument/2006/relationships" xmlns:p="http://schemas.openxmlformats.org/presentationml/2006/main">
+  <p:cSld>
+    <p:spTree>
+      <p:nvGrpSpPr>
+        <p:cNvPr id="1" name=""/>
+        <p:cNvGrpSpPr/>
+        <p:nvPr/>
+      </p:nvGrpSpPr>
+      <p:grpSpPr>
+        <a:xfrm>
+          <a:off x="0" y="0"/>
+          <a:ext cx="0" cy="0"/>
+          <a:chOff x="0" y="0"/>
+          <a:chExt cx="0" cy="0"/>
+        </a:xfrm>
+      </p:grpSpPr>
+      <p:sp>
+        <p:nvSpPr>
+          <p:cNvPr id="8194" name="Titolo 1">
+            <a:extLst>
+              <a:ext uri="{FF2B5EF4-FFF2-40B4-BE49-F238E27FC236}">
+                <a16:creationId xmlns:a16="http://schemas.microsoft.com/office/drawing/2014/main" id="{88DEBB06-C188-4D7B-8656-8C874DBC6F63}"/>
+              </a:ext>
+            </a:extLst>
+          </p:cNvPr>
+          <p:cNvSpPr>
+            <a:spLocks noGrp="1" noChangeArrowheads="1"/>
+          </p:cNvSpPr>
+          <p:nvPr>
+            <p:ph type="title"/>
+          </p:nvPr>
+        </p:nvSpPr>
+        <p:spPr/>
+        <p:txBody>
+          <a:bodyPr/>
+          <a:lstStyle/>
+          <a:p>
+            <a:pPr eaLnBrk="1" hangingPunct="1"/>
+            <a:r>
+              <a:rPr lang="it-IT" altLang="it-IT" dirty="0"/>
+              <a:t>Calcolo dei numeri reali esatti</a:t>
+            </a:r>
+          </a:p>
+        </p:txBody>
+      </p:sp>
+      <p:sp>
+        <p:nvSpPr>
+          <p:cNvPr id="8195" name="Segnaposto contenuto 2">
+            <a:extLst>
+              <a:ext uri="{FF2B5EF4-FFF2-40B4-BE49-F238E27FC236}">
+                <a16:creationId xmlns:a16="http://schemas.microsoft.com/office/drawing/2014/main" id="{D0D83507-A7CE-4F77-8BB9-F1F544C72646}"/>
+              </a:ext>
+            </a:extLst>
+          </p:cNvPr>
+          <p:cNvSpPr>
+            <a:spLocks noGrp="1"/>
+          </p:cNvSpPr>
+          <p:nvPr>
+            <p:ph idx="1"/>
+          </p:nvPr>
+        </p:nvSpPr>
+        <p:spPr/>
+        <p:txBody>
+          <a:bodyPr/>
+          <a:lstStyle/>
+          <a:p>
+            <a:pPr eaLnBrk="1" hangingPunct="1">
+              <a:lnSpc>
+                <a:spcPct val="150000"/>
+              </a:lnSpc>
+              <a:defRPr/>
+            </a:pPr>
+            <a:r>
+              <a:rPr lang="it-IT" altLang="it-IT" sz="1600" dirty="0"/>
+              <a:t>Si riferisce alla possibilità di fare operazioni usando numeri in notazione posizionale, con un numero di cifre potenzialmente infinito e non periodico, ad un livello arbitrario di precisione</a:t>
+            </a:r>
+          </a:p>
+          <a:p>
+            <a:pPr eaLnBrk="1" hangingPunct="1">
+              <a:lnSpc>
+                <a:spcPct val="150000"/>
+              </a:lnSpc>
+              <a:defRPr/>
+            </a:pPr>
+            <a:r>
+              <a:rPr lang="it-IT" altLang="it-IT" sz="1600" dirty="0"/>
+              <a:t>Fa uso di rappresentazioni ed algoritmi diversi da quelli classici, che permettono di rappresentare numeri a precisione illimitata usando una quantità finita di memoria per la rappresentazione e per gli algoritmi</a:t>
+            </a:r>
+          </a:p>
+          <a:p>
+            <a:pPr eaLnBrk="1" hangingPunct="1">
+              <a:lnSpc>
+                <a:spcPct val="150000"/>
+              </a:lnSpc>
+              <a:defRPr/>
+            </a:pPr>
+            <a:r>
+              <a:rPr lang="it-IT" altLang="it-IT" sz="1600" dirty="0"/>
+              <a:t>Elimina la perdita di precisione prima, durante e dopo le operazioni, al prezzo di un calo delle prestazioni</a:t>
+            </a:r>
+          </a:p>
+        </p:txBody>
+      </p:sp>
+      <p:sp>
+        <p:nvSpPr>
+          <p:cNvPr id="8196" name="Segnaposto data 3">
+            <a:extLst>
+              <a:ext uri="{FF2B5EF4-FFF2-40B4-BE49-F238E27FC236}">
+                <a16:creationId xmlns:a16="http://schemas.microsoft.com/office/drawing/2014/main" id="{8ED31B4D-95EE-4446-A900-569760EFBB2B}"/>
+              </a:ext>
+            </a:extLst>
+          </p:cNvPr>
+          <p:cNvSpPr>
+            <a:spLocks noGrp="1"/>
+          </p:cNvSpPr>
+          <p:nvPr>
+            <p:ph type="dt" sz="quarter" idx="10"/>
+          </p:nvPr>
+        </p:nvSpPr>
+        <p:spPr>
+          <a:noFill/>
+          <a:extLst>
+            <a:ext uri="{909E8E84-426E-40DD-AFC4-6F175D3DCCD1}">
+              <a14:hiddenFill xmlns:a14="http://schemas.microsoft.com/office/drawing/2010/main">
+                <a:solidFill>
+                  <a:schemeClr val="accent1"/>
+                </a:solidFill>
+              </a14:hiddenFill>
+            </a:ext>
+            <a:ext uri="{91240B29-F687-4F45-9708-019B960494DF}">
+              <a14:hiddenLine xmlns:a14="http://schemas.microsoft.com/office/drawing/2010/main" w="9525">
+                <a:solidFill>
+                  <a:schemeClr val="tx1"/>
+                </a:solidFill>
+                <a:miter lim="800000"/>
+                <a:headEnd/>
+                <a:tailEnd/>
+              </a14:hiddenLine>
+            </a:ext>
+          </a:extLst>
+        </p:spPr>
+        <p:txBody>
+          <a:bodyPr/>
+          <a:lstStyle>
+            <a:lvl1pPr>
+              <a:spcBef>
+                <a:spcPct val="20000"/>
+              </a:spcBef>
+              <a:buClr>
+                <a:srgbClr val="822433"/>
+              </a:buClr>
+              <a:buChar char="•"/>
+              <a:defRPr sz="2400">
+                <a:solidFill>
+                  <a:srgbClr val="000000"/>
+                </a:solidFill>
+                <a:latin typeface="Arial" panose="020B0604020202020204" pitchFamily="34" charset="0"/>
+                <a:ea typeface="ＭＳ Ｐゴシック" panose="020B0600070205080204" pitchFamily="34" charset="-128"/>
+              </a:defRPr>
+            </a:lvl1pPr>
+            <a:lvl2pPr marL="742950" indent="-285750">
+              <a:spcBef>
+                <a:spcPct val="20000"/>
+              </a:spcBef>
+              <a:buChar char="–"/>
+              <a:defRPr sz="2000">
+                <a:solidFill>
+                  <a:srgbClr val="000000"/>
+                </a:solidFill>
+                <a:latin typeface="Arial" panose="020B0604020202020204" pitchFamily="34" charset="0"/>
+                <a:ea typeface="ＭＳ Ｐゴシック" panose="020B0600070205080204" pitchFamily="34" charset="-128"/>
+              </a:defRPr>
+            </a:lvl2pPr>
+            <a:lvl3pPr marL="1143000" indent="-228600">
+              <a:spcBef>
+                <a:spcPct val="20000"/>
+              </a:spcBef>
+              <a:buChar char="•"/>
+              <a:defRPr sz="1600">
+                <a:solidFill>
+                  <a:srgbClr val="000000"/>
+                </a:solidFill>
+                <a:latin typeface="Arial" panose="020B0604020202020204" pitchFamily="34" charset="0"/>
+                <a:ea typeface="ＭＳ Ｐゴシック" panose="020B0600070205080204" pitchFamily="34" charset="-128"/>
+              </a:defRPr>
+            </a:lvl3pPr>
+            <a:lvl4pPr marL="1600200" indent="-228600">
+              <a:spcBef>
+                <a:spcPct val="20000"/>
+              </a:spcBef>
+              <a:buChar char="–"/>
+              <a:defRPr sz="1400">
+                <a:solidFill>
+                  <a:srgbClr val="000000"/>
+                </a:solidFill>
+                <a:latin typeface="Arial" panose="020B0604020202020204" pitchFamily="34" charset="0"/>
+                <a:ea typeface="ＭＳ Ｐゴシック" panose="020B0600070205080204" pitchFamily="34" charset="-128"/>
+              </a:defRPr>
+            </a:lvl4pPr>
+            <a:lvl5pPr marL="2057400" indent="-228600">
+              <a:spcBef>
+                <a:spcPct val="20000"/>
+              </a:spcBef>
+              <a:buChar char="»"/>
+              <a:defRPr sz="1200">
+                <a:solidFill>
+                  <a:srgbClr val="000000"/>
+                </a:solidFill>
+                <a:latin typeface="Arial" panose="020B0604020202020204" pitchFamily="34" charset="0"/>
+                <a:ea typeface="ＭＳ Ｐゴシック" panose="020B0600070205080204" pitchFamily="34" charset="-128"/>
+              </a:defRPr>
+            </a:lvl5pPr>
+            <a:lvl6pPr marL="2514600" indent="-228600" eaLnBrk="0" fontAlgn="base" hangingPunct="0">
+              <a:spcBef>
+                <a:spcPct val="20000"/>
+              </a:spcBef>
+              <a:spcAft>
+                <a:spcPct val="0"/>
+              </a:spcAft>
+              <a:buChar char="»"/>
+              <a:defRPr sz="1200">
+                <a:solidFill>
+                  <a:srgbClr val="000000"/>
+                </a:solidFill>
+                <a:latin typeface="Arial" panose="020B0604020202020204" pitchFamily="34" charset="0"/>
+                <a:ea typeface="ＭＳ Ｐゴシック" panose="020B0600070205080204" pitchFamily="34" charset="-128"/>
+              </a:defRPr>
+            </a:lvl6pPr>
+            <a:lvl7pPr marL="2971800" indent="-228600" eaLnBrk="0" fontAlgn="base" hangingPunct="0">
+              <a:spcBef>
+                <a:spcPct val="20000"/>
+              </a:spcBef>
+              <a:spcAft>
+                <a:spcPct val="0"/>
+              </a:spcAft>
+              <a:buChar char="»"/>
+              <a:defRPr sz="1200">
+                <a:solidFill>
+                  <a:srgbClr val="000000"/>
+                </a:solidFill>
+                <a:latin typeface="Arial" panose="020B0604020202020204" pitchFamily="34" charset="0"/>
+                <a:ea typeface="ＭＳ Ｐゴシック" panose="020B0600070205080204" pitchFamily="34" charset="-128"/>
+              </a:defRPr>
+            </a:lvl7pPr>
+            <a:lvl8pPr marL="3429000" indent="-228600" eaLnBrk="0" fontAlgn="base" hangingPunct="0">
+              <a:spcBef>
+                <a:spcPct val="20000"/>
+              </a:spcBef>
+              <a:spcAft>
+                <a:spcPct val="0"/>
+              </a:spcAft>
+              <a:buChar char="»"/>
+              <a:defRPr sz="1200">
+                <a:solidFill>
+                  <a:srgbClr val="000000"/>
+                </a:solidFill>
+                <a:latin typeface="Arial" panose="020B0604020202020204" pitchFamily="34" charset="0"/>
+                <a:ea typeface="ＭＳ Ｐゴシック" panose="020B0600070205080204" pitchFamily="34" charset="-128"/>
+              </a:defRPr>
+            </a:lvl8pPr>
+            <a:lvl9pPr marL="3886200" indent="-228600" eaLnBrk="0" fontAlgn="base" hangingPunct="0">
+              <a:spcBef>
+                <a:spcPct val="20000"/>
+              </a:spcBef>
+              <a:spcAft>
+                <a:spcPct val="0"/>
+              </a:spcAft>
+              <a:buChar char="»"/>
+              <a:defRPr sz="1200">
+                <a:solidFill>
+                  <a:srgbClr val="000000"/>
+                </a:solidFill>
+                <a:latin typeface="Arial" panose="020B0604020202020204" pitchFamily="34" charset="0"/>
+                <a:ea typeface="ＭＳ Ｐゴシック" panose="020B0600070205080204" pitchFamily="34" charset="-128"/>
+              </a:defRPr>
+            </a:lvl9pPr>
+          </a:lstStyle>
+          <a:p>
+            <a:pPr>
+              <a:spcBef>
+                <a:spcPct val="0"/>
+              </a:spcBef>
+              <a:buClrTx/>
+              <a:buFontTx/>
+              <a:buNone/>
+            </a:pPr>
+            <a:fld id="{4C162D05-A7F7-4CF4-A2CC-828C8A3E2A07}" type="datetime1">
+              <a:rPr lang="it-IT" altLang="it-IT" sz="1100" smtClean="0">
+                <a:solidFill>
+                  <a:schemeClr val="bg1"/>
+                </a:solidFill>
+              </a:rPr>
+              <a:t>25/11/2021</a:t>
+            </a:fld>
+            <a:endParaRPr lang="it-IT" altLang="it-IT" sz="1100">
+              <a:solidFill>
+                <a:schemeClr val="bg1"/>
+              </a:solidFill>
+            </a:endParaRPr>
+          </a:p>
+        </p:txBody>
+      </p:sp>
+      <p:sp>
+        <p:nvSpPr>
+          <p:cNvPr id="8197" name="Segnaposto piè di pagina 4">
+            <a:extLst>
+              <a:ext uri="{FF2B5EF4-FFF2-40B4-BE49-F238E27FC236}">
+                <a16:creationId xmlns:a16="http://schemas.microsoft.com/office/drawing/2014/main" id="{41DCBAAC-E273-4429-9B2D-C40F2ACA52B5}"/>
+              </a:ext>
+            </a:extLst>
+          </p:cNvPr>
+          <p:cNvSpPr>
+            <a:spLocks noGrp="1"/>
+          </p:cNvSpPr>
+          <p:nvPr>
+            <p:ph type="ftr" sz="quarter" idx="11"/>
+          </p:nvPr>
+        </p:nvSpPr>
+        <p:spPr>
+          <a:noFill/>
+          <a:extLst>
+            <a:ext uri="{909E8E84-426E-40DD-AFC4-6F175D3DCCD1}">
+              <a14:hiddenFill xmlns:a14="http://schemas.microsoft.com/office/drawing/2010/main">
+                <a:solidFill>
+                  <a:schemeClr val="accent1"/>
+                </a:solidFill>
+              </a14:hiddenFill>
+            </a:ext>
+            <a:ext uri="{91240B29-F687-4F45-9708-019B960494DF}">
+              <a14:hiddenLine xmlns:a14="http://schemas.microsoft.com/office/drawing/2010/main" w="9525">
+                <a:solidFill>
+                  <a:schemeClr val="tx1"/>
+                </a:solidFill>
+                <a:miter lim="800000"/>
+                <a:headEnd/>
+                <a:tailEnd/>
+              </a14:hiddenLine>
+            </a:ext>
+          </a:extLst>
+        </p:spPr>
+        <p:txBody>
+          <a:bodyPr/>
+          <a:lstStyle>
+            <a:lvl1pPr>
+              <a:spcBef>
+                <a:spcPct val="20000"/>
+              </a:spcBef>
+              <a:buClr>
+                <a:srgbClr val="822433"/>
+              </a:buClr>
+              <a:buChar char="•"/>
+              <a:defRPr sz="2400">
+                <a:solidFill>
+                  <a:srgbClr val="000000"/>
+                </a:solidFill>
+                <a:latin typeface="Arial" panose="020B0604020202020204" pitchFamily="34" charset="0"/>
+                <a:ea typeface="ＭＳ Ｐゴシック" panose="020B0600070205080204" pitchFamily="34" charset="-128"/>
+              </a:defRPr>
+            </a:lvl1pPr>
+            <a:lvl2pPr marL="742950" indent="-285750">
+              <a:spcBef>
+                <a:spcPct val="20000"/>
+              </a:spcBef>
+              <a:buChar char="–"/>
+              <a:defRPr sz="2000">
+                <a:solidFill>
+                  <a:srgbClr val="000000"/>
+                </a:solidFill>
+                <a:latin typeface="Arial" panose="020B0604020202020204" pitchFamily="34" charset="0"/>
+                <a:ea typeface="ＭＳ Ｐゴシック" panose="020B0600070205080204" pitchFamily="34" charset="-128"/>
+              </a:defRPr>
+            </a:lvl2pPr>
+            <a:lvl3pPr marL="1143000" indent="-228600">
+              <a:spcBef>
+                <a:spcPct val="20000"/>
+              </a:spcBef>
+              <a:buChar char="•"/>
+              <a:defRPr sz="1600">
+                <a:solidFill>
+                  <a:srgbClr val="000000"/>
+                </a:solidFill>
+                <a:latin typeface="Arial" panose="020B0604020202020204" pitchFamily="34" charset="0"/>
+                <a:ea typeface="ＭＳ Ｐゴシック" panose="020B0600070205080204" pitchFamily="34" charset="-128"/>
+              </a:defRPr>
+            </a:lvl3pPr>
+            <a:lvl4pPr marL="1600200" indent="-228600">
+              <a:spcBef>
+                <a:spcPct val="20000"/>
+              </a:spcBef>
+              <a:buChar char="–"/>
+              <a:defRPr sz="1400">
+                <a:solidFill>
+                  <a:srgbClr val="000000"/>
+                </a:solidFill>
+                <a:latin typeface="Arial" panose="020B0604020202020204" pitchFamily="34" charset="0"/>
+                <a:ea typeface="ＭＳ Ｐゴシック" panose="020B0600070205080204" pitchFamily="34" charset="-128"/>
+              </a:defRPr>
+            </a:lvl4pPr>
+            <a:lvl5pPr marL="2057400" indent="-228600">
+              <a:spcBef>
+                <a:spcPct val="20000"/>
+              </a:spcBef>
+              <a:buChar char="»"/>
+              <a:defRPr sz="1200">
+                <a:solidFill>
+                  <a:srgbClr val="000000"/>
+                </a:solidFill>
+                <a:latin typeface="Arial" panose="020B0604020202020204" pitchFamily="34" charset="0"/>
+                <a:ea typeface="ＭＳ Ｐゴシック" panose="020B0600070205080204" pitchFamily="34" charset="-128"/>
+              </a:defRPr>
+            </a:lvl5pPr>
+            <a:lvl6pPr marL="2514600" indent="-228600" eaLnBrk="0" fontAlgn="base" hangingPunct="0">
+              <a:spcBef>
+                <a:spcPct val="20000"/>
+              </a:spcBef>
+              <a:spcAft>
+                <a:spcPct val="0"/>
+              </a:spcAft>
+              <a:buChar char="»"/>
+              <a:defRPr sz="1200">
+                <a:solidFill>
+                  <a:srgbClr val="000000"/>
+                </a:solidFill>
+                <a:latin typeface="Arial" panose="020B0604020202020204" pitchFamily="34" charset="0"/>
+                <a:ea typeface="ＭＳ Ｐゴシック" panose="020B0600070205080204" pitchFamily="34" charset="-128"/>
+              </a:defRPr>
+            </a:lvl6pPr>
+            <a:lvl7pPr marL="2971800" indent="-228600" eaLnBrk="0" fontAlgn="base" hangingPunct="0">
+              <a:spcBef>
+                <a:spcPct val="20000"/>
+              </a:spcBef>
+              <a:spcAft>
+                <a:spcPct val="0"/>
+              </a:spcAft>
+              <a:buChar char="»"/>
+              <a:defRPr sz="1200">
+                <a:solidFill>
+                  <a:srgbClr val="000000"/>
+                </a:solidFill>
+                <a:latin typeface="Arial" panose="020B0604020202020204" pitchFamily="34" charset="0"/>
+                <a:ea typeface="ＭＳ Ｐゴシック" panose="020B0600070205080204" pitchFamily="34" charset="-128"/>
+              </a:defRPr>
+            </a:lvl7pPr>
+            <a:lvl8pPr marL="3429000" indent="-228600" eaLnBrk="0" fontAlgn="base" hangingPunct="0">
+              <a:spcBef>
+                <a:spcPct val="20000"/>
+              </a:spcBef>
+              <a:spcAft>
+                <a:spcPct val="0"/>
+              </a:spcAft>
+              <a:buChar char="»"/>
+              <a:defRPr sz="1200">
+                <a:solidFill>
+                  <a:srgbClr val="000000"/>
+                </a:solidFill>
+                <a:latin typeface="Arial" panose="020B0604020202020204" pitchFamily="34" charset="0"/>
+                <a:ea typeface="ＭＳ Ｐゴシック" panose="020B0600070205080204" pitchFamily="34" charset="-128"/>
+              </a:defRPr>
+            </a:lvl8pPr>
+            <a:lvl9pPr marL="3886200" indent="-228600" eaLnBrk="0" fontAlgn="base" hangingPunct="0">
+              <a:spcBef>
+                <a:spcPct val="20000"/>
+              </a:spcBef>
+              <a:spcAft>
+                <a:spcPct val="0"/>
+              </a:spcAft>
+              <a:buChar char="»"/>
+              <a:defRPr sz="1200">
+                <a:solidFill>
+                  <a:srgbClr val="000000"/>
+                </a:solidFill>
+                <a:latin typeface="Arial" panose="020B0604020202020204" pitchFamily="34" charset="0"/>
+                <a:ea typeface="ＭＳ Ｐゴシック" panose="020B0600070205080204" pitchFamily="34" charset="-128"/>
+              </a:defRPr>
+            </a:lvl9pPr>
+          </a:lstStyle>
+          <a:p>
+            <a:pPr>
+              <a:spcBef>
+                <a:spcPct val="0"/>
+              </a:spcBef>
+              <a:buClrTx/>
+              <a:buFontTx/>
+              <a:buNone/>
+            </a:pPr>
+            <a:r>
+              <a:rPr lang="it-IT" altLang="it-IT" sz="1100">
+                <a:solidFill>
+                  <a:schemeClr val="bg1"/>
+                </a:solidFill>
+              </a:rPr>
+              <a:t>Calcolo dei numeri reali esatti in Haskell</a:t>
+            </a:r>
+            <a:endParaRPr lang="it-IT" altLang="it-IT" sz="1100" dirty="0">
+              <a:solidFill>
+                <a:schemeClr val="bg1"/>
+              </a:solidFill>
+            </a:endParaRPr>
+          </a:p>
+        </p:txBody>
+      </p:sp>
+      <p:sp>
+        <p:nvSpPr>
+          <p:cNvPr id="8198" name="Segnaposto numero diapositiva 5">
+            <a:extLst>
+              <a:ext uri="{FF2B5EF4-FFF2-40B4-BE49-F238E27FC236}">
+                <a16:creationId xmlns:a16="http://schemas.microsoft.com/office/drawing/2014/main" id="{3F65208C-89DF-4998-94AD-067C87DCB594}"/>
+              </a:ext>
+            </a:extLst>
+          </p:cNvPr>
+          <p:cNvSpPr>
+            <a:spLocks noGrp="1"/>
+          </p:cNvSpPr>
+          <p:nvPr>
+            <p:ph type="sldNum" sz="quarter" idx="12"/>
+          </p:nvPr>
+        </p:nvSpPr>
+        <p:spPr>
+          <a:noFill/>
+          <a:extLst>
+            <a:ext uri="{909E8E84-426E-40DD-AFC4-6F175D3DCCD1}">
+              <a14:hiddenFill xmlns:a14="http://schemas.microsoft.com/office/drawing/2010/main">
+                <a:solidFill>
+                  <a:schemeClr val="accent1"/>
+                </a:solidFill>
+              </a14:hiddenFill>
+            </a:ext>
+            <a:ext uri="{91240B29-F687-4F45-9708-019B960494DF}">
+              <a14:hiddenLine xmlns:a14="http://schemas.microsoft.com/office/drawing/2010/main" w="9525">
+                <a:solidFill>
+                  <a:schemeClr val="tx1"/>
+                </a:solidFill>
+                <a:miter lim="800000"/>
+                <a:headEnd/>
+                <a:tailEnd/>
+              </a14:hiddenLine>
+            </a:ext>
+          </a:extLst>
+        </p:spPr>
+        <p:txBody>
+          <a:bodyPr/>
+          <a:lstStyle>
+            <a:lvl1pPr>
+              <a:spcBef>
+                <a:spcPct val="20000"/>
+              </a:spcBef>
+              <a:buClr>
+                <a:srgbClr val="822433"/>
+              </a:buClr>
+              <a:buChar char="•"/>
+              <a:defRPr sz="2400">
+                <a:solidFill>
+                  <a:srgbClr val="000000"/>
+                </a:solidFill>
+                <a:latin typeface="Arial" panose="020B0604020202020204" pitchFamily="34" charset="0"/>
+                <a:ea typeface="ＭＳ Ｐゴシック" panose="020B0600070205080204" pitchFamily="34" charset="-128"/>
+              </a:defRPr>
+            </a:lvl1pPr>
+            <a:lvl2pPr marL="742950" indent="-285750">
+              <a:spcBef>
+                <a:spcPct val="20000"/>
+              </a:spcBef>
+              <a:buChar char="–"/>
+              <a:defRPr sz="2000">
+                <a:solidFill>
+                  <a:srgbClr val="000000"/>
+                </a:solidFill>
+                <a:latin typeface="Arial" panose="020B0604020202020204" pitchFamily="34" charset="0"/>
+                <a:ea typeface="ＭＳ Ｐゴシック" panose="020B0600070205080204" pitchFamily="34" charset="-128"/>
+              </a:defRPr>
+            </a:lvl2pPr>
+            <a:lvl3pPr marL="1143000" indent="-228600">
+              <a:spcBef>
+                <a:spcPct val="20000"/>
+              </a:spcBef>
+              <a:buChar char="•"/>
+              <a:defRPr sz="1600">
+                <a:solidFill>
+                  <a:srgbClr val="000000"/>
+                </a:solidFill>
+                <a:latin typeface="Arial" panose="020B0604020202020204" pitchFamily="34" charset="0"/>
+                <a:ea typeface="ＭＳ Ｐゴシック" panose="020B0600070205080204" pitchFamily="34" charset="-128"/>
+              </a:defRPr>
+            </a:lvl3pPr>
+            <a:lvl4pPr marL="1600200" indent="-228600">
+              <a:spcBef>
+                <a:spcPct val="20000"/>
+              </a:spcBef>
+              <a:buChar char="–"/>
+              <a:defRPr sz="1400">
+                <a:solidFill>
+                  <a:srgbClr val="000000"/>
+                </a:solidFill>
+                <a:latin typeface="Arial" panose="020B0604020202020204" pitchFamily="34" charset="0"/>
+                <a:ea typeface="ＭＳ Ｐゴシック" panose="020B0600070205080204" pitchFamily="34" charset="-128"/>
+              </a:defRPr>
+            </a:lvl4pPr>
+            <a:lvl5pPr marL="2057400" indent="-228600">
+              <a:spcBef>
+                <a:spcPct val="20000"/>
+              </a:spcBef>
+              <a:buChar char="»"/>
+              <a:defRPr sz="1200">
+                <a:solidFill>
+                  <a:srgbClr val="000000"/>
+                </a:solidFill>
+                <a:latin typeface="Arial" panose="020B0604020202020204" pitchFamily="34" charset="0"/>
+                <a:ea typeface="ＭＳ Ｐゴシック" panose="020B0600070205080204" pitchFamily="34" charset="-128"/>
+              </a:defRPr>
+            </a:lvl5pPr>
+            <a:lvl6pPr marL="2514600" indent="-228600" eaLnBrk="0" fontAlgn="base" hangingPunct="0">
+              <a:spcBef>
+                <a:spcPct val="20000"/>
+              </a:spcBef>
+              <a:spcAft>
+                <a:spcPct val="0"/>
+              </a:spcAft>
+              <a:buChar char="»"/>
+              <a:defRPr sz="1200">
+                <a:solidFill>
+                  <a:srgbClr val="000000"/>
+                </a:solidFill>
+                <a:latin typeface="Arial" panose="020B0604020202020204" pitchFamily="34" charset="0"/>
+                <a:ea typeface="ＭＳ Ｐゴシック" panose="020B0600070205080204" pitchFamily="34" charset="-128"/>
+              </a:defRPr>
+            </a:lvl6pPr>
+            <a:lvl7pPr marL="2971800" indent="-228600" eaLnBrk="0" fontAlgn="base" hangingPunct="0">
+              <a:spcBef>
+                <a:spcPct val="20000"/>
+              </a:spcBef>
+              <a:spcAft>
+                <a:spcPct val="0"/>
+              </a:spcAft>
+              <a:buChar char="»"/>
+              <a:defRPr sz="1200">
+                <a:solidFill>
+                  <a:srgbClr val="000000"/>
+                </a:solidFill>
+                <a:latin typeface="Arial" panose="020B0604020202020204" pitchFamily="34" charset="0"/>
+                <a:ea typeface="ＭＳ Ｐゴシック" panose="020B0600070205080204" pitchFamily="34" charset="-128"/>
+              </a:defRPr>
+            </a:lvl7pPr>
+            <a:lvl8pPr marL="3429000" indent="-228600" eaLnBrk="0" fontAlgn="base" hangingPunct="0">
+              <a:spcBef>
+                <a:spcPct val="20000"/>
+              </a:spcBef>
+              <a:spcAft>
+                <a:spcPct val="0"/>
+              </a:spcAft>
+              <a:buChar char="»"/>
+              <a:defRPr sz="1200">
+                <a:solidFill>
+                  <a:srgbClr val="000000"/>
+                </a:solidFill>
+                <a:latin typeface="Arial" panose="020B0604020202020204" pitchFamily="34" charset="0"/>
+                <a:ea typeface="ＭＳ Ｐゴシック" panose="020B0600070205080204" pitchFamily="34" charset="-128"/>
+              </a:defRPr>
+            </a:lvl8pPr>
+            <a:lvl9pPr marL="3886200" indent="-228600" eaLnBrk="0" fontAlgn="base" hangingPunct="0">
+              <a:spcBef>
+                <a:spcPct val="20000"/>
+              </a:spcBef>
+              <a:spcAft>
+                <a:spcPct val="0"/>
+              </a:spcAft>
+              <a:buChar char="»"/>
+              <a:defRPr sz="1200">
+                <a:solidFill>
+                  <a:srgbClr val="000000"/>
+                </a:solidFill>
+                <a:latin typeface="Arial" panose="020B0604020202020204" pitchFamily="34" charset="0"/>
+                <a:ea typeface="ＭＳ Ｐゴシック" panose="020B0600070205080204" pitchFamily="34" charset="-128"/>
+              </a:defRPr>
+            </a:lvl9pPr>
+          </a:lstStyle>
+          <a:p>
+            <a:pPr>
+              <a:spcBef>
+                <a:spcPct val="0"/>
+              </a:spcBef>
+              <a:buClrTx/>
+              <a:buFontTx/>
+              <a:buNone/>
+            </a:pPr>
+            <a:r>
+              <a:rPr lang="it-IT" altLang="it-IT" sz="1100" dirty="0">
+                <a:solidFill>
+                  <a:schemeClr val="bg1"/>
+                </a:solidFill>
+              </a:rPr>
+              <a:t>Pagina </a:t>
+            </a:r>
+            <a:fld id="{A04AC664-CE17-41DF-8E7B-92C5A0B181AB}" type="slidenum">
+              <a:rPr lang="it-IT" altLang="it-IT" sz="1100" smtClean="0">
+                <a:solidFill>
+                  <a:schemeClr val="bg1"/>
+                </a:solidFill>
+              </a:rPr>
+              <a:pPr>
+                <a:spcBef>
+                  <a:spcPct val="0"/>
+                </a:spcBef>
+                <a:buClrTx/>
+                <a:buFontTx/>
+                <a:buNone/>
+              </a:pPr>
+              <a:t>3</a:t>
+            </a:fld>
+            <a:endParaRPr lang="it-IT" altLang="it-IT" sz="1100" dirty="0">
+              <a:solidFill>
+                <a:schemeClr val="bg1"/>
+              </a:solidFill>
+            </a:endParaRPr>
+          </a:p>
+        </p:txBody>
+      </p:sp>
+    </p:spTree>
+    <p:extLst>
+      <p:ext uri="{BB962C8B-B14F-4D97-AF65-F5344CB8AC3E}">
+        <p14:creationId xmlns:p14="http://schemas.microsoft.com/office/powerpoint/2010/main" val="3637110252"/>
+      </p:ext>
+    </p:extLst>
+  </p:cSld>
+  <p:clrMapOvr>
+    <a:masterClrMapping/>
+  </p:clrMapOvr>
+</p:sld>
+</file>
+
+<file path=ppt/slides/slide4.xml><?xml version="1.0" encoding="utf-8"?>
+<p:sld xmlns:a="http://schemas.openxmlformats.org/drawingml/2006/main" xmlns:r="http://schemas.openxmlformats.org/officeDocument/2006/relationships" xmlns:p="http://schemas.openxmlformats.org/presentationml/2006/main">
+  <p:cSld>
+    <p:spTree>
+      <p:nvGrpSpPr>
+        <p:cNvPr id="1" name=""/>
+        <p:cNvGrpSpPr/>
+        <p:nvPr/>
+      </p:nvGrpSpPr>
+      <p:grpSpPr>
+        <a:xfrm>
+          <a:off x="0" y="0"/>
+          <a:ext cx="0" cy="0"/>
+          <a:chOff x="0" y="0"/>
+          <a:chExt cx="0" cy="0"/>
+        </a:xfrm>
+      </p:grpSpPr>
+      <p:sp>
+        <p:nvSpPr>
+          <p:cNvPr id="6146" name="Titolo 1">
+            <a:extLst>
+              <a:ext uri="{FF2B5EF4-FFF2-40B4-BE49-F238E27FC236}">
+                <a16:creationId xmlns:a16="http://schemas.microsoft.com/office/drawing/2014/main" id="{B45A6202-6109-4E17-B4C8-1013AB800E09}"/>
+              </a:ext>
+            </a:extLst>
+          </p:cNvPr>
+          <p:cNvSpPr>
+            <a:spLocks noGrp="1" noChangeArrowheads="1"/>
+          </p:cNvSpPr>
+          <p:nvPr>
+            <p:ph type="ctrTitle"/>
+          </p:nvPr>
+        </p:nvSpPr>
+        <p:spPr/>
+        <p:txBody>
+          <a:bodyPr/>
+          <a:lstStyle/>
+          <a:p>
+            <a:pPr eaLnBrk="1" hangingPunct="1"/>
+            <a:r>
+              <a:rPr lang="it-IT" altLang="it-IT" sz="4800" dirty="0"/>
+              <a:t>I numeri reali nei calcolatori</a:t>
+            </a:r>
+          </a:p>
+        </p:txBody>
+      </p:sp>
+    </p:spTree>
+    <p:extLst>
+      <p:ext uri="{BB962C8B-B14F-4D97-AF65-F5344CB8AC3E}">
+        <p14:creationId xmlns:p14="http://schemas.microsoft.com/office/powerpoint/2010/main" val="970672348"/>
+      </p:ext>
+    </p:extLst>
+  </p:cSld>
+  <p:clrMapOvr>
+    <a:masterClrMapping/>
+  </p:clrMapOvr>
+</p:sld>
+</file>
+
+<file path=ppt/slides/slide5.xml><?xml version="1.0" encoding="utf-8"?>
+<p:sld xmlns:a="http://schemas.openxmlformats.org/drawingml/2006/main" xmlns:r="http://schemas.openxmlformats.org/officeDocument/2006/relationships" xmlns:p="http://schemas.openxmlformats.org/presentationml/2006/main">
+  <p:cSld>
+    <p:bg>
+      <p:bgPr>
+        <a:solidFill>
+          <a:schemeClr val="bg1"/>
+        </a:solidFill>
+        <a:effectLst/>
+      </p:bgPr>
+    </p:bg>
+    <p:spTree>
+      <p:nvGrpSpPr>
+        <p:cNvPr id="1" name=""/>
+        <p:cNvGrpSpPr/>
+        <p:nvPr/>
+      </p:nvGrpSpPr>
+      <p:grpSpPr>
+        <a:xfrm>
+          <a:off x="0" y="0"/>
+          <a:ext cx="0" cy="0"/>
+          <a:chOff x="0" y="0"/>
+          <a:chExt cx="0" cy="0"/>
+        </a:xfrm>
+      </p:grpSpPr>
+      <p:sp>
+        <p:nvSpPr>
+          <p:cNvPr id="7" name="Date Placeholder 4">
+            <a:extLst>
+              <a:ext uri="{FF2B5EF4-FFF2-40B4-BE49-F238E27FC236}">
+                <a16:creationId xmlns:a16="http://schemas.microsoft.com/office/drawing/2014/main" id="{5B5F7AAD-C138-49F0-933E-D073E320387E}"/>
+              </a:ext>
+            </a:extLst>
+          </p:cNvPr>
+          <p:cNvSpPr>
+            <a:spLocks noGrp="1"/>
+          </p:cNvSpPr>
+          <p:nvPr>
+            <p:ph type="dt" sz="half" idx="10"/>
+          </p:nvPr>
+        </p:nvSpPr>
+        <p:spPr/>
+        <p:txBody>
+          <a:bodyPr/>
+          <a:lstStyle/>
+          <a:p>
+            <a:fld id="{43008289-FB23-4A4E-8EBE-EEF119872101}" type="datetime1">
+              <a:rPr lang="it-IT" altLang="en-US" smtClean="0"/>
+              <a:t>25/11/2021</a:t>
+            </a:fld>
+            <a:endParaRPr lang="it-IT" altLang="en-US" dirty="0"/>
+          </a:p>
+        </p:txBody>
+      </p:sp>
+      <p:sp>
+        <p:nvSpPr>
+          <p:cNvPr id="8" name="Footer Placeholder 5">
+            <a:extLst>
+              <a:ext uri="{FF2B5EF4-FFF2-40B4-BE49-F238E27FC236}">
+                <a16:creationId xmlns:a16="http://schemas.microsoft.com/office/drawing/2014/main" id="{1658B8E8-E2BC-47F8-9864-13A2484397C8}"/>
+              </a:ext>
+            </a:extLst>
+          </p:cNvPr>
+          <p:cNvSpPr>
+            <a:spLocks noGrp="1"/>
+          </p:cNvSpPr>
+          <p:nvPr>
+            <p:ph type="ftr" sz="quarter" idx="11"/>
+          </p:nvPr>
+        </p:nvSpPr>
+        <p:spPr/>
+        <p:txBody>
+          <a:bodyPr/>
+          <a:lstStyle/>
+          <a:p>
+            <a:r>
+              <a:rPr lang="en-US" altLang="en-US" sz="1100" dirty="0" err="1">
+                <a:solidFill>
+                  <a:schemeClr val="bg1"/>
+                </a:solidFill>
+              </a:rPr>
+              <a:t>Calcolo</a:t>
+            </a:r>
+            <a:r>
+              <a:rPr lang="en-US" altLang="en-US" sz="1100" dirty="0">
+                <a:solidFill>
+                  <a:schemeClr val="bg1"/>
+                </a:solidFill>
+              </a:rPr>
+              <a:t> </a:t>
+            </a:r>
+            <a:r>
+              <a:rPr lang="en-US" altLang="en-US" sz="1100" dirty="0" err="1">
+                <a:solidFill>
+                  <a:schemeClr val="bg1"/>
+                </a:solidFill>
+              </a:rPr>
+              <a:t>dei</a:t>
+            </a:r>
+            <a:r>
+              <a:rPr lang="en-US" altLang="en-US" sz="1100" dirty="0">
+                <a:solidFill>
+                  <a:schemeClr val="bg1"/>
+                </a:solidFill>
+              </a:rPr>
+              <a:t> numeri </a:t>
+            </a:r>
+            <a:r>
+              <a:rPr lang="en-US" altLang="en-US" sz="1100" dirty="0" err="1">
+                <a:solidFill>
+                  <a:schemeClr val="bg1"/>
+                </a:solidFill>
+              </a:rPr>
+              <a:t>reali</a:t>
+            </a:r>
+            <a:r>
+              <a:rPr lang="en-US" altLang="en-US" sz="1100" dirty="0">
+                <a:solidFill>
+                  <a:schemeClr val="bg1"/>
+                </a:solidFill>
+              </a:rPr>
+              <a:t> </a:t>
+            </a:r>
+            <a:r>
+              <a:rPr lang="en-US" altLang="en-US" sz="1100" dirty="0" err="1">
+                <a:solidFill>
+                  <a:schemeClr val="bg1"/>
+                </a:solidFill>
+              </a:rPr>
+              <a:t>esatti</a:t>
+            </a:r>
+            <a:r>
+              <a:rPr lang="en-US" altLang="en-US" sz="1100" dirty="0">
+                <a:solidFill>
+                  <a:schemeClr val="bg1"/>
+                </a:solidFill>
+              </a:rPr>
+              <a:t> in Haskell</a:t>
+            </a:r>
+            <a:endParaRPr lang="it-IT" altLang="en-US" dirty="0"/>
+          </a:p>
+        </p:txBody>
+      </p:sp>
+      <p:sp>
+        <p:nvSpPr>
+          <p:cNvPr id="9" name="Slide Number Placeholder 6">
+            <a:extLst>
+              <a:ext uri="{FF2B5EF4-FFF2-40B4-BE49-F238E27FC236}">
+                <a16:creationId xmlns:a16="http://schemas.microsoft.com/office/drawing/2014/main" id="{4F9328B9-2D7F-4C49-B974-CC2E375178BF}"/>
+              </a:ext>
+            </a:extLst>
+          </p:cNvPr>
+          <p:cNvSpPr>
+            <a:spLocks noGrp="1"/>
+          </p:cNvSpPr>
+          <p:nvPr>
+            <p:ph type="sldNum" sz="quarter" idx="12"/>
+          </p:nvPr>
+        </p:nvSpPr>
+        <p:spPr/>
+        <p:txBody>
+          <a:bodyPr/>
+          <a:lstStyle/>
+          <a:p>
+            <a:r>
+              <a:rPr lang="it-IT" altLang="en-US"/>
+              <a:t>Pagina </a:t>
+            </a:r>
+            <a:fld id="{0C798BF4-5926-475D-9070-CF7C104B5F86}" type="slidenum">
+              <a:rPr lang="it-IT" altLang="en-US"/>
+              <a:pPr/>
+              <a:t>5</a:t>
+            </a:fld>
+            <a:endParaRPr lang="it-IT" altLang="en-US"/>
+          </a:p>
+        </p:txBody>
+      </p:sp>
+      <p:sp>
+        <p:nvSpPr>
+          <p:cNvPr id="7170" name="Rectangle 2">
+            <a:extLst>
+              <a:ext uri="{FF2B5EF4-FFF2-40B4-BE49-F238E27FC236}">
+                <a16:creationId xmlns:a16="http://schemas.microsoft.com/office/drawing/2014/main" id="{837E4B03-6AC1-47C7-8878-662A83022128}"/>
+              </a:ext>
+            </a:extLst>
+          </p:cNvPr>
+          <p:cNvSpPr>
+            <a:spLocks noGrp="1" noChangeArrowheads="1"/>
+          </p:cNvSpPr>
+          <p:nvPr>
+            <p:ph type="title"/>
+          </p:nvPr>
+        </p:nvSpPr>
+        <p:spPr>
+          <a:xfrm>
+            <a:off x="1116013" y="404813"/>
+            <a:ext cx="7416800" cy="509587"/>
+          </a:xfrm>
+        </p:spPr>
+        <p:txBody>
+          <a:bodyPr/>
+          <a:lstStyle/>
+          <a:p>
+            <a:r>
+              <a:rPr lang="en-US" altLang="en-US" dirty="0"/>
+              <a:t>I numeri </a:t>
+            </a:r>
+            <a:r>
+              <a:rPr lang="en-US" altLang="en-US" dirty="0" err="1"/>
+              <a:t>reali</a:t>
+            </a:r>
+            <a:endParaRPr lang="en-US" altLang="en-US" dirty="0"/>
+          </a:p>
+        </p:txBody>
+      </p:sp>
+      <p:sp>
+        <p:nvSpPr>
+          <p:cNvPr id="7171" name="Rectangle 3">
+            <a:extLst>
+              <a:ext uri="{FF2B5EF4-FFF2-40B4-BE49-F238E27FC236}">
+                <a16:creationId xmlns:a16="http://schemas.microsoft.com/office/drawing/2014/main" id="{88E13368-BCF8-4E85-8451-A70786E1E1F7}"/>
+              </a:ext>
+            </a:extLst>
+          </p:cNvPr>
+          <p:cNvSpPr>
+            <a:spLocks noGrp="1" noChangeArrowheads="1"/>
+          </p:cNvSpPr>
+          <p:nvPr>
+            <p:ph type="body" sz="half" idx="1"/>
+          </p:nvPr>
+        </p:nvSpPr>
+        <p:spPr>
+          <a:xfrm>
+            <a:off x="1116013" y="1752600"/>
+            <a:ext cx="3213100" cy="4038600"/>
+          </a:xfrm>
+        </p:spPr>
+        <p:txBody>
+          <a:bodyPr/>
+          <a:lstStyle/>
+          <a:p>
+            <a:pPr marL="187325" indent="-187325">
+              <a:lnSpc>
+                <a:spcPct val="140000"/>
+              </a:lnSpc>
+              <a:buFont typeface="Times" panose="02020603050405020304" pitchFamily="18" charset="0"/>
+              <a:buChar char="•"/>
+            </a:pPr>
+            <a:r>
+              <a:rPr lang="en-US" altLang="en-US" sz="1400" dirty="0" err="1"/>
+              <a:t>Razionali</a:t>
+            </a:r>
+            <a:endParaRPr lang="en-US" altLang="en-US" sz="1400" dirty="0"/>
+          </a:p>
+          <a:p>
+            <a:pPr marL="587375" lvl="1" indent="-187325">
+              <a:lnSpc>
+                <a:spcPct val="140000"/>
+              </a:lnSpc>
+              <a:buFont typeface="Times" panose="02020603050405020304" pitchFamily="18" charset="0"/>
+              <a:buChar char="•"/>
+            </a:pPr>
+            <a:r>
+              <a:rPr lang="en-US" altLang="en-US" sz="1200" dirty="0" err="1"/>
+              <a:t>possono</a:t>
+            </a:r>
+            <a:r>
+              <a:rPr lang="en-US" altLang="en-US" sz="1200" dirty="0"/>
+              <a:t> </a:t>
+            </a:r>
+            <a:r>
+              <a:rPr lang="en-US" altLang="en-US" sz="1200" dirty="0" err="1"/>
+              <a:t>essere</a:t>
+            </a:r>
+            <a:r>
+              <a:rPr lang="en-US" altLang="en-US" sz="1200" dirty="0"/>
+              <a:t> </a:t>
+            </a:r>
+            <a:r>
+              <a:rPr lang="en-US" altLang="en-US" sz="1200" dirty="0" err="1"/>
+              <a:t>rappresentati</a:t>
+            </a:r>
+            <a:r>
+              <a:rPr lang="en-US" altLang="en-US" sz="1200" dirty="0"/>
+              <a:t> con una </a:t>
+            </a:r>
+            <a:r>
+              <a:rPr lang="en-US" altLang="en-US" sz="1200" dirty="0" err="1"/>
+              <a:t>quantità</a:t>
+            </a:r>
+            <a:r>
+              <a:rPr lang="en-US" altLang="en-US" sz="1200" dirty="0"/>
+              <a:t> </a:t>
+            </a:r>
+            <a:r>
+              <a:rPr lang="en-US" altLang="en-US" sz="1200" dirty="0" err="1"/>
+              <a:t>finita</a:t>
+            </a:r>
+            <a:r>
+              <a:rPr lang="en-US" altLang="en-US" sz="1200" dirty="0"/>
+              <a:t> di </a:t>
+            </a:r>
+            <a:r>
+              <a:rPr lang="en-US" altLang="en-US" sz="1200" dirty="0" err="1"/>
+              <a:t>memoria</a:t>
+            </a:r>
+            <a:endParaRPr lang="en-US" altLang="en-US" sz="1200" dirty="0"/>
+          </a:p>
+          <a:p>
+            <a:pPr marL="587375" lvl="1" indent="-187325">
+              <a:lnSpc>
+                <a:spcPct val="140000"/>
+              </a:lnSpc>
+              <a:buFont typeface="Times" panose="02020603050405020304" pitchFamily="18" charset="0"/>
+              <a:buChar char="•"/>
+            </a:pPr>
+            <a:r>
+              <a:rPr lang="en-US" altLang="en-US" sz="1200" dirty="0" err="1"/>
+              <a:t>teoricamente</a:t>
+            </a:r>
+            <a:r>
+              <a:rPr lang="en-US" altLang="en-US" sz="1200" dirty="0"/>
+              <a:t> </a:t>
+            </a:r>
+            <a:r>
+              <a:rPr lang="en-US" altLang="en-US" sz="1200" dirty="0" err="1"/>
+              <a:t>sarebbe</a:t>
+            </a:r>
+            <a:r>
+              <a:rPr lang="en-US" altLang="en-US" sz="1200" dirty="0"/>
+              <a:t> </a:t>
+            </a:r>
+            <a:r>
+              <a:rPr lang="en-US" altLang="en-US" sz="1200" dirty="0" err="1"/>
+              <a:t>possibile</a:t>
+            </a:r>
+            <a:r>
+              <a:rPr lang="en-US" altLang="en-US" sz="1200" dirty="0"/>
+              <a:t> fare </a:t>
+            </a:r>
+            <a:r>
+              <a:rPr lang="en-US" altLang="en-US" sz="1200" dirty="0" err="1"/>
+              <a:t>calcoli</a:t>
+            </a:r>
+            <a:r>
+              <a:rPr lang="en-US" altLang="en-US" sz="1200" dirty="0"/>
+              <a:t> </a:t>
+            </a:r>
+            <a:r>
+              <a:rPr lang="en-US" altLang="en-US" sz="1200" dirty="0" err="1"/>
+              <a:t>esatti</a:t>
+            </a:r>
+            <a:r>
+              <a:rPr lang="en-US" altLang="en-US" sz="1200" dirty="0"/>
+              <a:t> sui numeri </a:t>
+            </a:r>
+            <a:r>
+              <a:rPr lang="en-US" altLang="en-US" sz="1200" dirty="0" err="1"/>
+              <a:t>razionali</a:t>
+            </a:r>
+            <a:endParaRPr lang="en-US" altLang="en-US" sz="1200" dirty="0"/>
+          </a:p>
+          <a:p>
+            <a:pPr marL="187325" indent="-187325">
+              <a:lnSpc>
+                <a:spcPct val="140000"/>
+              </a:lnSpc>
+              <a:buFont typeface="Times" panose="02020603050405020304" pitchFamily="18" charset="0"/>
+              <a:buChar char="•"/>
+            </a:pPr>
+            <a:r>
+              <a:rPr lang="en-US" altLang="en-US" sz="1600" dirty="0" err="1"/>
+              <a:t>Irrazionali</a:t>
+            </a:r>
+            <a:endParaRPr lang="en-US" altLang="en-US" sz="1600" dirty="0"/>
+          </a:p>
+          <a:p>
+            <a:pPr marL="587375" lvl="1" indent="-187325">
+              <a:lnSpc>
+                <a:spcPct val="140000"/>
+              </a:lnSpc>
+              <a:buFont typeface="Times" panose="02020603050405020304" pitchFamily="18" charset="0"/>
+              <a:buChar char="•"/>
+            </a:pPr>
+            <a:r>
+              <a:rPr lang="en-US" altLang="en-US" sz="1200" dirty="0"/>
+              <a:t>non </a:t>
+            </a:r>
+            <a:r>
+              <a:rPr lang="en-US" altLang="en-US" sz="1200" dirty="0" err="1"/>
+              <a:t>possono</a:t>
+            </a:r>
+            <a:r>
+              <a:rPr lang="en-US" altLang="en-US" sz="1200" dirty="0"/>
+              <a:t> </a:t>
+            </a:r>
+            <a:r>
+              <a:rPr lang="en-US" altLang="en-US" sz="1200" dirty="0" err="1"/>
+              <a:t>essere</a:t>
+            </a:r>
+            <a:r>
+              <a:rPr lang="en-US" altLang="en-US" sz="1200" dirty="0"/>
+              <a:t> </a:t>
+            </a:r>
+            <a:r>
+              <a:rPr lang="en-US" altLang="en-US" sz="1200" dirty="0" err="1"/>
+              <a:t>rappresentati</a:t>
+            </a:r>
+            <a:r>
+              <a:rPr lang="en-US" altLang="en-US" sz="1200" dirty="0"/>
+              <a:t> con una </a:t>
+            </a:r>
+            <a:r>
+              <a:rPr lang="en-US" altLang="en-US" sz="1200" dirty="0" err="1"/>
+              <a:t>quantità</a:t>
+            </a:r>
+            <a:r>
+              <a:rPr lang="en-US" altLang="en-US" sz="1200" dirty="0"/>
+              <a:t> </a:t>
+            </a:r>
+            <a:r>
+              <a:rPr lang="en-US" altLang="en-US" sz="1200" dirty="0" err="1"/>
+              <a:t>finita</a:t>
+            </a:r>
+            <a:r>
+              <a:rPr lang="en-US" altLang="en-US" sz="1200" dirty="0"/>
+              <a:t> di </a:t>
+            </a:r>
+            <a:r>
+              <a:rPr lang="en-US" altLang="en-US" sz="1200" dirty="0" err="1"/>
+              <a:t>memoria</a:t>
+            </a:r>
+            <a:endParaRPr lang="en-US" altLang="en-US" sz="1200" dirty="0"/>
+          </a:p>
+          <a:p>
+            <a:pPr marL="587375" lvl="1" indent="-187325">
+              <a:lnSpc>
+                <a:spcPct val="140000"/>
+              </a:lnSpc>
+              <a:buFont typeface="Times" panose="02020603050405020304" pitchFamily="18" charset="0"/>
+              <a:buChar char="•"/>
+            </a:pPr>
+            <a:r>
+              <a:rPr lang="en-US" altLang="en-US" sz="1200" dirty="0" err="1"/>
+              <a:t>si</a:t>
+            </a:r>
+            <a:r>
+              <a:rPr lang="en-US" altLang="en-US" sz="1200" dirty="0"/>
+              <a:t> </a:t>
+            </a:r>
+            <a:r>
+              <a:rPr lang="en-US" altLang="en-US" sz="1200" dirty="0" err="1"/>
+              <a:t>possono</a:t>
+            </a:r>
+            <a:r>
+              <a:rPr lang="en-US" altLang="en-US" sz="1200" dirty="0"/>
+              <a:t> fare </a:t>
+            </a:r>
+            <a:r>
+              <a:rPr lang="en-US" altLang="en-US" sz="1200" dirty="0" err="1"/>
+              <a:t>calcoli</a:t>
+            </a:r>
+            <a:r>
+              <a:rPr lang="en-US" altLang="en-US" sz="1200" dirty="0"/>
+              <a:t> a </a:t>
+            </a:r>
+            <a:r>
+              <a:rPr lang="en-US" altLang="en-US" sz="1200" dirty="0" err="1"/>
+              <a:t>precisione</a:t>
+            </a:r>
+            <a:r>
+              <a:rPr lang="en-US" altLang="en-US" sz="1200" dirty="0"/>
+              <a:t> </a:t>
+            </a:r>
+            <a:r>
+              <a:rPr lang="en-US" altLang="en-US" sz="1200" dirty="0" err="1"/>
+              <a:t>arbitraria</a:t>
+            </a:r>
+            <a:endParaRPr lang="en-US" altLang="en-US" sz="1600" dirty="0"/>
+          </a:p>
+          <a:p>
+            <a:pPr marL="187325" indent="-187325">
+              <a:lnSpc>
+                <a:spcPct val="140000"/>
+              </a:lnSpc>
+              <a:buFont typeface="Times" panose="02020603050405020304" pitchFamily="18" charset="0"/>
+              <a:buChar char="•"/>
+            </a:pPr>
+            <a:r>
+              <a:rPr lang="en-US" altLang="en-US" sz="1600" dirty="0"/>
+              <a:t>I </a:t>
+            </a:r>
+            <a:r>
+              <a:rPr lang="en-US" altLang="en-US" sz="1600" dirty="0" err="1"/>
+              <a:t>razionali</a:t>
+            </a:r>
+            <a:r>
+              <a:rPr lang="en-US" altLang="en-US" sz="1600" dirty="0"/>
+              <a:t> </a:t>
+            </a:r>
+            <a:r>
+              <a:rPr lang="en-US" altLang="en-US" sz="1600" dirty="0" err="1"/>
+              <a:t>hanno</a:t>
+            </a:r>
+            <a:r>
+              <a:rPr lang="en-US" altLang="en-US" sz="1600" dirty="0"/>
+              <a:t> una </a:t>
+            </a:r>
+            <a:r>
+              <a:rPr lang="en-US" altLang="en-US" sz="1600" dirty="0" err="1"/>
+              <a:t>parte</a:t>
+            </a:r>
+            <a:r>
+              <a:rPr lang="en-US" altLang="en-US" sz="1600" dirty="0"/>
+              <a:t> finale </a:t>
+            </a:r>
+            <a:r>
+              <a:rPr lang="en-US" altLang="en-US" sz="1600" dirty="0" err="1"/>
+              <a:t>periodica</a:t>
+            </a:r>
+            <a:endParaRPr lang="en-US" altLang="en-US" sz="1600" dirty="0"/>
+          </a:p>
+        </p:txBody>
+      </p:sp>
+      <p:pic>
+        <p:nvPicPr>
+          <p:cNvPr id="3" name="Content Placeholder 2" descr="Diagram, venn diagram&#10;&#10;Description automatically generated">
+            <a:extLst>
+              <a:ext uri="{FF2B5EF4-FFF2-40B4-BE49-F238E27FC236}">
+                <a16:creationId xmlns:a16="http://schemas.microsoft.com/office/drawing/2014/main" id="{905B5662-CC16-43B1-847F-DC0788276CA1}"/>
+              </a:ext>
+            </a:extLst>
+          </p:cNvPr>
+          <p:cNvPicPr>
+            <a:picLocks noGrp="1" noChangeAspect="1"/>
+          </p:cNvPicPr>
+          <p:nvPr>
+            <p:ph sz="half" idx="2"/>
+          </p:nvPr>
+        </p:nvPicPr>
+        <p:blipFill>
+          <a:blip r:embed="rId3">
+            <a:extLst>
+              <a:ext uri="{28A0092B-C50C-407E-A947-70E740481C1C}">
+                <a14:useLocalDpi xmlns:a14="http://schemas.microsoft.com/office/drawing/2010/main" val="0"/>
+              </a:ext>
+            </a:extLst>
+          </a:blip>
+          <a:stretch>
+            <a:fillRect/>
+          </a:stretch>
+        </p:blipFill>
+        <p:spPr>
+          <a:xfrm>
+            <a:off x="4551363" y="1807286"/>
+            <a:ext cx="3927475" cy="3929228"/>
+          </a:xfrm>
+        </p:spPr>
+      </p:pic>
+      <p:sp>
+        <p:nvSpPr>
+          <p:cNvPr id="7176" name="Rectangle 8">
+            <a:extLst>
+              <a:ext uri="{FF2B5EF4-FFF2-40B4-BE49-F238E27FC236}">
+                <a16:creationId xmlns:a16="http://schemas.microsoft.com/office/drawing/2014/main" id="{83ADC4AB-D215-4E9D-8E9E-0F97E1CA3BBE}"/>
+              </a:ext>
+            </a:extLst>
+          </p:cNvPr>
+          <p:cNvSpPr>
+            <a:spLocks noChangeArrowheads="1"/>
+          </p:cNvSpPr>
+          <p:nvPr/>
+        </p:nvSpPr>
+        <p:spPr bwMode="auto">
+          <a:xfrm>
+            <a:off x="1954213" y="630238"/>
+            <a:ext cx="184150" cy="228600"/>
+          </a:xfrm>
+          <a:prstGeom prst="rect">
+            <a:avLst/>
+          </a:prstGeom>
+          <a:noFill/>
+          <a:ln>
+            <a:noFill/>
+          </a:ln>
+          <a:effectLst/>
+          <a:extLst>
+            <a:ext uri="{909E8E84-426E-40DD-AFC4-6F175D3DCCD1}">
+              <a14:hiddenFill xmlns:a14="http://schemas.microsoft.com/office/drawing/2010/main">
+                <a:solidFill>
+                  <a:schemeClr val="accent1"/>
+                </a:solidFill>
+              </a14:hiddenFill>
+            </a:ext>
+            <a:ext uri="{91240B29-F687-4F45-9708-019B960494DF}">
+              <a14:hiddenLine xmlns:a14="http://schemas.microsoft.com/office/drawing/2010/main" w="9525">
+                <a:solidFill>
+                  <a:schemeClr val="tx1"/>
+                </a:solidFill>
+                <a:miter lim="800000"/>
+                <a:headEnd/>
+                <a:tailEnd/>
+              </a14:hiddenLine>
+            </a:ext>
+            <a:ext uri="{AF507438-7753-43E0-B8FC-AC1667EBCBE1}">
+              <a14:hiddenEffects xmlns:a14="http://schemas.microsoft.com/office/drawing/2010/main">
+                <a:effectLst>
+                  <a:outerShdw dist="35921" dir="2700000" algn="ctr" rotWithShape="0">
+                    <a:srgbClr val="808080"/>
+                  </a:outerShdw>
+                </a:effectLst>
+              </a14:hiddenEffects>
+            </a:ext>
+          </a:extLst>
+        </p:spPr>
+        <p:txBody>
+          <a:bodyPr wrap="none">
+            <a:spAutoFit/>
+          </a:bodyPr>
+          <a:lstStyle/>
+          <a:p>
+            <a:endParaRPr lang="en-US" altLang="en-US"/>
+          </a:p>
+        </p:txBody>
+      </p:sp>
+    </p:spTree>
+  </p:cSld>
+  <p:clrMapOvr>
+    <a:masterClrMapping/>
+  </p:clrMapOvr>
+</p:sld>
+</file>
+
+<file path=ppt/slides/slide6.xml><?xml version="1.0" encoding="utf-8"?>
+<p:sld xmlns:a="http://schemas.openxmlformats.org/drawingml/2006/main" xmlns:r="http://schemas.openxmlformats.org/officeDocument/2006/relationships" xmlns:p="http://schemas.openxmlformats.org/presentationml/2006/main">
+  <p:cSld>
+    <p:spTree>
+      <p:nvGrpSpPr>
+        <p:cNvPr id="1" name=""/>
+        <p:cNvGrpSpPr/>
+        <p:nvPr/>
+      </p:nvGrpSpPr>
+      <p:grpSpPr>
+        <a:xfrm>
+          <a:off x="0" y="0"/>
+          <a:ext cx="0" cy="0"/>
+          <a:chOff x="0" y="0"/>
+          <a:chExt cx="0" cy="0"/>
+        </a:xfrm>
+      </p:grpSpPr>
+      <p:sp>
+        <p:nvSpPr>
+          <p:cNvPr id="8194" name="Titolo 1">
+            <a:extLst>
+              <a:ext uri="{FF2B5EF4-FFF2-40B4-BE49-F238E27FC236}">
+                <a16:creationId xmlns:a16="http://schemas.microsoft.com/office/drawing/2014/main" id="{88DEBB06-C188-4D7B-8656-8C874DBC6F63}"/>
+              </a:ext>
+            </a:extLst>
+          </p:cNvPr>
+          <p:cNvSpPr>
+            <a:spLocks noGrp="1" noChangeArrowheads="1"/>
+          </p:cNvSpPr>
+          <p:nvPr>
+            <p:ph type="title"/>
+          </p:nvPr>
+        </p:nvSpPr>
+        <p:spPr/>
+        <p:txBody>
+          <a:bodyPr/>
+          <a:lstStyle/>
+          <a:p>
+            <a:pPr eaLnBrk="1" hangingPunct="1"/>
+            <a:r>
+              <a:rPr lang="en-US" altLang="en-US" dirty="0" err="1"/>
+              <a:t>Precisione</a:t>
+            </a:r>
+            <a:r>
+              <a:rPr lang="en-US" altLang="en-US" dirty="0"/>
+              <a:t> con la </a:t>
+            </a:r>
+            <a:r>
+              <a:rPr lang="en-US" altLang="en-US" dirty="0" err="1"/>
+              <a:t>rappresentazione</a:t>
+            </a:r>
+            <a:r>
+              <a:rPr lang="en-US" altLang="en-US" dirty="0"/>
+              <a:t> standard</a:t>
+            </a:r>
+            <a:endParaRPr lang="it-IT" altLang="it-IT" dirty="0"/>
+          </a:p>
+        </p:txBody>
+      </p:sp>
+      <p:sp>
+        <p:nvSpPr>
+          <p:cNvPr id="8195" name="Segnaposto contenuto 2">
+            <a:extLst>
+              <a:ext uri="{FF2B5EF4-FFF2-40B4-BE49-F238E27FC236}">
+                <a16:creationId xmlns:a16="http://schemas.microsoft.com/office/drawing/2014/main" id="{D0D83507-A7CE-4F77-8BB9-F1F544C72646}"/>
+              </a:ext>
+            </a:extLst>
+          </p:cNvPr>
+          <p:cNvSpPr>
+            <a:spLocks noGrp="1"/>
+          </p:cNvSpPr>
+          <p:nvPr>
+            <p:ph idx="1"/>
+          </p:nvPr>
+        </p:nvSpPr>
+        <p:spPr/>
+        <p:txBody>
+          <a:bodyPr/>
+          <a:lstStyle/>
+          <a:p>
+            <a:pPr>
+              <a:lnSpc>
+                <a:spcPct val="150000"/>
+              </a:lnSpc>
+              <a:defRPr/>
+            </a:pPr>
+            <a:r>
+              <a:rPr lang="en-US" altLang="en-US" sz="1600" dirty="0"/>
+              <a:t>La </a:t>
+            </a:r>
+            <a:r>
+              <a:rPr lang="en-US" altLang="en-US" sz="1600" dirty="0" err="1"/>
+              <a:t>rappresentazione</a:t>
+            </a:r>
+            <a:r>
+              <a:rPr lang="en-US" altLang="en-US" sz="1600" dirty="0"/>
+              <a:t> </a:t>
+            </a:r>
+            <a:r>
+              <a:rPr lang="en-US" altLang="en-US" sz="1600" dirty="0" err="1"/>
+              <a:t>dei</a:t>
+            </a:r>
+            <a:r>
+              <a:rPr lang="en-US" altLang="en-US" sz="1600" dirty="0"/>
+              <a:t> numeri in </a:t>
+            </a:r>
+            <a:r>
+              <a:rPr lang="en-US" altLang="en-US" sz="1600" dirty="0" err="1"/>
+              <a:t>virgola</a:t>
+            </a:r>
+            <a:r>
+              <a:rPr lang="en-US" altLang="en-US" sz="1600" dirty="0"/>
+              <a:t> mobile </a:t>
+            </a:r>
+            <a:r>
+              <a:rPr lang="en-US" altLang="en-US" sz="1600" dirty="0" err="1"/>
+              <a:t>va</a:t>
+            </a:r>
+            <a:r>
+              <a:rPr lang="en-US" altLang="en-US" sz="1600" dirty="0"/>
+              <a:t> bene per fare </a:t>
+            </a:r>
+            <a:r>
+              <a:rPr lang="en-US" altLang="en-US" sz="1600" dirty="0" err="1"/>
+              <a:t>calcoli</a:t>
+            </a:r>
+            <a:r>
+              <a:rPr lang="en-US" altLang="en-US" sz="1600" dirty="0"/>
+              <a:t> </a:t>
+            </a:r>
+            <a:r>
+              <a:rPr lang="en-US" altLang="en-US" sz="1600" dirty="0" err="1"/>
+              <a:t>che</a:t>
+            </a:r>
+            <a:r>
+              <a:rPr lang="en-US" altLang="en-US" sz="1600" dirty="0"/>
+              <a:t> non </a:t>
+            </a:r>
+            <a:r>
+              <a:rPr lang="en-US" altLang="en-US" sz="1600" dirty="0" err="1"/>
+              <a:t>richiedono</a:t>
+            </a:r>
+            <a:r>
+              <a:rPr lang="en-US" altLang="en-US" sz="1600" dirty="0"/>
+              <a:t> alti </a:t>
+            </a:r>
+            <a:r>
+              <a:rPr lang="en-US" altLang="en-US" sz="1600" dirty="0" err="1"/>
+              <a:t>livelli</a:t>
+            </a:r>
+            <a:r>
+              <a:rPr lang="en-US" altLang="en-US" sz="1600" dirty="0"/>
+              <a:t> di </a:t>
+            </a:r>
+            <a:r>
+              <a:rPr lang="en-US" altLang="en-US" sz="1600" dirty="0" err="1"/>
+              <a:t>precisione</a:t>
+            </a:r>
+            <a:endParaRPr lang="en-US" altLang="en-US" sz="1600" dirty="0"/>
+          </a:p>
+          <a:p>
+            <a:pPr>
+              <a:lnSpc>
+                <a:spcPct val="150000"/>
+              </a:lnSpc>
+              <a:defRPr/>
+            </a:pPr>
+            <a:r>
+              <a:rPr lang="en-US" altLang="en-US" sz="1600" dirty="0"/>
+              <a:t>Un classico </a:t>
+            </a:r>
+            <a:r>
+              <a:rPr lang="en-US" altLang="en-US" sz="1600" dirty="0" err="1"/>
+              <a:t>esempio</a:t>
+            </a:r>
+            <a:r>
+              <a:rPr lang="en-US" altLang="en-US" sz="1600" dirty="0"/>
+              <a:t> di </a:t>
+            </a:r>
+            <a:r>
+              <a:rPr lang="en-US" altLang="en-US" sz="1600" dirty="0" err="1"/>
+              <a:t>perdita</a:t>
+            </a:r>
+            <a:r>
+              <a:rPr lang="en-US" altLang="en-US" sz="1600" dirty="0"/>
+              <a:t> di </a:t>
+            </a:r>
+            <a:r>
+              <a:rPr lang="en-US" altLang="en-US" sz="1600" dirty="0" err="1"/>
+              <a:t>precisione</a:t>
+            </a:r>
+            <a:r>
+              <a:rPr lang="en-US" altLang="en-US" sz="1600" dirty="0"/>
+              <a:t> </a:t>
+            </a:r>
+            <a:r>
+              <a:rPr lang="en-US" altLang="en-US" sz="1600" dirty="0" err="1"/>
+              <a:t>durante</a:t>
+            </a:r>
+            <a:r>
+              <a:rPr lang="en-US" altLang="en-US" sz="1600" dirty="0"/>
+              <a:t> un </a:t>
+            </a:r>
+            <a:r>
+              <a:rPr lang="en-US" altLang="en-US" sz="1600" dirty="0" err="1"/>
+              <a:t>calcolo</a:t>
+            </a:r>
+            <a:r>
+              <a:rPr lang="en-US" altLang="en-US" sz="1600" dirty="0"/>
+              <a:t> </a:t>
+            </a:r>
+            <a:r>
+              <a:rPr lang="en-US" altLang="en-US" sz="1600" dirty="0" err="1"/>
+              <a:t>banale</a:t>
+            </a:r>
+            <a:r>
+              <a:rPr lang="en-US" altLang="en-US" sz="1600" dirty="0"/>
+              <a:t>:</a:t>
+            </a:r>
+          </a:p>
+          <a:p>
+            <a:pPr>
+              <a:buFontTx/>
+              <a:buNone/>
+            </a:pPr>
+            <a:r>
+              <a:rPr lang="en-US" altLang="en-US" sz="1200" dirty="0">
+                <a:latin typeface="Courier New" panose="02070309020205020404" pitchFamily="49" charset="0"/>
+                <a:cs typeface="Courier New" panose="02070309020205020404" pitchFamily="49" charset="0"/>
+              </a:rPr>
+              <a:t>&gt;&gt;&gt; 0.1 + 0.1</a:t>
+            </a:r>
+          </a:p>
+          <a:p>
+            <a:pPr>
+              <a:buFontTx/>
+              <a:buNone/>
+            </a:pPr>
+            <a:r>
+              <a:rPr lang="en-US" altLang="en-US" sz="1200" dirty="0">
+                <a:latin typeface="Courier New" panose="02070309020205020404" pitchFamily="49" charset="0"/>
+                <a:cs typeface="Courier New" panose="02070309020205020404" pitchFamily="49" charset="0"/>
+              </a:rPr>
+              <a:t>0.2</a:t>
+            </a:r>
+          </a:p>
+          <a:p>
+            <a:pPr>
+              <a:buFontTx/>
+              <a:buNone/>
+            </a:pPr>
+            <a:r>
+              <a:rPr lang="en-US" altLang="en-US" sz="1200" dirty="0">
+                <a:latin typeface="Courier New" panose="02070309020205020404" pitchFamily="49" charset="0"/>
+                <a:cs typeface="Courier New" panose="02070309020205020404" pitchFamily="49" charset="0"/>
+              </a:rPr>
+              <a:t>&gt;&gt;&gt; 0.2 + 0.1</a:t>
+            </a:r>
+          </a:p>
+          <a:p>
+            <a:pPr>
+              <a:buFontTx/>
+              <a:buNone/>
+            </a:pPr>
+            <a:r>
+              <a:rPr lang="en-US" altLang="en-US" sz="1200" dirty="0">
+                <a:latin typeface="Courier New" panose="02070309020205020404" pitchFamily="49" charset="0"/>
+                <a:cs typeface="Courier New" panose="02070309020205020404" pitchFamily="49" charset="0"/>
+              </a:rPr>
+              <a:t>0.30000000000000004</a:t>
+            </a:r>
+          </a:p>
+          <a:p>
+            <a:pPr>
+              <a:lnSpc>
+                <a:spcPct val="150000"/>
+              </a:lnSpc>
+              <a:defRPr/>
+            </a:pPr>
+            <a:r>
+              <a:rPr lang="en-US" altLang="en-US" sz="1600" dirty="0" err="1"/>
+              <a:t>Perfino</a:t>
+            </a:r>
+            <a:r>
+              <a:rPr lang="en-US" altLang="en-US" sz="1600" dirty="0"/>
+              <a:t> </a:t>
+            </a:r>
+            <a:r>
+              <a:rPr lang="en-US" altLang="en-US" sz="1600" dirty="0" err="1"/>
+              <a:t>nella</a:t>
+            </a:r>
+            <a:r>
+              <a:rPr lang="en-US" altLang="en-US" sz="1600" dirty="0"/>
+              <a:t> </a:t>
+            </a:r>
+            <a:r>
+              <a:rPr lang="en-US" altLang="en-US" sz="1600" dirty="0" err="1"/>
+              <a:t>rappresentazione</a:t>
+            </a:r>
+            <a:r>
+              <a:rPr lang="en-US" altLang="en-US" sz="1600" dirty="0"/>
+              <a:t> di un </a:t>
+            </a:r>
+            <a:r>
+              <a:rPr lang="en-US" altLang="en-US" sz="1600" dirty="0" err="1"/>
+              <a:t>intero</a:t>
+            </a:r>
+            <a:r>
+              <a:rPr lang="en-US" altLang="en-US" sz="1600" dirty="0"/>
+              <a:t>:</a:t>
+            </a:r>
+          </a:p>
+          <a:p>
+            <a:pPr>
+              <a:buNone/>
+            </a:pPr>
+            <a:r>
+              <a:rPr lang="it-IT" altLang="en-US" sz="1200" dirty="0">
+                <a:latin typeface="Courier New" panose="02070309020205020404" pitchFamily="49" charset="0"/>
+                <a:cs typeface="Courier New" panose="02070309020205020404" pitchFamily="49" charset="0"/>
+              </a:rPr>
+              <a:t>&gt;&gt;&gt; </a:t>
+            </a:r>
+            <a:r>
+              <a:rPr lang="en-GB" sz="1200" dirty="0">
+                <a:latin typeface="Courier New" panose="02070309020205020404" pitchFamily="49" charset="0"/>
+                <a:cs typeface="Courier New" panose="02070309020205020404" pitchFamily="49" charset="0"/>
+              </a:rPr>
+              <a:t>2147483647.0</a:t>
+            </a:r>
+          </a:p>
+          <a:p>
+            <a:pPr>
+              <a:buNone/>
+            </a:pPr>
+            <a:r>
+              <a:rPr lang="en-GB" sz="1200" dirty="0">
+                <a:latin typeface="Courier New" panose="02070309020205020404" pitchFamily="49" charset="0"/>
+                <a:cs typeface="Courier New" panose="02070309020205020404" pitchFamily="49" charset="0"/>
+              </a:rPr>
+              <a:t>2147483648.0</a:t>
+            </a:r>
+          </a:p>
+          <a:p>
+            <a:pPr>
+              <a:buNone/>
+            </a:pPr>
+            <a:r>
+              <a:rPr lang="en-GB" altLang="en-US" sz="1200" dirty="0">
+                <a:latin typeface="Courier New" panose="02070309020205020404" pitchFamily="49" charset="0"/>
+                <a:cs typeface="Courier New" panose="02070309020205020404" pitchFamily="49" charset="0"/>
+              </a:rPr>
+              <a:t>&gt;&gt;&gt; </a:t>
+            </a:r>
+            <a:r>
+              <a:rPr lang="en-GB" sz="1200" dirty="0">
+                <a:latin typeface="Courier New" panose="02070309020205020404" pitchFamily="49" charset="0"/>
+                <a:cs typeface="Courier New" panose="02070309020205020404" pitchFamily="49" charset="0"/>
+              </a:rPr>
+              <a:t>2147483647.0 – 64</a:t>
+            </a:r>
+          </a:p>
+          <a:p>
+            <a:pPr>
+              <a:buNone/>
+            </a:pPr>
+            <a:r>
+              <a:rPr lang="en-GB" sz="1200" dirty="0">
+                <a:latin typeface="Courier New" panose="02070309020205020404" pitchFamily="49" charset="0"/>
+                <a:cs typeface="Courier New" panose="02070309020205020404" pitchFamily="49" charset="0"/>
+              </a:rPr>
+              <a:t>2147483648.0</a:t>
+            </a:r>
+          </a:p>
+          <a:p>
+            <a:pPr>
+              <a:buNone/>
+            </a:pPr>
+            <a:r>
+              <a:rPr lang="en-GB" altLang="en-US" sz="1200" dirty="0">
+                <a:latin typeface="Courier New" panose="02070309020205020404" pitchFamily="49" charset="0"/>
+                <a:cs typeface="Courier New" panose="02070309020205020404" pitchFamily="49" charset="0"/>
+              </a:rPr>
+              <a:t>&gt;&gt;&gt; </a:t>
+            </a:r>
+            <a:r>
+              <a:rPr lang="en-GB" sz="1200" dirty="0">
+                <a:latin typeface="Courier New" panose="02070309020205020404" pitchFamily="49" charset="0"/>
+                <a:cs typeface="Courier New" panose="02070309020205020404" pitchFamily="49" charset="0"/>
+              </a:rPr>
+              <a:t>2147483647.0 – 65</a:t>
+            </a:r>
+          </a:p>
+          <a:p>
+            <a:pPr>
+              <a:buNone/>
+            </a:pPr>
+            <a:r>
+              <a:rPr lang="en-GB" sz="1200" dirty="0">
+                <a:latin typeface="Courier New" panose="02070309020205020404" pitchFamily="49" charset="0"/>
+                <a:cs typeface="Courier New" panose="02070309020205020404" pitchFamily="49" charset="0"/>
+              </a:rPr>
+              <a:t>2147483520.0</a:t>
+            </a:r>
+          </a:p>
+        </p:txBody>
+      </p:sp>
+      <p:sp>
+        <p:nvSpPr>
+          <p:cNvPr id="8196" name="Segnaposto data 3">
+            <a:extLst>
+              <a:ext uri="{FF2B5EF4-FFF2-40B4-BE49-F238E27FC236}">
+                <a16:creationId xmlns:a16="http://schemas.microsoft.com/office/drawing/2014/main" id="{8ED31B4D-95EE-4446-A900-569760EFBB2B}"/>
+              </a:ext>
+            </a:extLst>
+          </p:cNvPr>
+          <p:cNvSpPr>
+            <a:spLocks noGrp="1"/>
+          </p:cNvSpPr>
+          <p:nvPr>
+            <p:ph type="dt" sz="quarter" idx="10"/>
+          </p:nvPr>
+        </p:nvSpPr>
+        <p:spPr>
+          <a:noFill/>
+          <a:extLst>
+            <a:ext uri="{909E8E84-426E-40DD-AFC4-6F175D3DCCD1}">
+              <a14:hiddenFill xmlns:a14="http://schemas.microsoft.com/office/drawing/2010/main">
+                <a:solidFill>
+                  <a:schemeClr val="accent1"/>
+                </a:solidFill>
+              </a14:hiddenFill>
+            </a:ext>
+            <a:ext uri="{91240B29-F687-4F45-9708-019B960494DF}">
+              <a14:hiddenLine xmlns:a14="http://schemas.microsoft.com/office/drawing/2010/main" w="9525">
+                <a:solidFill>
+                  <a:schemeClr val="tx1"/>
+                </a:solidFill>
+                <a:miter lim="800000"/>
+                <a:headEnd/>
+                <a:tailEnd/>
+              </a14:hiddenLine>
+            </a:ext>
+          </a:extLst>
+        </p:spPr>
+        <p:txBody>
+          <a:bodyPr/>
+          <a:lstStyle>
+            <a:lvl1pPr>
+              <a:spcBef>
+                <a:spcPct val="20000"/>
+              </a:spcBef>
+              <a:buClr>
+                <a:srgbClr val="822433"/>
+              </a:buClr>
+              <a:buChar char="•"/>
+              <a:defRPr sz="2400">
+                <a:solidFill>
+                  <a:srgbClr val="000000"/>
+                </a:solidFill>
+                <a:latin typeface="Arial" panose="020B0604020202020204" pitchFamily="34" charset="0"/>
+                <a:ea typeface="ＭＳ Ｐゴシック" panose="020B0600070205080204" pitchFamily="34" charset="-128"/>
+              </a:defRPr>
+            </a:lvl1pPr>
+            <a:lvl2pPr marL="742950" indent="-285750">
+              <a:spcBef>
+                <a:spcPct val="20000"/>
+              </a:spcBef>
+              <a:buChar char="–"/>
+              <a:defRPr sz="2000">
+                <a:solidFill>
+                  <a:srgbClr val="000000"/>
+                </a:solidFill>
+                <a:latin typeface="Arial" panose="020B0604020202020204" pitchFamily="34" charset="0"/>
+                <a:ea typeface="ＭＳ Ｐゴシック" panose="020B0600070205080204" pitchFamily="34" charset="-128"/>
+              </a:defRPr>
+            </a:lvl2pPr>
+            <a:lvl3pPr marL="1143000" indent="-228600">
+              <a:spcBef>
+                <a:spcPct val="20000"/>
+              </a:spcBef>
+              <a:buChar char="•"/>
+              <a:defRPr sz="1600">
+                <a:solidFill>
+                  <a:srgbClr val="000000"/>
+                </a:solidFill>
+                <a:latin typeface="Arial" panose="020B0604020202020204" pitchFamily="34" charset="0"/>
+                <a:ea typeface="ＭＳ Ｐゴシック" panose="020B0600070205080204" pitchFamily="34" charset="-128"/>
+              </a:defRPr>
+            </a:lvl3pPr>
+            <a:lvl4pPr marL="1600200" indent="-228600">
+              <a:spcBef>
+                <a:spcPct val="20000"/>
+              </a:spcBef>
+              <a:buChar char="–"/>
+              <a:defRPr sz="1400">
+                <a:solidFill>
+                  <a:srgbClr val="000000"/>
+                </a:solidFill>
+                <a:latin typeface="Arial" panose="020B0604020202020204" pitchFamily="34" charset="0"/>
+                <a:ea typeface="ＭＳ Ｐゴシック" panose="020B0600070205080204" pitchFamily="34" charset="-128"/>
+              </a:defRPr>
+            </a:lvl4pPr>
+            <a:lvl5pPr marL="2057400" indent="-228600">
+              <a:spcBef>
+                <a:spcPct val="20000"/>
+              </a:spcBef>
+              <a:buChar char="»"/>
+              <a:defRPr sz="1200">
+                <a:solidFill>
+                  <a:srgbClr val="000000"/>
+                </a:solidFill>
+                <a:latin typeface="Arial" panose="020B0604020202020204" pitchFamily="34" charset="0"/>
+                <a:ea typeface="ＭＳ Ｐゴシック" panose="020B0600070205080204" pitchFamily="34" charset="-128"/>
+              </a:defRPr>
+            </a:lvl5pPr>
+            <a:lvl6pPr marL="2514600" indent="-228600" eaLnBrk="0" fontAlgn="base" hangingPunct="0">
+              <a:spcBef>
+                <a:spcPct val="20000"/>
+              </a:spcBef>
+              <a:spcAft>
+                <a:spcPct val="0"/>
+              </a:spcAft>
+              <a:buChar char="»"/>
+              <a:defRPr sz="1200">
+                <a:solidFill>
+                  <a:srgbClr val="000000"/>
+                </a:solidFill>
+                <a:latin typeface="Arial" panose="020B0604020202020204" pitchFamily="34" charset="0"/>
+                <a:ea typeface="ＭＳ Ｐゴシック" panose="020B0600070205080204" pitchFamily="34" charset="-128"/>
+              </a:defRPr>
+            </a:lvl6pPr>
+            <a:lvl7pPr marL="2971800" indent="-228600" eaLnBrk="0" fontAlgn="base" hangingPunct="0">
+              <a:spcBef>
+                <a:spcPct val="20000"/>
+              </a:spcBef>
+              <a:spcAft>
+                <a:spcPct val="0"/>
+              </a:spcAft>
+              <a:buChar char="»"/>
+              <a:defRPr sz="1200">
+                <a:solidFill>
+                  <a:srgbClr val="000000"/>
+                </a:solidFill>
+                <a:latin typeface="Arial" panose="020B0604020202020204" pitchFamily="34" charset="0"/>
+                <a:ea typeface="ＭＳ Ｐゴシック" panose="020B0600070205080204" pitchFamily="34" charset="-128"/>
+              </a:defRPr>
+            </a:lvl7pPr>
+            <a:lvl8pPr marL="3429000" indent="-228600" eaLnBrk="0" fontAlgn="base" hangingPunct="0">
+              <a:spcBef>
+                <a:spcPct val="20000"/>
+              </a:spcBef>
+              <a:spcAft>
+                <a:spcPct val="0"/>
+              </a:spcAft>
+              <a:buChar char="»"/>
+              <a:defRPr sz="1200">
+                <a:solidFill>
+                  <a:srgbClr val="000000"/>
+                </a:solidFill>
+                <a:latin typeface="Arial" panose="020B0604020202020204" pitchFamily="34" charset="0"/>
+                <a:ea typeface="ＭＳ Ｐゴシック" panose="020B0600070205080204" pitchFamily="34" charset="-128"/>
+              </a:defRPr>
+            </a:lvl8pPr>
+            <a:lvl9pPr marL="3886200" indent="-228600" eaLnBrk="0" fontAlgn="base" hangingPunct="0">
+              <a:spcBef>
+                <a:spcPct val="20000"/>
+              </a:spcBef>
+              <a:spcAft>
+                <a:spcPct val="0"/>
+              </a:spcAft>
+              <a:buChar char="»"/>
+              <a:defRPr sz="1200">
+                <a:solidFill>
+                  <a:srgbClr val="000000"/>
+                </a:solidFill>
+                <a:latin typeface="Arial" panose="020B0604020202020204" pitchFamily="34" charset="0"/>
+                <a:ea typeface="ＭＳ Ｐゴシック" panose="020B0600070205080204" pitchFamily="34" charset="-128"/>
+              </a:defRPr>
+            </a:lvl9pPr>
+          </a:lstStyle>
+          <a:p>
+            <a:pPr>
+              <a:spcBef>
+                <a:spcPct val="0"/>
+              </a:spcBef>
+              <a:buClrTx/>
+              <a:buFontTx/>
+              <a:buNone/>
+            </a:pPr>
+            <a:fld id="{4C162D05-A7F7-4CF4-A2CC-828C8A3E2A07}" type="datetime1">
+              <a:rPr lang="it-IT" altLang="it-IT" sz="1100" smtClean="0">
+                <a:solidFill>
+                  <a:schemeClr val="bg1"/>
+                </a:solidFill>
+              </a:rPr>
+              <a:t>25/11/2021</a:t>
+            </a:fld>
+            <a:endParaRPr lang="it-IT" altLang="it-IT" sz="1100">
+              <a:solidFill>
+                <a:schemeClr val="bg1"/>
+              </a:solidFill>
+            </a:endParaRPr>
+          </a:p>
+        </p:txBody>
+      </p:sp>
+      <p:sp>
+        <p:nvSpPr>
+          <p:cNvPr id="8197" name="Segnaposto piè di pagina 4">
+            <a:extLst>
+              <a:ext uri="{FF2B5EF4-FFF2-40B4-BE49-F238E27FC236}">
+                <a16:creationId xmlns:a16="http://schemas.microsoft.com/office/drawing/2014/main" id="{41DCBAAC-E273-4429-9B2D-C40F2ACA52B5}"/>
+              </a:ext>
+            </a:extLst>
+          </p:cNvPr>
+          <p:cNvSpPr>
+            <a:spLocks noGrp="1"/>
+          </p:cNvSpPr>
+          <p:nvPr>
+            <p:ph type="ftr" sz="quarter" idx="11"/>
+          </p:nvPr>
+        </p:nvSpPr>
+        <p:spPr>
+          <a:noFill/>
+          <a:extLst>
+            <a:ext uri="{909E8E84-426E-40DD-AFC4-6F175D3DCCD1}">
+              <a14:hiddenFill xmlns:a14="http://schemas.microsoft.com/office/drawing/2010/main">
+                <a:solidFill>
+                  <a:schemeClr val="accent1"/>
+                </a:solidFill>
+              </a14:hiddenFill>
+            </a:ext>
+            <a:ext uri="{91240B29-F687-4F45-9708-019B960494DF}">
+              <a14:hiddenLine xmlns:a14="http://schemas.microsoft.com/office/drawing/2010/main" w="9525">
+                <a:solidFill>
+                  <a:schemeClr val="tx1"/>
+                </a:solidFill>
+                <a:miter lim="800000"/>
+                <a:headEnd/>
+                <a:tailEnd/>
+              </a14:hiddenLine>
+            </a:ext>
+          </a:extLst>
+        </p:spPr>
+        <p:txBody>
+          <a:bodyPr/>
+          <a:lstStyle>
+            <a:lvl1pPr>
+              <a:spcBef>
+                <a:spcPct val="20000"/>
+              </a:spcBef>
+              <a:buClr>
+                <a:srgbClr val="822433"/>
+              </a:buClr>
+              <a:buChar char="•"/>
+              <a:defRPr sz="2400">
+                <a:solidFill>
+                  <a:srgbClr val="000000"/>
+                </a:solidFill>
+                <a:latin typeface="Arial" panose="020B0604020202020204" pitchFamily="34" charset="0"/>
+                <a:ea typeface="ＭＳ Ｐゴシック" panose="020B0600070205080204" pitchFamily="34" charset="-128"/>
+              </a:defRPr>
+            </a:lvl1pPr>
+            <a:lvl2pPr marL="742950" indent="-285750">
+              <a:spcBef>
+                <a:spcPct val="20000"/>
+              </a:spcBef>
+              <a:buChar char="–"/>
+              <a:defRPr sz="2000">
+                <a:solidFill>
+                  <a:srgbClr val="000000"/>
+                </a:solidFill>
+                <a:latin typeface="Arial" panose="020B0604020202020204" pitchFamily="34" charset="0"/>
+                <a:ea typeface="ＭＳ Ｐゴシック" panose="020B0600070205080204" pitchFamily="34" charset="-128"/>
+              </a:defRPr>
+            </a:lvl2pPr>
+            <a:lvl3pPr marL="1143000" indent="-228600">
+              <a:spcBef>
+                <a:spcPct val="20000"/>
+              </a:spcBef>
+              <a:buChar char="•"/>
+              <a:defRPr sz="1600">
+                <a:solidFill>
+                  <a:srgbClr val="000000"/>
+                </a:solidFill>
+                <a:latin typeface="Arial" panose="020B0604020202020204" pitchFamily="34" charset="0"/>
+                <a:ea typeface="ＭＳ Ｐゴシック" panose="020B0600070205080204" pitchFamily="34" charset="-128"/>
+              </a:defRPr>
+            </a:lvl3pPr>
+            <a:lvl4pPr marL="1600200" indent="-228600">
+              <a:spcBef>
+                <a:spcPct val="20000"/>
+              </a:spcBef>
+              <a:buChar char="–"/>
+              <a:defRPr sz="1400">
+                <a:solidFill>
+                  <a:srgbClr val="000000"/>
+                </a:solidFill>
+                <a:latin typeface="Arial" panose="020B0604020202020204" pitchFamily="34" charset="0"/>
+                <a:ea typeface="ＭＳ Ｐゴシック" panose="020B0600070205080204" pitchFamily="34" charset="-128"/>
+              </a:defRPr>
+            </a:lvl4pPr>
+            <a:lvl5pPr marL="2057400" indent="-228600">
+              <a:spcBef>
+                <a:spcPct val="20000"/>
+              </a:spcBef>
+              <a:buChar char="»"/>
+              <a:defRPr sz="1200">
+                <a:solidFill>
+                  <a:srgbClr val="000000"/>
+                </a:solidFill>
+                <a:latin typeface="Arial" panose="020B0604020202020204" pitchFamily="34" charset="0"/>
+                <a:ea typeface="ＭＳ Ｐゴシック" panose="020B0600070205080204" pitchFamily="34" charset="-128"/>
+              </a:defRPr>
+            </a:lvl5pPr>
+            <a:lvl6pPr marL="2514600" indent="-228600" eaLnBrk="0" fontAlgn="base" hangingPunct="0">
+              <a:spcBef>
+                <a:spcPct val="20000"/>
+              </a:spcBef>
+              <a:spcAft>
+                <a:spcPct val="0"/>
+              </a:spcAft>
+              <a:buChar char="»"/>
+              <a:defRPr sz="1200">
+                <a:solidFill>
+                  <a:srgbClr val="000000"/>
+                </a:solidFill>
+                <a:latin typeface="Arial" panose="020B0604020202020204" pitchFamily="34" charset="0"/>
+                <a:ea typeface="ＭＳ Ｐゴシック" panose="020B0600070205080204" pitchFamily="34" charset="-128"/>
+              </a:defRPr>
+            </a:lvl6pPr>
+            <a:lvl7pPr marL="2971800" indent="-228600" eaLnBrk="0" fontAlgn="base" hangingPunct="0">
+              <a:spcBef>
+                <a:spcPct val="20000"/>
+              </a:spcBef>
+              <a:spcAft>
+                <a:spcPct val="0"/>
+              </a:spcAft>
+              <a:buChar char="»"/>
+              <a:defRPr sz="1200">
+                <a:solidFill>
+                  <a:srgbClr val="000000"/>
+                </a:solidFill>
+                <a:latin typeface="Arial" panose="020B0604020202020204" pitchFamily="34" charset="0"/>
+                <a:ea typeface="ＭＳ Ｐゴシック" panose="020B0600070205080204" pitchFamily="34" charset="-128"/>
+              </a:defRPr>
+            </a:lvl7pPr>
+            <a:lvl8pPr marL="3429000" indent="-228600" eaLnBrk="0" fontAlgn="base" hangingPunct="0">
+              <a:spcBef>
+                <a:spcPct val="20000"/>
+              </a:spcBef>
+              <a:spcAft>
+                <a:spcPct val="0"/>
+              </a:spcAft>
+              <a:buChar char="»"/>
+              <a:defRPr sz="1200">
+                <a:solidFill>
+                  <a:srgbClr val="000000"/>
+                </a:solidFill>
+                <a:latin typeface="Arial" panose="020B0604020202020204" pitchFamily="34" charset="0"/>
+                <a:ea typeface="ＭＳ Ｐゴシック" panose="020B0600070205080204" pitchFamily="34" charset="-128"/>
+              </a:defRPr>
+            </a:lvl8pPr>
+            <a:lvl9pPr marL="3886200" indent="-228600" eaLnBrk="0" fontAlgn="base" hangingPunct="0">
+              <a:spcBef>
+                <a:spcPct val="20000"/>
+              </a:spcBef>
+              <a:spcAft>
+                <a:spcPct val="0"/>
+              </a:spcAft>
+              <a:buChar char="»"/>
+              <a:defRPr sz="1200">
+                <a:solidFill>
+                  <a:srgbClr val="000000"/>
+                </a:solidFill>
+                <a:latin typeface="Arial" panose="020B0604020202020204" pitchFamily="34" charset="0"/>
+                <a:ea typeface="ＭＳ Ｐゴシック" panose="020B0600070205080204" pitchFamily="34" charset="-128"/>
+              </a:defRPr>
+            </a:lvl9pPr>
+          </a:lstStyle>
+          <a:p>
+            <a:pPr>
+              <a:spcBef>
+                <a:spcPct val="0"/>
+              </a:spcBef>
+              <a:buClrTx/>
+              <a:buFontTx/>
+              <a:buNone/>
+            </a:pPr>
+            <a:r>
+              <a:rPr lang="it-IT" altLang="it-IT" sz="1100">
+                <a:solidFill>
+                  <a:schemeClr val="bg1"/>
+                </a:solidFill>
+              </a:rPr>
+              <a:t>Calcolo dei numeri reali esatti in Haskell</a:t>
+            </a:r>
+            <a:endParaRPr lang="it-IT" altLang="it-IT" sz="1100" dirty="0">
+              <a:solidFill>
+                <a:schemeClr val="bg1"/>
+              </a:solidFill>
+            </a:endParaRPr>
+          </a:p>
+        </p:txBody>
+      </p:sp>
+      <p:sp>
+        <p:nvSpPr>
+          <p:cNvPr id="8198" name="Segnaposto numero diapositiva 5">
+            <a:extLst>
+              <a:ext uri="{FF2B5EF4-FFF2-40B4-BE49-F238E27FC236}">
+                <a16:creationId xmlns:a16="http://schemas.microsoft.com/office/drawing/2014/main" id="{3F65208C-89DF-4998-94AD-067C87DCB594}"/>
+              </a:ext>
+            </a:extLst>
+          </p:cNvPr>
+          <p:cNvSpPr>
+            <a:spLocks noGrp="1"/>
+          </p:cNvSpPr>
+          <p:nvPr>
+            <p:ph type="sldNum" sz="quarter" idx="12"/>
+          </p:nvPr>
+        </p:nvSpPr>
+        <p:spPr>
+          <a:noFill/>
+          <a:extLst>
+            <a:ext uri="{909E8E84-426E-40DD-AFC4-6F175D3DCCD1}">
+              <a14:hiddenFill xmlns:a14="http://schemas.microsoft.com/office/drawing/2010/main">
+                <a:solidFill>
+                  <a:schemeClr val="accent1"/>
+                </a:solidFill>
+              </a14:hiddenFill>
+            </a:ext>
+            <a:ext uri="{91240B29-F687-4F45-9708-019B960494DF}">
+              <a14:hiddenLine xmlns:a14="http://schemas.microsoft.com/office/drawing/2010/main" w="9525">
+                <a:solidFill>
+                  <a:schemeClr val="tx1"/>
+                </a:solidFill>
+                <a:miter lim="800000"/>
+                <a:headEnd/>
+                <a:tailEnd/>
+              </a14:hiddenLine>
+            </a:ext>
+          </a:extLst>
+        </p:spPr>
+        <p:txBody>
+          <a:bodyPr/>
+          <a:lstStyle>
+            <a:lvl1pPr>
+              <a:spcBef>
+                <a:spcPct val="20000"/>
+              </a:spcBef>
+              <a:buClr>
+                <a:srgbClr val="822433"/>
+              </a:buClr>
+              <a:buChar char="•"/>
+              <a:defRPr sz="2400">
+                <a:solidFill>
+                  <a:srgbClr val="000000"/>
+                </a:solidFill>
+                <a:latin typeface="Arial" panose="020B0604020202020204" pitchFamily="34" charset="0"/>
+                <a:ea typeface="ＭＳ Ｐゴシック" panose="020B0600070205080204" pitchFamily="34" charset="-128"/>
+              </a:defRPr>
+            </a:lvl1pPr>
+            <a:lvl2pPr marL="742950" indent="-285750">
+              <a:spcBef>
+                <a:spcPct val="20000"/>
+              </a:spcBef>
+              <a:buChar char="–"/>
+              <a:defRPr sz="2000">
+                <a:solidFill>
+                  <a:srgbClr val="000000"/>
+                </a:solidFill>
+                <a:latin typeface="Arial" panose="020B0604020202020204" pitchFamily="34" charset="0"/>
+                <a:ea typeface="ＭＳ Ｐゴシック" panose="020B0600070205080204" pitchFamily="34" charset="-128"/>
+              </a:defRPr>
+            </a:lvl2pPr>
+            <a:lvl3pPr marL="1143000" indent="-228600">
+              <a:spcBef>
+                <a:spcPct val="20000"/>
+              </a:spcBef>
+              <a:buChar char="•"/>
+              <a:defRPr sz="1600">
+                <a:solidFill>
+                  <a:srgbClr val="000000"/>
+                </a:solidFill>
+                <a:latin typeface="Arial" panose="020B0604020202020204" pitchFamily="34" charset="0"/>
+                <a:ea typeface="ＭＳ Ｐゴシック" panose="020B0600070205080204" pitchFamily="34" charset="-128"/>
+              </a:defRPr>
+            </a:lvl3pPr>
+            <a:lvl4pPr marL="1600200" indent="-228600">
+              <a:spcBef>
+                <a:spcPct val="20000"/>
+              </a:spcBef>
+              <a:buChar char="–"/>
+              <a:defRPr sz="1400">
+                <a:solidFill>
+                  <a:srgbClr val="000000"/>
+                </a:solidFill>
+                <a:latin typeface="Arial" panose="020B0604020202020204" pitchFamily="34" charset="0"/>
+                <a:ea typeface="ＭＳ Ｐゴシック" panose="020B0600070205080204" pitchFamily="34" charset="-128"/>
+              </a:defRPr>
+            </a:lvl4pPr>
+            <a:lvl5pPr marL="2057400" indent="-228600">
+              <a:spcBef>
+                <a:spcPct val="20000"/>
+              </a:spcBef>
+              <a:buChar char="»"/>
+              <a:defRPr sz="1200">
+                <a:solidFill>
+                  <a:srgbClr val="000000"/>
+                </a:solidFill>
+                <a:latin typeface="Arial" panose="020B0604020202020204" pitchFamily="34" charset="0"/>
+                <a:ea typeface="ＭＳ Ｐゴシック" panose="020B0600070205080204" pitchFamily="34" charset="-128"/>
+              </a:defRPr>
+            </a:lvl5pPr>
+            <a:lvl6pPr marL="2514600" indent="-228600" eaLnBrk="0" fontAlgn="base" hangingPunct="0">
+              <a:spcBef>
+                <a:spcPct val="20000"/>
+              </a:spcBef>
+              <a:spcAft>
+                <a:spcPct val="0"/>
+              </a:spcAft>
+              <a:buChar char="»"/>
+              <a:defRPr sz="1200">
+                <a:solidFill>
+                  <a:srgbClr val="000000"/>
+                </a:solidFill>
+                <a:latin typeface="Arial" panose="020B0604020202020204" pitchFamily="34" charset="0"/>
+                <a:ea typeface="ＭＳ Ｐゴシック" panose="020B0600070205080204" pitchFamily="34" charset="-128"/>
+              </a:defRPr>
+            </a:lvl6pPr>
+            <a:lvl7pPr marL="2971800" indent="-228600" eaLnBrk="0" fontAlgn="base" hangingPunct="0">
+              <a:spcBef>
+                <a:spcPct val="20000"/>
+              </a:spcBef>
+              <a:spcAft>
+                <a:spcPct val="0"/>
+              </a:spcAft>
+              <a:buChar char="»"/>
+              <a:defRPr sz="1200">
+                <a:solidFill>
+                  <a:srgbClr val="000000"/>
+                </a:solidFill>
+                <a:latin typeface="Arial" panose="020B0604020202020204" pitchFamily="34" charset="0"/>
+                <a:ea typeface="ＭＳ Ｐゴシック" panose="020B0600070205080204" pitchFamily="34" charset="-128"/>
+              </a:defRPr>
+            </a:lvl7pPr>
+            <a:lvl8pPr marL="3429000" indent="-228600" eaLnBrk="0" fontAlgn="base" hangingPunct="0">
+              <a:spcBef>
+                <a:spcPct val="20000"/>
+              </a:spcBef>
+              <a:spcAft>
+                <a:spcPct val="0"/>
+              </a:spcAft>
+              <a:buChar char="»"/>
+              <a:defRPr sz="1200">
+                <a:solidFill>
+                  <a:srgbClr val="000000"/>
+                </a:solidFill>
+                <a:latin typeface="Arial" panose="020B0604020202020204" pitchFamily="34" charset="0"/>
+                <a:ea typeface="ＭＳ Ｐゴシック" panose="020B0600070205080204" pitchFamily="34" charset="-128"/>
+              </a:defRPr>
+            </a:lvl8pPr>
+            <a:lvl9pPr marL="3886200" indent="-228600" eaLnBrk="0" fontAlgn="base" hangingPunct="0">
+              <a:spcBef>
+                <a:spcPct val="20000"/>
+              </a:spcBef>
+              <a:spcAft>
+                <a:spcPct val="0"/>
+              </a:spcAft>
+              <a:buChar char="»"/>
+              <a:defRPr sz="1200">
+                <a:solidFill>
+                  <a:srgbClr val="000000"/>
+                </a:solidFill>
+                <a:latin typeface="Arial" panose="020B0604020202020204" pitchFamily="34" charset="0"/>
+                <a:ea typeface="ＭＳ Ｐゴシック" panose="020B0600070205080204" pitchFamily="34" charset="-128"/>
+              </a:defRPr>
+            </a:lvl9pPr>
+          </a:lstStyle>
+          <a:p>
+            <a:pPr>
+              <a:spcBef>
+                <a:spcPct val="0"/>
+              </a:spcBef>
+              <a:buClrTx/>
+              <a:buFontTx/>
+              <a:buNone/>
+            </a:pPr>
+            <a:r>
+              <a:rPr lang="it-IT" altLang="it-IT" sz="1100">
+                <a:solidFill>
+                  <a:schemeClr val="bg1"/>
+                </a:solidFill>
+              </a:rPr>
+              <a:t>Pagina </a:t>
+            </a:r>
+            <a:fld id="{A04AC664-CE17-41DF-8E7B-92C5A0B181AB}" type="slidenum">
+              <a:rPr lang="it-IT" altLang="it-IT" sz="1100" smtClean="0">
+                <a:solidFill>
+                  <a:schemeClr val="bg1"/>
+                </a:solidFill>
+              </a:rPr>
+              <a:pPr>
+                <a:spcBef>
+                  <a:spcPct val="0"/>
+                </a:spcBef>
+                <a:buClrTx/>
+                <a:buFontTx/>
+                <a:buNone/>
+              </a:pPr>
+              <a:t>6</a:t>
+            </a:fld>
+            <a:endParaRPr lang="it-IT" altLang="it-IT" sz="1100">
+              <a:solidFill>
+                <a:schemeClr val="bg1"/>
+              </a:solidFill>
+            </a:endParaRPr>
+          </a:p>
+        </p:txBody>
+      </p:sp>
+    </p:spTree>
+    <p:extLst>
+      <p:ext uri="{BB962C8B-B14F-4D97-AF65-F5344CB8AC3E}">
+        <p14:creationId xmlns:p14="http://schemas.microsoft.com/office/powerpoint/2010/main" val="3307892963"/>
+      </p:ext>
+    </p:extLst>
+  </p:cSld>
+  <p:clrMapOvr>
+    <a:masterClrMapping/>
+  </p:clrMapOvr>
+</p:sld>
+</file>
+
+<file path=ppt/slides/slide7.xml><?xml version="1.0" encoding="utf-8"?>
+<p:sld xmlns:a="http://schemas.openxmlformats.org/drawingml/2006/main" xmlns:r="http://schemas.openxmlformats.org/officeDocument/2006/relationships" xmlns:p="http://schemas.openxmlformats.org/presentationml/2006/main">
+  <p:cSld>
+    <p:spTree>
+      <p:nvGrpSpPr>
+        <p:cNvPr id="1" name=""/>
+        <p:cNvGrpSpPr/>
+        <p:nvPr/>
+      </p:nvGrpSpPr>
+      <p:grpSpPr>
+        <a:xfrm>
+          <a:off x="0" y="0"/>
+          <a:ext cx="0" cy="0"/>
+          <a:chOff x="0" y="0"/>
+          <a:chExt cx="0" cy="0"/>
+        </a:xfrm>
+      </p:grpSpPr>
+      <p:sp>
+        <p:nvSpPr>
+          <p:cNvPr id="8194" name="Titolo 1">
+            <a:extLst>
+              <a:ext uri="{FF2B5EF4-FFF2-40B4-BE49-F238E27FC236}">
+                <a16:creationId xmlns:a16="http://schemas.microsoft.com/office/drawing/2014/main" id="{88DEBB06-C188-4D7B-8656-8C874DBC6F63}"/>
+              </a:ext>
+            </a:extLst>
+          </p:cNvPr>
+          <p:cNvSpPr>
+            <a:spLocks noGrp="1" noChangeArrowheads="1"/>
+          </p:cNvSpPr>
+          <p:nvPr>
+            <p:ph type="title"/>
+          </p:nvPr>
+        </p:nvSpPr>
+        <p:spPr/>
+        <p:txBody>
+          <a:bodyPr/>
+          <a:lstStyle/>
+          <a:p>
+            <a:pPr eaLnBrk="1" hangingPunct="1"/>
+            <a:r>
+              <a:rPr lang="en-US" altLang="en-US" dirty="0" err="1"/>
+              <a:t>Interi</a:t>
+            </a:r>
+            <a:r>
+              <a:rPr lang="en-US" altLang="en-US" dirty="0"/>
+              <a:t> a </a:t>
+            </a:r>
+            <a:r>
+              <a:rPr lang="en-US" altLang="en-US" dirty="0" err="1"/>
+              <a:t>precisione</a:t>
+            </a:r>
+            <a:r>
+              <a:rPr lang="en-US" altLang="en-US" dirty="0"/>
+              <a:t> </a:t>
+            </a:r>
+            <a:r>
+              <a:rPr lang="en-US" altLang="en-US" dirty="0" err="1"/>
+              <a:t>illimitata</a:t>
+            </a:r>
+            <a:endParaRPr lang="it-IT" altLang="it-IT" dirty="0"/>
+          </a:p>
+        </p:txBody>
+      </p:sp>
+      <p:sp>
+        <p:nvSpPr>
+          <p:cNvPr id="8195" name="Segnaposto contenuto 2">
+            <a:extLst>
+              <a:ext uri="{FF2B5EF4-FFF2-40B4-BE49-F238E27FC236}">
+                <a16:creationId xmlns:a16="http://schemas.microsoft.com/office/drawing/2014/main" id="{D0D83507-A7CE-4F77-8BB9-F1F544C72646}"/>
+              </a:ext>
+            </a:extLst>
+          </p:cNvPr>
+          <p:cNvSpPr>
+            <a:spLocks noGrp="1"/>
+          </p:cNvSpPr>
+          <p:nvPr>
+            <p:ph idx="1"/>
+          </p:nvPr>
+        </p:nvSpPr>
+        <p:spPr/>
+        <p:txBody>
+          <a:bodyPr/>
+          <a:lstStyle/>
+          <a:p>
+            <a:pPr eaLnBrk="1" hangingPunct="1">
+              <a:lnSpc>
+                <a:spcPct val="150000"/>
+              </a:lnSpc>
+              <a:defRPr/>
+            </a:pPr>
+            <a:r>
+              <a:rPr lang="it-IT" altLang="it-IT" sz="1600" dirty="0"/>
+              <a:t>Alcuni linguaggi implementano gli interi a precisione illimitata: un tipo di dato che permette di rappresentare numeri interi di grandezza arbitraria, eliminando il problema dell’overflow</a:t>
+            </a:r>
+          </a:p>
+          <a:p>
+            <a:pPr eaLnBrk="1" hangingPunct="1">
+              <a:lnSpc>
+                <a:spcPct val="150000"/>
+              </a:lnSpc>
+              <a:defRPr/>
+            </a:pPr>
+            <a:r>
+              <a:rPr lang="it-IT" altLang="it-IT" sz="1600" dirty="0"/>
+              <a:t>Questo tipo di interi è implementato come un intero normale, che però incrementa la sua grandezza in memoria quando raggiunge il limite rappresentabile dalla sua attuale dimensione</a:t>
+            </a:r>
+          </a:p>
+          <a:p>
+            <a:pPr eaLnBrk="1" hangingPunct="1">
+              <a:lnSpc>
+                <a:spcPct val="150000"/>
+              </a:lnSpc>
+              <a:defRPr/>
+            </a:pPr>
+            <a:r>
+              <a:rPr lang="it-IT" altLang="it-IT" sz="1600" dirty="0"/>
+              <a:t>Python e Haskell implementano questo tipo di interi</a:t>
+            </a:r>
+          </a:p>
+          <a:p>
+            <a:pPr eaLnBrk="1" hangingPunct="1">
+              <a:lnSpc>
+                <a:spcPct val="150000"/>
+              </a:lnSpc>
+              <a:defRPr/>
+            </a:pPr>
+            <a:endParaRPr lang="it-IT" altLang="it-IT" sz="1600" dirty="0"/>
+          </a:p>
+        </p:txBody>
+      </p:sp>
+      <p:sp>
+        <p:nvSpPr>
+          <p:cNvPr id="8196" name="Segnaposto data 3">
+            <a:extLst>
+              <a:ext uri="{FF2B5EF4-FFF2-40B4-BE49-F238E27FC236}">
+                <a16:creationId xmlns:a16="http://schemas.microsoft.com/office/drawing/2014/main" id="{8ED31B4D-95EE-4446-A900-569760EFBB2B}"/>
+              </a:ext>
+            </a:extLst>
+          </p:cNvPr>
+          <p:cNvSpPr>
+            <a:spLocks noGrp="1"/>
+          </p:cNvSpPr>
+          <p:nvPr>
+            <p:ph type="dt" sz="quarter" idx="10"/>
+          </p:nvPr>
+        </p:nvSpPr>
+        <p:spPr>
+          <a:noFill/>
+          <a:extLst>
+            <a:ext uri="{909E8E84-426E-40DD-AFC4-6F175D3DCCD1}">
+              <a14:hiddenFill xmlns:a14="http://schemas.microsoft.com/office/drawing/2010/main">
+                <a:solidFill>
+                  <a:schemeClr val="accent1"/>
+                </a:solidFill>
+              </a14:hiddenFill>
+            </a:ext>
+            <a:ext uri="{91240B29-F687-4F45-9708-019B960494DF}">
+              <a14:hiddenLine xmlns:a14="http://schemas.microsoft.com/office/drawing/2010/main" w="9525">
+                <a:solidFill>
+                  <a:schemeClr val="tx1"/>
+                </a:solidFill>
+                <a:miter lim="800000"/>
+                <a:headEnd/>
+                <a:tailEnd/>
+              </a14:hiddenLine>
+            </a:ext>
+          </a:extLst>
+        </p:spPr>
+        <p:txBody>
+          <a:bodyPr/>
+          <a:lstStyle>
+            <a:lvl1pPr>
+              <a:spcBef>
+                <a:spcPct val="20000"/>
+              </a:spcBef>
+              <a:buClr>
+                <a:srgbClr val="822433"/>
+              </a:buClr>
+              <a:buChar char="•"/>
+              <a:defRPr sz="2400">
+                <a:solidFill>
+                  <a:srgbClr val="000000"/>
+                </a:solidFill>
+                <a:latin typeface="Arial" panose="020B0604020202020204" pitchFamily="34" charset="0"/>
+                <a:ea typeface="ＭＳ Ｐゴシック" panose="020B0600070205080204" pitchFamily="34" charset="-128"/>
+              </a:defRPr>
+            </a:lvl1pPr>
+            <a:lvl2pPr marL="742950" indent="-285750">
+              <a:spcBef>
+                <a:spcPct val="20000"/>
+              </a:spcBef>
+              <a:buChar char="–"/>
+              <a:defRPr sz="2000">
+                <a:solidFill>
+                  <a:srgbClr val="000000"/>
+                </a:solidFill>
+                <a:latin typeface="Arial" panose="020B0604020202020204" pitchFamily="34" charset="0"/>
+                <a:ea typeface="ＭＳ Ｐゴシック" panose="020B0600070205080204" pitchFamily="34" charset="-128"/>
+              </a:defRPr>
+            </a:lvl2pPr>
+            <a:lvl3pPr marL="1143000" indent="-228600">
+              <a:spcBef>
+                <a:spcPct val="20000"/>
+              </a:spcBef>
+              <a:buChar char="•"/>
+              <a:defRPr sz="1600">
+                <a:solidFill>
+                  <a:srgbClr val="000000"/>
+                </a:solidFill>
+                <a:latin typeface="Arial" panose="020B0604020202020204" pitchFamily="34" charset="0"/>
+                <a:ea typeface="ＭＳ Ｐゴシック" panose="020B0600070205080204" pitchFamily="34" charset="-128"/>
+              </a:defRPr>
+            </a:lvl3pPr>
+            <a:lvl4pPr marL="1600200" indent="-228600">
+              <a:spcBef>
+                <a:spcPct val="20000"/>
+              </a:spcBef>
+              <a:buChar char="–"/>
+              <a:defRPr sz="1400">
+                <a:solidFill>
+                  <a:srgbClr val="000000"/>
+                </a:solidFill>
+                <a:latin typeface="Arial" panose="020B0604020202020204" pitchFamily="34" charset="0"/>
+                <a:ea typeface="ＭＳ Ｐゴシック" panose="020B0600070205080204" pitchFamily="34" charset="-128"/>
+              </a:defRPr>
+            </a:lvl4pPr>
+            <a:lvl5pPr marL="2057400" indent="-228600">
+              <a:spcBef>
+                <a:spcPct val="20000"/>
+              </a:spcBef>
+              <a:buChar char="»"/>
+              <a:defRPr sz="1200">
+                <a:solidFill>
+                  <a:srgbClr val="000000"/>
+                </a:solidFill>
+                <a:latin typeface="Arial" panose="020B0604020202020204" pitchFamily="34" charset="0"/>
+                <a:ea typeface="ＭＳ Ｐゴシック" panose="020B0600070205080204" pitchFamily="34" charset="-128"/>
+              </a:defRPr>
+            </a:lvl5pPr>
+            <a:lvl6pPr marL="2514600" indent="-228600" eaLnBrk="0" fontAlgn="base" hangingPunct="0">
+              <a:spcBef>
+                <a:spcPct val="20000"/>
+              </a:spcBef>
+              <a:spcAft>
+                <a:spcPct val="0"/>
+              </a:spcAft>
+              <a:buChar char="»"/>
+              <a:defRPr sz="1200">
+                <a:solidFill>
+                  <a:srgbClr val="000000"/>
+                </a:solidFill>
+                <a:latin typeface="Arial" panose="020B0604020202020204" pitchFamily="34" charset="0"/>
+                <a:ea typeface="ＭＳ Ｐゴシック" panose="020B0600070205080204" pitchFamily="34" charset="-128"/>
+              </a:defRPr>
+            </a:lvl6pPr>
+            <a:lvl7pPr marL="2971800" indent="-228600" eaLnBrk="0" fontAlgn="base" hangingPunct="0">
+              <a:spcBef>
+                <a:spcPct val="20000"/>
+              </a:spcBef>
+              <a:spcAft>
+                <a:spcPct val="0"/>
+              </a:spcAft>
+              <a:buChar char="»"/>
+              <a:defRPr sz="1200">
+                <a:solidFill>
+                  <a:srgbClr val="000000"/>
+                </a:solidFill>
+                <a:latin typeface="Arial" panose="020B0604020202020204" pitchFamily="34" charset="0"/>
+                <a:ea typeface="ＭＳ Ｐゴシック" panose="020B0600070205080204" pitchFamily="34" charset="-128"/>
+              </a:defRPr>
+            </a:lvl7pPr>
+            <a:lvl8pPr marL="3429000" indent="-228600" eaLnBrk="0" fontAlgn="base" hangingPunct="0">
+              <a:spcBef>
+                <a:spcPct val="20000"/>
+              </a:spcBef>
+              <a:spcAft>
+                <a:spcPct val="0"/>
+              </a:spcAft>
+              <a:buChar char="»"/>
+              <a:defRPr sz="1200">
+                <a:solidFill>
+                  <a:srgbClr val="000000"/>
+                </a:solidFill>
+                <a:latin typeface="Arial" panose="020B0604020202020204" pitchFamily="34" charset="0"/>
+                <a:ea typeface="ＭＳ Ｐゴシック" panose="020B0600070205080204" pitchFamily="34" charset="-128"/>
+              </a:defRPr>
+            </a:lvl8pPr>
+            <a:lvl9pPr marL="3886200" indent="-228600" eaLnBrk="0" fontAlgn="base" hangingPunct="0">
+              <a:spcBef>
+                <a:spcPct val="20000"/>
+              </a:spcBef>
+              <a:spcAft>
+                <a:spcPct val="0"/>
+              </a:spcAft>
+              <a:buChar char="»"/>
+              <a:defRPr sz="1200">
+                <a:solidFill>
+                  <a:srgbClr val="000000"/>
+                </a:solidFill>
+                <a:latin typeface="Arial" panose="020B0604020202020204" pitchFamily="34" charset="0"/>
+                <a:ea typeface="ＭＳ Ｐゴシック" panose="020B0600070205080204" pitchFamily="34" charset="-128"/>
+              </a:defRPr>
+            </a:lvl9pPr>
+          </a:lstStyle>
+          <a:p>
+            <a:pPr>
+              <a:spcBef>
+                <a:spcPct val="0"/>
+              </a:spcBef>
+              <a:buClrTx/>
+              <a:buFontTx/>
+              <a:buNone/>
+            </a:pPr>
+            <a:fld id="{0EC1F17C-F534-44AA-A597-5D590BFEA31F}" type="datetime1">
+              <a:rPr lang="it-IT" altLang="it-IT" sz="1100" smtClean="0">
+                <a:solidFill>
+                  <a:schemeClr val="bg1"/>
+                </a:solidFill>
+              </a:rPr>
+              <a:t>25/11/2021</a:t>
+            </a:fld>
+            <a:endParaRPr lang="it-IT" altLang="it-IT" sz="1100">
+              <a:solidFill>
+                <a:schemeClr val="bg1"/>
+              </a:solidFill>
+            </a:endParaRPr>
+          </a:p>
+        </p:txBody>
+      </p:sp>
+      <p:sp>
+        <p:nvSpPr>
+          <p:cNvPr id="8197" name="Segnaposto piè di pagina 4">
+            <a:extLst>
+              <a:ext uri="{FF2B5EF4-FFF2-40B4-BE49-F238E27FC236}">
+                <a16:creationId xmlns:a16="http://schemas.microsoft.com/office/drawing/2014/main" id="{41DCBAAC-E273-4429-9B2D-C40F2ACA52B5}"/>
+              </a:ext>
+            </a:extLst>
+          </p:cNvPr>
+          <p:cNvSpPr>
+            <a:spLocks noGrp="1"/>
+          </p:cNvSpPr>
+          <p:nvPr>
+            <p:ph type="ftr" sz="quarter" idx="11"/>
+          </p:nvPr>
+        </p:nvSpPr>
+        <p:spPr>
+          <a:noFill/>
+          <a:extLst>
+            <a:ext uri="{909E8E84-426E-40DD-AFC4-6F175D3DCCD1}">
+              <a14:hiddenFill xmlns:a14="http://schemas.microsoft.com/office/drawing/2010/main">
+                <a:solidFill>
+                  <a:schemeClr val="accent1"/>
+                </a:solidFill>
+              </a14:hiddenFill>
+            </a:ext>
+            <a:ext uri="{91240B29-F687-4F45-9708-019B960494DF}">
+              <a14:hiddenLine xmlns:a14="http://schemas.microsoft.com/office/drawing/2010/main" w="9525">
+                <a:solidFill>
+                  <a:schemeClr val="tx1"/>
+                </a:solidFill>
+                <a:miter lim="800000"/>
+                <a:headEnd/>
+                <a:tailEnd/>
+              </a14:hiddenLine>
+            </a:ext>
+          </a:extLst>
+        </p:spPr>
+        <p:txBody>
+          <a:bodyPr/>
+          <a:lstStyle>
+            <a:lvl1pPr>
+              <a:spcBef>
+                <a:spcPct val="20000"/>
+              </a:spcBef>
+              <a:buClr>
+                <a:srgbClr val="822433"/>
+              </a:buClr>
+              <a:buChar char="•"/>
+              <a:defRPr sz="2400">
+                <a:solidFill>
+                  <a:srgbClr val="000000"/>
+                </a:solidFill>
+                <a:latin typeface="Arial" panose="020B0604020202020204" pitchFamily="34" charset="0"/>
+                <a:ea typeface="ＭＳ Ｐゴシック" panose="020B0600070205080204" pitchFamily="34" charset="-128"/>
+              </a:defRPr>
+            </a:lvl1pPr>
+            <a:lvl2pPr marL="742950" indent="-285750">
+              <a:spcBef>
+                <a:spcPct val="20000"/>
+              </a:spcBef>
+              <a:buChar char="–"/>
+              <a:defRPr sz="2000">
+                <a:solidFill>
+                  <a:srgbClr val="000000"/>
+                </a:solidFill>
+                <a:latin typeface="Arial" panose="020B0604020202020204" pitchFamily="34" charset="0"/>
+                <a:ea typeface="ＭＳ Ｐゴシック" panose="020B0600070205080204" pitchFamily="34" charset="-128"/>
+              </a:defRPr>
+            </a:lvl2pPr>
+            <a:lvl3pPr marL="1143000" indent="-228600">
+              <a:spcBef>
+                <a:spcPct val="20000"/>
+              </a:spcBef>
+              <a:buChar char="•"/>
+              <a:defRPr sz="1600">
+                <a:solidFill>
+                  <a:srgbClr val="000000"/>
+                </a:solidFill>
+                <a:latin typeface="Arial" panose="020B0604020202020204" pitchFamily="34" charset="0"/>
+                <a:ea typeface="ＭＳ Ｐゴシック" panose="020B0600070205080204" pitchFamily="34" charset="-128"/>
+              </a:defRPr>
+            </a:lvl3pPr>
+            <a:lvl4pPr marL="1600200" indent="-228600">
+              <a:spcBef>
+                <a:spcPct val="20000"/>
+              </a:spcBef>
+              <a:buChar char="–"/>
+              <a:defRPr sz="1400">
+                <a:solidFill>
+                  <a:srgbClr val="000000"/>
+                </a:solidFill>
+                <a:latin typeface="Arial" panose="020B0604020202020204" pitchFamily="34" charset="0"/>
+                <a:ea typeface="ＭＳ Ｐゴシック" panose="020B0600070205080204" pitchFamily="34" charset="-128"/>
+              </a:defRPr>
+            </a:lvl4pPr>
+            <a:lvl5pPr marL="2057400" indent="-228600">
+              <a:spcBef>
+                <a:spcPct val="20000"/>
+              </a:spcBef>
+              <a:buChar char="»"/>
+              <a:defRPr sz="1200">
+                <a:solidFill>
+                  <a:srgbClr val="000000"/>
+                </a:solidFill>
+                <a:latin typeface="Arial" panose="020B0604020202020204" pitchFamily="34" charset="0"/>
+                <a:ea typeface="ＭＳ Ｐゴシック" panose="020B0600070205080204" pitchFamily="34" charset="-128"/>
+              </a:defRPr>
+            </a:lvl5pPr>
+            <a:lvl6pPr marL="2514600" indent="-228600" eaLnBrk="0" fontAlgn="base" hangingPunct="0">
+              <a:spcBef>
+                <a:spcPct val="20000"/>
+              </a:spcBef>
+              <a:spcAft>
+                <a:spcPct val="0"/>
+              </a:spcAft>
+              <a:buChar char="»"/>
+              <a:defRPr sz="1200">
+                <a:solidFill>
+                  <a:srgbClr val="000000"/>
+                </a:solidFill>
+                <a:latin typeface="Arial" panose="020B0604020202020204" pitchFamily="34" charset="0"/>
+                <a:ea typeface="ＭＳ Ｐゴシック" panose="020B0600070205080204" pitchFamily="34" charset="-128"/>
+              </a:defRPr>
+            </a:lvl6pPr>
+            <a:lvl7pPr marL="2971800" indent="-228600" eaLnBrk="0" fontAlgn="base" hangingPunct="0">
+              <a:spcBef>
+                <a:spcPct val="20000"/>
+              </a:spcBef>
+              <a:spcAft>
+                <a:spcPct val="0"/>
+              </a:spcAft>
+              <a:buChar char="»"/>
+              <a:defRPr sz="1200">
+                <a:solidFill>
+                  <a:srgbClr val="000000"/>
+                </a:solidFill>
+                <a:latin typeface="Arial" panose="020B0604020202020204" pitchFamily="34" charset="0"/>
+                <a:ea typeface="ＭＳ Ｐゴシック" panose="020B0600070205080204" pitchFamily="34" charset="-128"/>
+              </a:defRPr>
+            </a:lvl7pPr>
+            <a:lvl8pPr marL="3429000" indent="-228600" eaLnBrk="0" fontAlgn="base" hangingPunct="0">
+              <a:spcBef>
+                <a:spcPct val="20000"/>
+              </a:spcBef>
+              <a:spcAft>
+                <a:spcPct val="0"/>
+              </a:spcAft>
+              <a:buChar char="»"/>
+              <a:defRPr sz="1200">
+                <a:solidFill>
+                  <a:srgbClr val="000000"/>
+                </a:solidFill>
+                <a:latin typeface="Arial" panose="020B0604020202020204" pitchFamily="34" charset="0"/>
+                <a:ea typeface="ＭＳ Ｐゴシック" panose="020B0600070205080204" pitchFamily="34" charset="-128"/>
+              </a:defRPr>
+            </a:lvl8pPr>
+            <a:lvl9pPr marL="3886200" indent="-228600" eaLnBrk="0" fontAlgn="base" hangingPunct="0">
+              <a:spcBef>
+                <a:spcPct val="20000"/>
+              </a:spcBef>
+              <a:spcAft>
+                <a:spcPct val="0"/>
+              </a:spcAft>
+              <a:buChar char="»"/>
+              <a:defRPr sz="1200">
+                <a:solidFill>
+                  <a:srgbClr val="000000"/>
+                </a:solidFill>
+                <a:latin typeface="Arial" panose="020B0604020202020204" pitchFamily="34" charset="0"/>
+                <a:ea typeface="ＭＳ Ｐゴシック" panose="020B0600070205080204" pitchFamily="34" charset="-128"/>
+              </a:defRPr>
+            </a:lvl9pPr>
+          </a:lstStyle>
+          <a:p>
+            <a:pPr>
+              <a:spcBef>
+                <a:spcPct val="0"/>
+              </a:spcBef>
+              <a:buClrTx/>
+              <a:buFontTx/>
+              <a:buNone/>
+            </a:pPr>
+            <a:r>
+              <a:rPr lang="it-IT" altLang="it-IT" sz="1100">
+                <a:solidFill>
+                  <a:schemeClr val="bg1"/>
+                </a:solidFill>
+              </a:rPr>
+              <a:t>Calcolo dei numeri reali esatti in Haskell</a:t>
+            </a:r>
+          </a:p>
+        </p:txBody>
+      </p:sp>
+      <p:sp>
+        <p:nvSpPr>
+          <p:cNvPr id="8198" name="Segnaposto numero diapositiva 5">
+            <a:extLst>
+              <a:ext uri="{FF2B5EF4-FFF2-40B4-BE49-F238E27FC236}">
+                <a16:creationId xmlns:a16="http://schemas.microsoft.com/office/drawing/2014/main" id="{3F65208C-89DF-4998-94AD-067C87DCB594}"/>
+              </a:ext>
+            </a:extLst>
+          </p:cNvPr>
+          <p:cNvSpPr>
+            <a:spLocks noGrp="1"/>
+          </p:cNvSpPr>
+          <p:nvPr>
+            <p:ph type="sldNum" sz="quarter" idx="12"/>
+          </p:nvPr>
+        </p:nvSpPr>
+        <p:spPr>
+          <a:noFill/>
+          <a:extLst>
+            <a:ext uri="{909E8E84-426E-40DD-AFC4-6F175D3DCCD1}">
+              <a14:hiddenFill xmlns:a14="http://schemas.microsoft.com/office/drawing/2010/main">
+                <a:solidFill>
+                  <a:schemeClr val="accent1"/>
+                </a:solidFill>
+              </a14:hiddenFill>
+            </a:ext>
+            <a:ext uri="{91240B29-F687-4F45-9708-019B960494DF}">
+              <a14:hiddenLine xmlns:a14="http://schemas.microsoft.com/office/drawing/2010/main" w="9525">
+                <a:solidFill>
+                  <a:schemeClr val="tx1"/>
+                </a:solidFill>
+                <a:miter lim="800000"/>
+                <a:headEnd/>
+                <a:tailEnd/>
+              </a14:hiddenLine>
+            </a:ext>
+          </a:extLst>
+        </p:spPr>
+        <p:txBody>
+          <a:bodyPr/>
+          <a:lstStyle>
+            <a:lvl1pPr>
+              <a:spcBef>
+                <a:spcPct val="20000"/>
+              </a:spcBef>
+              <a:buClr>
+                <a:srgbClr val="822433"/>
+              </a:buClr>
+              <a:buChar char="•"/>
+              <a:defRPr sz="2400">
+                <a:solidFill>
+                  <a:srgbClr val="000000"/>
+                </a:solidFill>
+                <a:latin typeface="Arial" panose="020B0604020202020204" pitchFamily="34" charset="0"/>
+                <a:ea typeface="ＭＳ Ｐゴシック" panose="020B0600070205080204" pitchFamily="34" charset="-128"/>
+              </a:defRPr>
+            </a:lvl1pPr>
+            <a:lvl2pPr marL="742950" indent="-285750">
+              <a:spcBef>
+                <a:spcPct val="20000"/>
+              </a:spcBef>
+              <a:buChar char="–"/>
+              <a:defRPr sz="2000">
+                <a:solidFill>
+                  <a:srgbClr val="000000"/>
+                </a:solidFill>
+                <a:latin typeface="Arial" panose="020B0604020202020204" pitchFamily="34" charset="0"/>
+                <a:ea typeface="ＭＳ Ｐゴシック" panose="020B0600070205080204" pitchFamily="34" charset="-128"/>
+              </a:defRPr>
+            </a:lvl2pPr>
+            <a:lvl3pPr marL="1143000" indent="-228600">
+              <a:spcBef>
+                <a:spcPct val="20000"/>
+              </a:spcBef>
+              <a:buChar char="•"/>
+              <a:defRPr sz="1600">
+                <a:solidFill>
+                  <a:srgbClr val="000000"/>
+                </a:solidFill>
+                <a:latin typeface="Arial" panose="020B0604020202020204" pitchFamily="34" charset="0"/>
+                <a:ea typeface="ＭＳ Ｐゴシック" panose="020B0600070205080204" pitchFamily="34" charset="-128"/>
+              </a:defRPr>
+            </a:lvl3pPr>
+            <a:lvl4pPr marL="1600200" indent="-228600">
+              <a:spcBef>
+                <a:spcPct val="20000"/>
+              </a:spcBef>
+              <a:buChar char="–"/>
+              <a:defRPr sz="1400">
+                <a:solidFill>
+                  <a:srgbClr val="000000"/>
+                </a:solidFill>
+                <a:latin typeface="Arial" panose="020B0604020202020204" pitchFamily="34" charset="0"/>
+                <a:ea typeface="ＭＳ Ｐゴシック" panose="020B0600070205080204" pitchFamily="34" charset="-128"/>
+              </a:defRPr>
+            </a:lvl4pPr>
+            <a:lvl5pPr marL="2057400" indent="-228600">
+              <a:spcBef>
+                <a:spcPct val="20000"/>
+              </a:spcBef>
+              <a:buChar char="»"/>
+              <a:defRPr sz="1200">
+                <a:solidFill>
+                  <a:srgbClr val="000000"/>
+                </a:solidFill>
+                <a:latin typeface="Arial" panose="020B0604020202020204" pitchFamily="34" charset="0"/>
+                <a:ea typeface="ＭＳ Ｐゴシック" panose="020B0600070205080204" pitchFamily="34" charset="-128"/>
+              </a:defRPr>
+            </a:lvl5pPr>
+            <a:lvl6pPr marL="2514600" indent="-228600" eaLnBrk="0" fontAlgn="base" hangingPunct="0">
+              <a:spcBef>
+                <a:spcPct val="20000"/>
+              </a:spcBef>
+              <a:spcAft>
+                <a:spcPct val="0"/>
+              </a:spcAft>
+              <a:buChar char="»"/>
+              <a:defRPr sz="1200">
+                <a:solidFill>
+                  <a:srgbClr val="000000"/>
+                </a:solidFill>
+                <a:latin typeface="Arial" panose="020B0604020202020204" pitchFamily="34" charset="0"/>
+                <a:ea typeface="ＭＳ Ｐゴシック" panose="020B0600070205080204" pitchFamily="34" charset="-128"/>
+              </a:defRPr>
+            </a:lvl6pPr>
+            <a:lvl7pPr marL="2971800" indent="-228600" eaLnBrk="0" fontAlgn="base" hangingPunct="0">
+              <a:spcBef>
+                <a:spcPct val="20000"/>
+              </a:spcBef>
+              <a:spcAft>
+                <a:spcPct val="0"/>
+              </a:spcAft>
+              <a:buChar char="»"/>
+              <a:defRPr sz="1200">
+                <a:solidFill>
+                  <a:srgbClr val="000000"/>
+                </a:solidFill>
+                <a:latin typeface="Arial" panose="020B0604020202020204" pitchFamily="34" charset="0"/>
+                <a:ea typeface="ＭＳ Ｐゴシック" panose="020B0600070205080204" pitchFamily="34" charset="-128"/>
+              </a:defRPr>
+            </a:lvl7pPr>
+            <a:lvl8pPr marL="3429000" indent="-228600" eaLnBrk="0" fontAlgn="base" hangingPunct="0">
+              <a:spcBef>
+                <a:spcPct val="20000"/>
+              </a:spcBef>
+              <a:spcAft>
+                <a:spcPct val="0"/>
+              </a:spcAft>
+              <a:buChar char="»"/>
+              <a:defRPr sz="1200">
+                <a:solidFill>
+                  <a:srgbClr val="000000"/>
+                </a:solidFill>
+                <a:latin typeface="Arial" panose="020B0604020202020204" pitchFamily="34" charset="0"/>
+                <a:ea typeface="ＭＳ Ｐゴシック" panose="020B0600070205080204" pitchFamily="34" charset="-128"/>
+              </a:defRPr>
+            </a:lvl8pPr>
+            <a:lvl9pPr marL="3886200" indent="-228600" eaLnBrk="0" fontAlgn="base" hangingPunct="0">
+              <a:spcBef>
+                <a:spcPct val="20000"/>
+              </a:spcBef>
+              <a:spcAft>
+                <a:spcPct val="0"/>
+              </a:spcAft>
+              <a:buChar char="»"/>
+              <a:defRPr sz="1200">
+                <a:solidFill>
+                  <a:srgbClr val="000000"/>
+                </a:solidFill>
+                <a:latin typeface="Arial" panose="020B0604020202020204" pitchFamily="34" charset="0"/>
+                <a:ea typeface="ＭＳ Ｐゴシック" panose="020B0600070205080204" pitchFamily="34" charset="-128"/>
+              </a:defRPr>
+            </a:lvl9pPr>
+          </a:lstStyle>
+          <a:p>
+            <a:pPr>
+              <a:spcBef>
+                <a:spcPct val="0"/>
+              </a:spcBef>
+              <a:buClrTx/>
+              <a:buFontTx/>
+              <a:buNone/>
+            </a:pPr>
+            <a:r>
+              <a:rPr lang="it-IT" altLang="it-IT" sz="1100">
+                <a:solidFill>
+                  <a:schemeClr val="bg1"/>
+                </a:solidFill>
+              </a:rPr>
+              <a:t>Pagina </a:t>
+            </a:r>
+            <a:fld id="{A04AC664-CE17-41DF-8E7B-92C5A0B181AB}" type="slidenum">
+              <a:rPr lang="it-IT" altLang="it-IT" sz="1100" smtClean="0">
+                <a:solidFill>
+                  <a:schemeClr val="bg1"/>
+                </a:solidFill>
+              </a:rPr>
+              <a:pPr>
+                <a:spcBef>
+                  <a:spcPct val="0"/>
+                </a:spcBef>
+                <a:buClrTx/>
+                <a:buFontTx/>
+                <a:buNone/>
+              </a:pPr>
+              <a:t>7</a:t>
+            </a:fld>
+            <a:endParaRPr lang="it-IT" altLang="it-IT" sz="1100">
+              <a:solidFill>
+                <a:schemeClr val="bg1"/>
+              </a:solidFill>
+            </a:endParaRPr>
+          </a:p>
+        </p:txBody>
+      </p:sp>
+    </p:spTree>
+  </p:cSld>
+  <p:clrMapOvr>
+    <a:masterClrMapping/>
+  </p:clrMapOvr>
+</p:sld>
+</file>
+
+<file path=ppt/slides/slide8.xml><?xml version="1.0" encoding="utf-8"?>
+<p:sld xmlns:a="http://schemas.openxmlformats.org/drawingml/2006/main" xmlns:r="http://schemas.openxmlformats.org/officeDocument/2006/relationships" xmlns:p="http://schemas.openxmlformats.org/presentationml/2006/main">
+  <p:cSld>
+    <p:spTree>
+      <p:nvGrpSpPr>
+        <p:cNvPr id="1" name=""/>
+        <p:cNvGrpSpPr/>
+        <p:nvPr/>
+      </p:nvGrpSpPr>
+      <p:grpSpPr>
+        <a:xfrm>
+          <a:off x="0" y="0"/>
+          <a:ext cx="0" cy="0"/>
+          <a:chOff x="0" y="0"/>
+          <a:chExt cx="0" cy="0"/>
+        </a:xfrm>
+      </p:grpSpPr>
+      <p:sp>
+        <p:nvSpPr>
+          <p:cNvPr id="8194" name="Titolo 1">
+            <a:extLst>
+              <a:ext uri="{FF2B5EF4-FFF2-40B4-BE49-F238E27FC236}">
+                <a16:creationId xmlns:a16="http://schemas.microsoft.com/office/drawing/2014/main" id="{88DEBB06-C188-4D7B-8656-8C874DBC6F63}"/>
+              </a:ext>
+            </a:extLst>
+          </p:cNvPr>
+          <p:cNvSpPr>
+            <a:spLocks noGrp="1" noChangeArrowheads="1"/>
+          </p:cNvSpPr>
+          <p:nvPr>
+            <p:ph type="title"/>
+          </p:nvPr>
+        </p:nvSpPr>
+        <p:spPr/>
+        <p:txBody>
+          <a:bodyPr/>
+          <a:lstStyle/>
+          <a:p>
+            <a:pPr eaLnBrk="1" hangingPunct="1"/>
+            <a:r>
+              <a:rPr lang="en-US" altLang="en-US" dirty="0" err="1"/>
+              <a:t>Razionali</a:t>
+            </a:r>
+            <a:r>
+              <a:rPr lang="en-US" altLang="en-US" dirty="0"/>
+              <a:t> a </a:t>
+            </a:r>
+            <a:r>
+              <a:rPr lang="en-US" altLang="en-US" dirty="0" err="1"/>
+              <a:t>precisione</a:t>
+            </a:r>
+            <a:r>
+              <a:rPr lang="en-US" altLang="en-US" dirty="0"/>
+              <a:t> </a:t>
+            </a:r>
+            <a:r>
+              <a:rPr lang="en-US" altLang="en-US" dirty="0" err="1"/>
+              <a:t>illimitata</a:t>
+            </a:r>
+            <a:endParaRPr lang="it-IT" altLang="it-IT" dirty="0"/>
+          </a:p>
+        </p:txBody>
+      </p:sp>
+      <p:sp>
+        <p:nvSpPr>
+          <p:cNvPr id="8195" name="Segnaposto contenuto 2">
+            <a:extLst>
+              <a:ext uri="{FF2B5EF4-FFF2-40B4-BE49-F238E27FC236}">
+                <a16:creationId xmlns:a16="http://schemas.microsoft.com/office/drawing/2014/main" id="{D0D83507-A7CE-4F77-8BB9-F1F544C72646}"/>
+              </a:ext>
+            </a:extLst>
+          </p:cNvPr>
+          <p:cNvSpPr>
+            <a:spLocks noGrp="1"/>
+          </p:cNvSpPr>
+          <p:nvPr>
+            <p:ph idx="1"/>
+          </p:nvPr>
+        </p:nvSpPr>
+        <p:spPr/>
+        <p:txBody>
+          <a:bodyPr/>
+          <a:lstStyle/>
+          <a:p>
+            <a:pPr eaLnBrk="1" hangingPunct="1">
+              <a:lnSpc>
+                <a:spcPct val="150000"/>
+              </a:lnSpc>
+              <a:defRPr/>
+            </a:pPr>
+            <a:r>
+              <a:rPr lang="it-IT" altLang="it-IT" sz="1600" dirty="0"/>
+              <a:t>Usando gli interi a precisione arbitraria si potrebbe implementare un razionale a precisione arbitraria come una coppia di interi:</a:t>
+            </a:r>
+          </a:p>
+          <a:p>
+            <a:pPr lvl="1">
+              <a:lnSpc>
+                <a:spcPct val="150000"/>
+              </a:lnSpc>
+              <a:defRPr/>
+            </a:pPr>
+            <a:r>
+              <a:rPr lang="it-IT" altLang="it-IT" sz="1200" dirty="0"/>
+              <a:t>Numeratore</a:t>
+            </a:r>
+          </a:p>
+          <a:p>
+            <a:pPr lvl="1">
+              <a:lnSpc>
+                <a:spcPct val="150000"/>
+              </a:lnSpc>
+              <a:defRPr/>
+            </a:pPr>
+            <a:r>
+              <a:rPr lang="it-IT" altLang="it-IT" sz="1200" dirty="0"/>
+              <a:t>Denominatore</a:t>
+            </a:r>
+          </a:p>
+          <a:p>
+            <a:pPr marL="457200" lvl="1" indent="0">
+              <a:lnSpc>
+                <a:spcPct val="150000"/>
+              </a:lnSpc>
+              <a:buNone/>
+              <a:defRPr/>
+            </a:pPr>
+            <a:r>
+              <a:rPr lang="it-IT" altLang="it-IT" sz="1600" dirty="0"/>
+              <a:t>sfruttando il fatto che l’insieme dei razionali è definito come l’insieme delle frazioni tra interi a denominatore non nullo</a:t>
+            </a:r>
+          </a:p>
+          <a:p>
+            <a:pPr>
+              <a:lnSpc>
+                <a:spcPct val="150000"/>
+              </a:lnSpc>
+              <a:defRPr/>
+            </a:pPr>
+            <a:r>
+              <a:rPr lang="it-IT" altLang="it-IT" sz="1600" dirty="0"/>
+              <a:t>Questa rappresentazione permetterebbe di fare operazioni esatte sui numeri reali ma, nel momento in cui fosse necessario trasformare una frazione in un numero in notazione posizionale, si tornerebbe ad avere lo stesso problema della rappresentazione classica</a:t>
+            </a:r>
+          </a:p>
+        </p:txBody>
+      </p:sp>
+      <p:sp>
+        <p:nvSpPr>
+          <p:cNvPr id="8196" name="Segnaposto data 3">
+            <a:extLst>
+              <a:ext uri="{FF2B5EF4-FFF2-40B4-BE49-F238E27FC236}">
+                <a16:creationId xmlns:a16="http://schemas.microsoft.com/office/drawing/2014/main" id="{8ED31B4D-95EE-4446-A900-569760EFBB2B}"/>
+              </a:ext>
+            </a:extLst>
+          </p:cNvPr>
+          <p:cNvSpPr>
+            <a:spLocks noGrp="1"/>
+          </p:cNvSpPr>
+          <p:nvPr>
+            <p:ph type="dt" sz="quarter" idx="10"/>
+          </p:nvPr>
+        </p:nvSpPr>
+        <p:spPr>
+          <a:noFill/>
+          <a:extLst>
+            <a:ext uri="{909E8E84-426E-40DD-AFC4-6F175D3DCCD1}">
+              <a14:hiddenFill xmlns:a14="http://schemas.microsoft.com/office/drawing/2010/main">
+                <a:solidFill>
+                  <a:schemeClr val="accent1"/>
+                </a:solidFill>
+              </a14:hiddenFill>
+            </a:ext>
+            <a:ext uri="{91240B29-F687-4F45-9708-019B960494DF}">
+              <a14:hiddenLine xmlns:a14="http://schemas.microsoft.com/office/drawing/2010/main" w="9525">
+                <a:solidFill>
+                  <a:schemeClr val="tx1"/>
+                </a:solidFill>
+                <a:miter lim="800000"/>
+                <a:headEnd/>
+                <a:tailEnd/>
+              </a14:hiddenLine>
+            </a:ext>
+          </a:extLst>
+        </p:spPr>
+        <p:txBody>
+          <a:bodyPr/>
+          <a:lstStyle>
+            <a:lvl1pPr>
+              <a:spcBef>
+                <a:spcPct val="20000"/>
+              </a:spcBef>
+              <a:buClr>
+                <a:srgbClr val="822433"/>
+              </a:buClr>
+              <a:buChar char="•"/>
+              <a:defRPr sz="2400">
+                <a:solidFill>
+                  <a:srgbClr val="000000"/>
+                </a:solidFill>
+                <a:latin typeface="Arial" panose="020B0604020202020204" pitchFamily="34" charset="0"/>
+                <a:ea typeface="ＭＳ Ｐゴシック" panose="020B0600070205080204" pitchFamily="34" charset="-128"/>
+              </a:defRPr>
+            </a:lvl1pPr>
+            <a:lvl2pPr marL="742950" indent="-285750">
+              <a:spcBef>
+                <a:spcPct val="20000"/>
+              </a:spcBef>
+              <a:buChar char="–"/>
+              <a:defRPr sz="2000">
+                <a:solidFill>
+                  <a:srgbClr val="000000"/>
+                </a:solidFill>
+                <a:latin typeface="Arial" panose="020B0604020202020204" pitchFamily="34" charset="0"/>
+                <a:ea typeface="ＭＳ Ｐゴシック" panose="020B0600070205080204" pitchFamily="34" charset="-128"/>
+              </a:defRPr>
+            </a:lvl2pPr>
+            <a:lvl3pPr marL="1143000" indent="-228600">
+              <a:spcBef>
+                <a:spcPct val="20000"/>
+              </a:spcBef>
+              <a:buChar char="•"/>
+              <a:defRPr sz="1600">
+                <a:solidFill>
+                  <a:srgbClr val="000000"/>
+                </a:solidFill>
+                <a:latin typeface="Arial" panose="020B0604020202020204" pitchFamily="34" charset="0"/>
+                <a:ea typeface="ＭＳ Ｐゴシック" panose="020B0600070205080204" pitchFamily="34" charset="-128"/>
+              </a:defRPr>
+            </a:lvl3pPr>
+            <a:lvl4pPr marL="1600200" indent="-228600">
+              <a:spcBef>
+                <a:spcPct val="20000"/>
+              </a:spcBef>
+              <a:buChar char="–"/>
+              <a:defRPr sz="1400">
+                <a:solidFill>
+                  <a:srgbClr val="000000"/>
+                </a:solidFill>
+                <a:latin typeface="Arial" panose="020B0604020202020204" pitchFamily="34" charset="0"/>
+                <a:ea typeface="ＭＳ Ｐゴシック" panose="020B0600070205080204" pitchFamily="34" charset="-128"/>
+              </a:defRPr>
+            </a:lvl4pPr>
+            <a:lvl5pPr marL="2057400" indent="-228600">
+              <a:spcBef>
+                <a:spcPct val="20000"/>
+              </a:spcBef>
+              <a:buChar char="»"/>
+              <a:defRPr sz="1200">
+                <a:solidFill>
+                  <a:srgbClr val="000000"/>
+                </a:solidFill>
+                <a:latin typeface="Arial" panose="020B0604020202020204" pitchFamily="34" charset="0"/>
+                <a:ea typeface="ＭＳ Ｐゴシック" panose="020B0600070205080204" pitchFamily="34" charset="-128"/>
+              </a:defRPr>
+            </a:lvl5pPr>
+            <a:lvl6pPr marL="2514600" indent="-228600" eaLnBrk="0" fontAlgn="base" hangingPunct="0">
+              <a:spcBef>
+                <a:spcPct val="20000"/>
+              </a:spcBef>
+              <a:spcAft>
+                <a:spcPct val="0"/>
+              </a:spcAft>
+              <a:buChar char="»"/>
+              <a:defRPr sz="1200">
+                <a:solidFill>
+                  <a:srgbClr val="000000"/>
+                </a:solidFill>
+                <a:latin typeface="Arial" panose="020B0604020202020204" pitchFamily="34" charset="0"/>
+                <a:ea typeface="ＭＳ Ｐゴシック" panose="020B0600070205080204" pitchFamily="34" charset="-128"/>
+              </a:defRPr>
+            </a:lvl6pPr>
+            <a:lvl7pPr marL="2971800" indent="-228600" eaLnBrk="0" fontAlgn="base" hangingPunct="0">
+              <a:spcBef>
+                <a:spcPct val="20000"/>
+              </a:spcBef>
+              <a:spcAft>
+                <a:spcPct val="0"/>
+              </a:spcAft>
+              <a:buChar char="»"/>
+              <a:defRPr sz="1200">
+                <a:solidFill>
+                  <a:srgbClr val="000000"/>
+                </a:solidFill>
+                <a:latin typeface="Arial" panose="020B0604020202020204" pitchFamily="34" charset="0"/>
+                <a:ea typeface="ＭＳ Ｐゴシック" panose="020B0600070205080204" pitchFamily="34" charset="-128"/>
+              </a:defRPr>
+            </a:lvl7pPr>
+            <a:lvl8pPr marL="3429000" indent="-228600" eaLnBrk="0" fontAlgn="base" hangingPunct="0">
+              <a:spcBef>
+                <a:spcPct val="20000"/>
+              </a:spcBef>
+              <a:spcAft>
+                <a:spcPct val="0"/>
+              </a:spcAft>
+              <a:buChar char="»"/>
+              <a:defRPr sz="1200">
+                <a:solidFill>
+                  <a:srgbClr val="000000"/>
+                </a:solidFill>
+                <a:latin typeface="Arial" panose="020B0604020202020204" pitchFamily="34" charset="0"/>
+                <a:ea typeface="ＭＳ Ｐゴシック" panose="020B0600070205080204" pitchFamily="34" charset="-128"/>
+              </a:defRPr>
+            </a:lvl8pPr>
+            <a:lvl9pPr marL="3886200" indent="-228600" eaLnBrk="0" fontAlgn="base" hangingPunct="0">
+              <a:spcBef>
+                <a:spcPct val="20000"/>
+              </a:spcBef>
+              <a:spcAft>
+                <a:spcPct val="0"/>
+              </a:spcAft>
+              <a:buChar char="»"/>
+              <a:defRPr sz="1200">
+                <a:solidFill>
+                  <a:srgbClr val="000000"/>
+                </a:solidFill>
+                <a:latin typeface="Arial" panose="020B0604020202020204" pitchFamily="34" charset="0"/>
+                <a:ea typeface="ＭＳ Ｐゴシック" panose="020B0600070205080204" pitchFamily="34" charset="-128"/>
+              </a:defRPr>
+            </a:lvl9pPr>
+          </a:lstStyle>
+          <a:p>
+            <a:pPr>
+              <a:spcBef>
+                <a:spcPct val="0"/>
+              </a:spcBef>
+              <a:buClrTx/>
+              <a:buFontTx/>
+              <a:buNone/>
+            </a:pPr>
+            <a:fld id="{F4B2CBBE-6C61-4042-9B87-F57D7B092959}" type="datetime1">
+              <a:rPr lang="it-IT" altLang="it-IT" sz="1100" smtClean="0">
+                <a:solidFill>
+                  <a:schemeClr val="bg1"/>
+                </a:solidFill>
+              </a:rPr>
+              <a:t>25/11/2021</a:t>
+            </a:fld>
+            <a:endParaRPr lang="it-IT" altLang="it-IT" sz="1100">
+              <a:solidFill>
+                <a:schemeClr val="bg1"/>
+              </a:solidFill>
+            </a:endParaRPr>
+          </a:p>
+        </p:txBody>
+      </p:sp>
+      <p:sp>
+        <p:nvSpPr>
+          <p:cNvPr id="8197" name="Segnaposto piè di pagina 4">
+            <a:extLst>
+              <a:ext uri="{FF2B5EF4-FFF2-40B4-BE49-F238E27FC236}">
+                <a16:creationId xmlns:a16="http://schemas.microsoft.com/office/drawing/2014/main" id="{41DCBAAC-E273-4429-9B2D-C40F2ACA52B5}"/>
+              </a:ext>
+            </a:extLst>
+          </p:cNvPr>
+          <p:cNvSpPr>
+            <a:spLocks noGrp="1"/>
+          </p:cNvSpPr>
+          <p:nvPr>
+            <p:ph type="ftr" sz="quarter" idx="11"/>
+          </p:nvPr>
+        </p:nvSpPr>
+        <p:spPr>
+          <a:noFill/>
+          <a:extLst>
+            <a:ext uri="{909E8E84-426E-40DD-AFC4-6F175D3DCCD1}">
+              <a14:hiddenFill xmlns:a14="http://schemas.microsoft.com/office/drawing/2010/main">
+                <a:solidFill>
+                  <a:schemeClr val="accent1"/>
+                </a:solidFill>
+              </a14:hiddenFill>
+            </a:ext>
+            <a:ext uri="{91240B29-F687-4F45-9708-019B960494DF}">
+              <a14:hiddenLine xmlns:a14="http://schemas.microsoft.com/office/drawing/2010/main" w="9525">
+                <a:solidFill>
+                  <a:schemeClr val="tx1"/>
+                </a:solidFill>
+                <a:miter lim="800000"/>
+                <a:headEnd/>
+                <a:tailEnd/>
+              </a14:hiddenLine>
+            </a:ext>
+          </a:extLst>
+        </p:spPr>
+        <p:txBody>
+          <a:bodyPr/>
+          <a:lstStyle>
+            <a:lvl1pPr>
+              <a:spcBef>
+                <a:spcPct val="20000"/>
+              </a:spcBef>
+              <a:buClr>
+                <a:srgbClr val="822433"/>
+              </a:buClr>
+              <a:buChar char="•"/>
+              <a:defRPr sz="2400">
+                <a:solidFill>
+                  <a:srgbClr val="000000"/>
+                </a:solidFill>
+                <a:latin typeface="Arial" panose="020B0604020202020204" pitchFamily="34" charset="0"/>
+                <a:ea typeface="ＭＳ Ｐゴシック" panose="020B0600070205080204" pitchFamily="34" charset="-128"/>
+              </a:defRPr>
+            </a:lvl1pPr>
+            <a:lvl2pPr marL="742950" indent="-285750">
+              <a:spcBef>
+                <a:spcPct val="20000"/>
+              </a:spcBef>
+              <a:buChar char="–"/>
+              <a:defRPr sz="2000">
+                <a:solidFill>
+                  <a:srgbClr val="000000"/>
+                </a:solidFill>
+                <a:latin typeface="Arial" panose="020B0604020202020204" pitchFamily="34" charset="0"/>
+                <a:ea typeface="ＭＳ Ｐゴシック" panose="020B0600070205080204" pitchFamily="34" charset="-128"/>
+              </a:defRPr>
+            </a:lvl2pPr>
+            <a:lvl3pPr marL="1143000" indent="-228600">
+              <a:spcBef>
+                <a:spcPct val="20000"/>
+              </a:spcBef>
+              <a:buChar char="•"/>
+              <a:defRPr sz="1600">
+                <a:solidFill>
+                  <a:srgbClr val="000000"/>
+                </a:solidFill>
+                <a:latin typeface="Arial" panose="020B0604020202020204" pitchFamily="34" charset="0"/>
+                <a:ea typeface="ＭＳ Ｐゴシック" panose="020B0600070205080204" pitchFamily="34" charset="-128"/>
+              </a:defRPr>
+            </a:lvl3pPr>
+            <a:lvl4pPr marL="1600200" indent="-228600">
+              <a:spcBef>
+                <a:spcPct val="20000"/>
+              </a:spcBef>
+              <a:buChar char="–"/>
+              <a:defRPr sz="1400">
+                <a:solidFill>
+                  <a:srgbClr val="000000"/>
+                </a:solidFill>
+                <a:latin typeface="Arial" panose="020B0604020202020204" pitchFamily="34" charset="0"/>
+                <a:ea typeface="ＭＳ Ｐゴシック" panose="020B0600070205080204" pitchFamily="34" charset="-128"/>
+              </a:defRPr>
+            </a:lvl4pPr>
+            <a:lvl5pPr marL="2057400" indent="-228600">
+              <a:spcBef>
+                <a:spcPct val="20000"/>
+              </a:spcBef>
+              <a:buChar char="»"/>
+              <a:defRPr sz="1200">
+                <a:solidFill>
+                  <a:srgbClr val="000000"/>
+                </a:solidFill>
+                <a:latin typeface="Arial" panose="020B0604020202020204" pitchFamily="34" charset="0"/>
+                <a:ea typeface="ＭＳ Ｐゴシック" panose="020B0600070205080204" pitchFamily="34" charset="-128"/>
+              </a:defRPr>
+            </a:lvl5pPr>
+            <a:lvl6pPr marL="2514600" indent="-228600" eaLnBrk="0" fontAlgn="base" hangingPunct="0">
+              <a:spcBef>
+                <a:spcPct val="20000"/>
+              </a:spcBef>
+              <a:spcAft>
+                <a:spcPct val="0"/>
+              </a:spcAft>
+              <a:buChar char="»"/>
+              <a:defRPr sz="1200">
+                <a:solidFill>
+                  <a:srgbClr val="000000"/>
+                </a:solidFill>
+                <a:latin typeface="Arial" panose="020B0604020202020204" pitchFamily="34" charset="0"/>
+                <a:ea typeface="ＭＳ Ｐゴシック" panose="020B0600070205080204" pitchFamily="34" charset="-128"/>
+              </a:defRPr>
+            </a:lvl6pPr>
+            <a:lvl7pPr marL="2971800" indent="-228600" eaLnBrk="0" fontAlgn="base" hangingPunct="0">
+              <a:spcBef>
+                <a:spcPct val="20000"/>
+              </a:spcBef>
+              <a:spcAft>
+                <a:spcPct val="0"/>
+              </a:spcAft>
+              <a:buChar char="»"/>
+              <a:defRPr sz="1200">
+                <a:solidFill>
+                  <a:srgbClr val="000000"/>
+                </a:solidFill>
+                <a:latin typeface="Arial" panose="020B0604020202020204" pitchFamily="34" charset="0"/>
+                <a:ea typeface="ＭＳ Ｐゴシック" panose="020B0600070205080204" pitchFamily="34" charset="-128"/>
+              </a:defRPr>
+            </a:lvl7pPr>
+            <a:lvl8pPr marL="3429000" indent="-228600" eaLnBrk="0" fontAlgn="base" hangingPunct="0">
+              <a:spcBef>
+                <a:spcPct val="20000"/>
+              </a:spcBef>
+              <a:spcAft>
+                <a:spcPct val="0"/>
+              </a:spcAft>
+              <a:buChar char="»"/>
+              <a:defRPr sz="1200">
+                <a:solidFill>
+                  <a:srgbClr val="000000"/>
+                </a:solidFill>
+                <a:latin typeface="Arial" panose="020B0604020202020204" pitchFamily="34" charset="0"/>
+                <a:ea typeface="ＭＳ Ｐゴシック" panose="020B0600070205080204" pitchFamily="34" charset="-128"/>
+              </a:defRPr>
+            </a:lvl8pPr>
+            <a:lvl9pPr marL="3886200" indent="-228600" eaLnBrk="0" fontAlgn="base" hangingPunct="0">
+              <a:spcBef>
+                <a:spcPct val="20000"/>
+              </a:spcBef>
+              <a:spcAft>
+                <a:spcPct val="0"/>
+              </a:spcAft>
+              <a:buChar char="»"/>
+              <a:defRPr sz="1200">
+                <a:solidFill>
+                  <a:srgbClr val="000000"/>
+                </a:solidFill>
+                <a:latin typeface="Arial" panose="020B0604020202020204" pitchFamily="34" charset="0"/>
+                <a:ea typeface="ＭＳ Ｐゴシック" panose="020B0600070205080204" pitchFamily="34" charset="-128"/>
+              </a:defRPr>
+            </a:lvl9pPr>
+          </a:lstStyle>
+          <a:p>
+            <a:pPr>
+              <a:spcBef>
+                <a:spcPct val="0"/>
+              </a:spcBef>
+              <a:buClrTx/>
+              <a:buFontTx/>
+              <a:buNone/>
+            </a:pPr>
+            <a:r>
+              <a:rPr lang="it-IT" altLang="it-IT" sz="1100">
+                <a:solidFill>
+                  <a:schemeClr val="bg1"/>
+                </a:solidFill>
+              </a:rPr>
+              <a:t>Calcolo dei numeri reali esatti in Haskell</a:t>
+            </a:r>
+            <a:endParaRPr lang="it-IT" altLang="it-IT" sz="1100" dirty="0">
+              <a:solidFill>
+                <a:schemeClr val="bg1"/>
+              </a:solidFill>
+            </a:endParaRPr>
+          </a:p>
+        </p:txBody>
+      </p:sp>
+      <p:sp>
+        <p:nvSpPr>
+          <p:cNvPr id="8198" name="Segnaposto numero diapositiva 5">
+            <a:extLst>
+              <a:ext uri="{FF2B5EF4-FFF2-40B4-BE49-F238E27FC236}">
+                <a16:creationId xmlns:a16="http://schemas.microsoft.com/office/drawing/2014/main" id="{3F65208C-89DF-4998-94AD-067C87DCB594}"/>
+              </a:ext>
+            </a:extLst>
+          </p:cNvPr>
+          <p:cNvSpPr>
+            <a:spLocks noGrp="1"/>
+          </p:cNvSpPr>
+          <p:nvPr>
+            <p:ph type="sldNum" sz="quarter" idx="12"/>
+          </p:nvPr>
+        </p:nvSpPr>
+        <p:spPr>
+          <a:noFill/>
+          <a:extLst>
+            <a:ext uri="{909E8E84-426E-40DD-AFC4-6F175D3DCCD1}">
+              <a14:hiddenFill xmlns:a14="http://schemas.microsoft.com/office/drawing/2010/main">
+                <a:solidFill>
+                  <a:schemeClr val="accent1"/>
+                </a:solidFill>
+              </a14:hiddenFill>
+            </a:ext>
+            <a:ext uri="{91240B29-F687-4F45-9708-019B960494DF}">
+              <a14:hiddenLine xmlns:a14="http://schemas.microsoft.com/office/drawing/2010/main" w="9525">
+                <a:solidFill>
+                  <a:schemeClr val="tx1"/>
+                </a:solidFill>
+                <a:miter lim="800000"/>
+                <a:headEnd/>
+                <a:tailEnd/>
+              </a14:hiddenLine>
+            </a:ext>
+          </a:extLst>
+        </p:spPr>
+        <p:txBody>
+          <a:bodyPr/>
+          <a:lstStyle>
+            <a:lvl1pPr>
+              <a:spcBef>
+                <a:spcPct val="20000"/>
+              </a:spcBef>
+              <a:buClr>
+                <a:srgbClr val="822433"/>
+              </a:buClr>
+              <a:buChar char="•"/>
+              <a:defRPr sz="2400">
+                <a:solidFill>
+                  <a:srgbClr val="000000"/>
+                </a:solidFill>
+                <a:latin typeface="Arial" panose="020B0604020202020204" pitchFamily="34" charset="0"/>
+                <a:ea typeface="ＭＳ Ｐゴシック" panose="020B0600070205080204" pitchFamily="34" charset="-128"/>
+              </a:defRPr>
+            </a:lvl1pPr>
+            <a:lvl2pPr marL="742950" indent="-285750">
+              <a:spcBef>
+                <a:spcPct val="20000"/>
+              </a:spcBef>
+              <a:buChar char="–"/>
+              <a:defRPr sz="2000">
+                <a:solidFill>
+                  <a:srgbClr val="000000"/>
+                </a:solidFill>
+                <a:latin typeface="Arial" panose="020B0604020202020204" pitchFamily="34" charset="0"/>
+                <a:ea typeface="ＭＳ Ｐゴシック" panose="020B0600070205080204" pitchFamily="34" charset="-128"/>
+              </a:defRPr>
+            </a:lvl2pPr>
+            <a:lvl3pPr marL="1143000" indent="-228600">
+              <a:spcBef>
+                <a:spcPct val="20000"/>
+              </a:spcBef>
+              <a:buChar char="•"/>
+              <a:defRPr sz="1600">
+                <a:solidFill>
+                  <a:srgbClr val="000000"/>
+                </a:solidFill>
+                <a:latin typeface="Arial" panose="020B0604020202020204" pitchFamily="34" charset="0"/>
+                <a:ea typeface="ＭＳ Ｐゴシック" panose="020B0600070205080204" pitchFamily="34" charset="-128"/>
+              </a:defRPr>
+            </a:lvl3pPr>
+            <a:lvl4pPr marL="1600200" indent="-228600">
+              <a:spcBef>
+                <a:spcPct val="20000"/>
+              </a:spcBef>
+              <a:buChar char="–"/>
+              <a:defRPr sz="1400">
+                <a:solidFill>
+                  <a:srgbClr val="000000"/>
+                </a:solidFill>
+                <a:latin typeface="Arial" panose="020B0604020202020204" pitchFamily="34" charset="0"/>
+                <a:ea typeface="ＭＳ Ｐゴシック" panose="020B0600070205080204" pitchFamily="34" charset="-128"/>
+              </a:defRPr>
+            </a:lvl4pPr>
+            <a:lvl5pPr marL="2057400" indent="-228600">
+              <a:spcBef>
+                <a:spcPct val="20000"/>
+              </a:spcBef>
+              <a:buChar char="»"/>
+              <a:defRPr sz="1200">
+                <a:solidFill>
+                  <a:srgbClr val="000000"/>
+                </a:solidFill>
+                <a:latin typeface="Arial" panose="020B0604020202020204" pitchFamily="34" charset="0"/>
+                <a:ea typeface="ＭＳ Ｐゴシック" panose="020B0600070205080204" pitchFamily="34" charset="-128"/>
+              </a:defRPr>
+            </a:lvl5pPr>
+            <a:lvl6pPr marL="2514600" indent="-228600" eaLnBrk="0" fontAlgn="base" hangingPunct="0">
+              <a:spcBef>
+                <a:spcPct val="20000"/>
+              </a:spcBef>
+              <a:spcAft>
+                <a:spcPct val="0"/>
+              </a:spcAft>
+              <a:buChar char="»"/>
+              <a:defRPr sz="1200">
+                <a:solidFill>
+                  <a:srgbClr val="000000"/>
+                </a:solidFill>
+                <a:latin typeface="Arial" panose="020B0604020202020204" pitchFamily="34" charset="0"/>
+                <a:ea typeface="ＭＳ Ｐゴシック" panose="020B0600070205080204" pitchFamily="34" charset="-128"/>
+              </a:defRPr>
+            </a:lvl6pPr>
+            <a:lvl7pPr marL="2971800" indent="-228600" eaLnBrk="0" fontAlgn="base" hangingPunct="0">
+              <a:spcBef>
+                <a:spcPct val="20000"/>
+              </a:spcBef>
+              <a:spcAft>
+                <a:spcPct val="0"/>
+              </a:spcAft>
+              <a:buChar char="»"/>
+              <a:defRPr sz="1200">
+                <a:solidFill>
+                  <a:srgbClr val="000000"/>
+                </a:solidFill>
+                <a:latin typeface="Arial" panose="020B0604020202020204" pitchFamily="34" charset="0"/>
+                <a:ea typeface="ＭＳ Ｐゴシック" panose="020B0600070205080204" pitchFamily="34" charset="-128"/>
+              </a:defRPr>
+            </a:lvl7pPr>
+            <a:lvl8pPr marL="3429000" indent="-228600" eaLnBrk="0" fontAlgn="base" hangingPunct="0">
+              <a:spcBef>
+                <a:spcPct val="20000"/>
+              </a:spcBef>
+              <a:spcAft>
+                <a:spcPct val="0"/>
+              </a:spcAft>
+              <a:buChar char="»"/>
+              <a:defRPr sz="1200">
+                <a:solidFill>
+                  <a:srgbClr val="000000"/>
+                </a:solidFill>
+                <a:latin typeface="Arial" panose="020B0604020202020204" pitchFamily="34" charset="0"/>
+                <a:ea typeface="ＭＳ Ｐゴシック" panose="020B0600070205080204" pitchFamily="34" charset="-128"/>
+              </a:defRPr>
+            </a:lvl8pPr>
+            <a:lvl9pPr marL="3886200" indent="-228600" eaLnBrk="0" fontAlgn="base" hangingPunct="0">
+              <a:spcBef>
+                <a:spcPct val="20000"/>
+              </a:spcBef>
+              <a:spcAft>
+                <a:spcPct val="0"/>
+              </a:spcAft>
+              <a:buChar char="»"/>
+              <a:defRPr sz="1200">
+                <a:solidFill>
+                  <a:srgbClr val="000000"/>
+                </a:solidFill>
+                <a:latin typeface="Arial" panose="020B0604020202020204" pitchFamily="34" charset="0"/>
+                <a:ea typeface="ＭＳ Ｐゴシック" panose="020B0600070205080204" pitchFamily="34" charset="-128"/>
+              </a:defRPr>
+            </a:lvl9pPr>
+          </a:lstStyle>
+          <a:p>
+            <a:pPr>
+              <a:spcBef>
+                <a:spcPct val="0"/>
+              </a:spcBef>
+              <a:buClrTx/>
+              <a:buFontTx/>
+              <a:buNone/>
+            </a:pPr>
+            <a:r>
+              <a:rPr lang="it-IT" altLang="it-IT" sz="1100">
+                <a:solidFill>
+                  <a:schemeClr val="bg1"/>
+                </a:solidFill>
+              </a:rPr>
+              <a:t>Pagina </a:t>
+            </a:r>
+            <a:fld id="{A04AC664-CE17-41DF-8E7B-92C5A0B181AB}" type="slidenum">
+              <a:rPr lang="it-IT" altLang="it-IT" sz="1100" smtClean="0">
+                <a:solidFill>
+                  <a:schemeClr val="bg1"/>
+                </a:solidFill>
+              </a:rPr>
+              <a:pPr>
+                <a:spcBef>
+                  <a:spcPct val="0"/>
+                </a:spcBef>
+                <a:buClrTx/>
+                <a:buFontTx/>
+                <a:buNone/>
+              </a:pPr>
+              <a:t>8</a:t>
+            </a:fld>
+            <a:endParaRPr lang="it-IT" altLang="it-IT" sz="1100">
+              <a:solidFill>
+                <a:schemeClr val="bg1"/>
+              </a:solidFill>
+            </a:endParaRPr>
+          </a:p>
+        </p:txBody>
+      </p:sp>
+    </p:spTree>
+    <p:extLst>
+      <p:ext uri="{BB962C8B-B14F-4D97-AF65-F5344CB8AC3E}">
+        <p14:creationId xmlns:p14="http://schemas.microsoft.com/office/powerpoint/2010/main" val="3933300095"/>
+      </p:ext>
+    </p:extLst>
+  </p:cSld>
+  <p:clrMapOvr>
+    <a:masterClrMapping/>
+  </p:clrMapOvr>
+</p:sld>
+</file>
+
+<file path=ppt/slides/slide9.xml><?xml version="1.0" encoding="utf-8"?>
+<p:sld xmlns:a="http://schemas.openxmlformats.org/drawingml/2006/main" xmlns:r="http://schemas.openxmlformats.org/officeDocument/2006/relationships" xmlns:p="http://schemas.openxmlformats.org/presentationml/2006/main">
+  <p:cSld>
+    <p:spTree>
+      <p:nvGrpSpPr>
+        <p:cNvPr id="1" name=""/>
+        <p:cNvGrpSpPr/>
+        <p:nvPr/>
+      </p:nvGrpSpPr>
+      <p:grpSpPr>
+        <a:xfrm>
+          <a:off x="0" y="0"/>
+          <a:ext cx="0" cy="0"/>
+          <a:chOff x="0" y="0"/>
+          <a:chExt cx="0" cy="0"/>
+        </a:xfrm>
+      </p:grpSpPr>
+      <p:sp>
+        <p:nvSpPr>
+          <p:cNvPr id="6146" name="Titolo 1">
+            <a:extLst>
+              <a:ext uri="{FF2B5EF4-FFF2-40B4-BE49-F238E27FC236}">
+                <a16:creationId xmlns:a16="http://schemas.microsoft.com/office/drawing/2014/main" id="{B45A6202-6109-4E17-B4C8-1013AB800E09}"/>
+              </a:ext>
+            </a:extLst>
+          </p:cNvPr>
+          <p:cNvSpPr>
+            <a:spLocks noGrp="1" noChangeArrowheads="1"/>
+          </p:cNvSpPr>
+          <p:nvPr>
+            <p:ph type="ctrTitle"/>
+          </p:nvPr>
+        </p:nvSpPr>
+        <p:spPr/>
+        <p:txBody>
+          <a:bodyPr/>
+          <a:lstStyle/>
+          <a:p>
+            <a:pPr eaLnBrk="1" hangingPunct="1"/>
+            <a:r>
+              <a:rPr lang="it-IT" altLang="it-IT" sz="4800" dirty="0"/>
+              <a:t>Numeri computabili</a:t>
+            </a:r>
+          </a:p>
+        </p:txBody>
+      </p:sp>
+    </p:spTree>
+    <p:extLst>
+      <p:ext uri="{BB962C8B-B14F-4D97-AF65-F5344CB8AC3E}">
+        <p14:creationId xmlns:p14="http://schemas.microsoft.com/office/powerpoint/2010/main" val="2082958"/>
+      </p:ext>
+    </p:extLst>
   </p:cSld>
   <p:clrMapOvr>
     <a:masterClrMapping/>
